--- a/课程ppt/第10讲 JS-SDK.pptx
+++ b/课程ppt/第10讲 JS-SDK.pptx
@@ -9,10 +9,10 @@
     <p:sldMasterId id="2147483691" r:id="rId5"/>
   </p:sldMasterIdLst>
   <p:notesMasterIdLst>
-    <p:notesMasterId r:id="rId25"/>
+    <p:notesMasterId r:id="rId30"/>
   </p:notesMasterIdLst>
   <p:handoutMasterIdLst>
-    <p:handoutMasterId r:id="rId26"/>
+    <p:handoutMasterId r:id="rId31"/>
   </p:handoutMasterIdLst>
   <p:sldIdLst>
     <p:sldId id="257" r:id="rId6"/>
@@ -29,16 +29,21 @@
     <p:sldId id="483" r:id="rId17"/>
     <p:sldId id="484" r:id="rId18"/>
     <p:sldId id="456" r:id="rId19"/>
-    <p:sldId id="452" r:id="rId20"/>
-    <p:sldId id="474" r:id="rId21"/>
-    <p:sldId id="470" r:id="rId22"/>
-    <p:sldId id="471" r:id="rId23"/>
-    <p:sldId id="311" r:id="rId24"/>
+    <p:sldId id="490" r:id="rId20"/>
+    <p:sldId id="491" r:id="rId21"/>
+    <p:sldId id="492" r:id="rId22"/>
+    <p:sldId id="488" r:id="rId23"/>
+    <p:sldId id="489" r:id="rId24"/>
+    <p:sldId id="452" r:id="rId25"/>
+    <p:sldId id="474" r:id="rId26"/>
+    <p:sldId id="470" r:id="rId27"/>
+    <p:sldId id="471" r:id="rId28"/>
+    <p:sldId id="311" r:id="rId29"/>
   </p:sldIdLst>
   <p:sldSz cx="12192000" cy="6858000"/>
   <p:notesSz cx="6858000" cy="9144000"/>
   <p:custDataLst>
-    <p:tags r:id="rId27"/>
+    <p:tags r:id="rId32"/>
   </p:custDataLst>
   <p:defaultTextStyle>
     <a:defPPr>
@@ -946,7 +951,7 @@
                 <a:ea typeface="宋体" charset="-122"/>
               </a:rPr>
               <a:pPr algn="r" eaLnBrk="1" hangingPunct="1"/>
-              <a:t>19</a:t>
+              <a:t>24</a:t>
             </a:fld>
             <a:endParaRPr lang="zh-CN" altLang="en-US" sz="1200">
               <a:latin typeface="Calibri" pitchFamily="34" charset="0"/>
@@ -13447,7 +13452,7 @@
         <p:spPr>
           <a:xfrm>
             <a:off x="1054099" y="1710813"/>
-            <a:ext cx="10135011" cy="2169825"/>
+            <a:ext cx="10135011" cy="1754326"/>
           </a:xfrm>
           <a:prstGeom prst="rect">
             <a:avLst/>
@@ -13575,36 +13580,6 @@
               <a:latin typeface="微软雅黑" panose="020B0503020204020204" pitchFamily="34" charset="-122"/>
               <a:ea typeface="微软雅黑" panose="020B0503020204020204" pitchFamily="34" charset="-122"/>
             </a:endParaRPr>
-          </a:p>
-          <a:p>
-            <a:pPr marL="285750" indent="-285750">
-              <a:lnSpc>
-                <a:spcPct val="150000"/>
-              </a:lnSpc>
-              <a:buFont typeface="Arial" panose="020B0604020202020204" pitchFamily="34" charset="0"/>
-              <a:buChar char="•"/>
-            </a:pPr>
-            <a:r>
-              <a:rPr lang="zh-CN" altLang="en-US" dirty="0">
-                <a:latin typeface="微软雅黑" panose="020B0503020204020204" pitchFamily="34" charset="-122"/>
-                <a:ea typeface="微软雅黑" panose="020B0503020204020204" pitchFamily="34" charset="-122"/>
-              </a:rPr>
-              <a:t>需要加载页面就要绑定好的功能，接口的配置都需要在</a:t>
-            </a:r>
-            <a:r>
-              <a:rPr lang="en-US" altLang="zh-CN" dirty="0">
-                <a:latin typeface="微软雅黑" panose="020B0503020204020204" pitchFamily="34" charset="-122"/>
-                <a:ea typeface="微软雅黑" panose="020B0503020204020204" pitchFamily="34" charset="-122"/>
-              </a:rPr>
-              <a:t>ready</a:t>
-            </a:r>
-            <a:r>
-              <a:rPr lang="zh-CN" altLang="en-US" dirty="0">
-                <a:latin typeface="微软雅黑" panose="020B0503020204020204" pitchFamily="34" charset="-122"/>
-                <a:ea typeface="微软雅黑" panose="020B0503020204020204" pitchFamily="34" charset="-122"/>
-              </a:rPr>
-              <a:t>函数中进行。</a:t>
-            </a:r>
           </a:p>
         </p:txBody>
       </p:sp>
@@ -13863,7 +13838,7 @@
           <a:p>
             <a:r>
               <a:rPr lang="zh-CN" altLang="en-US" b="0" dirty="0"/>
-              <a:t>分享接口</a:t>
+              <a:t>分享到朋友圈接口</a:t>
             </a:r>
           </a:p>
         </p:txBody>
@@ -13911,7 +13886,7 @@
         <p:spPr>
           <a:xfrm>
             <a:off x="1054100" y="543636"/>
-            <a:ext cx="7304088" cy="685800"/>
+            <a:ext cx="5818188" cy="685800"/>
           </a:xfrm>
         </p:spPr>
         <p:txBody>
@@ -13919,195 +13894,16 @@
           <a:lstStyle/>
           <a:p>
             <a:r>
-              <a:rPr lang="zh-CN" altLang="en-US" dirty="0"/>
-              <a:t>第三讲</a:t>
-            </a:r>
-          </a:p>
-        </p:txBody>
-      </p:sp>
-      <p:sp>
-        <p:nvSpPr>
-          <p:cNvPr id="6" name="文本框 5"/>
-          <p:cNvSpPr txBox="1"/>
-          <p:nvPr/>
-        </p:nvSpPr>
-        <p:spPr>
-          <a:xfrm>
-            <a:off x="4058444" y="2343152"/>
-            <a:ext cx="5385594" cy="2062103"/>
-          </a:xfrm>
-          <a:prstGeom prst="rect">
-            <a:avLst/>
-          </a:prstGeom>
-          <a:noFill/>
-        </p:spPr>
-        <p:txBody>
-          <a:bodyPr wrap="square" rtlCol="0">
-            <a:spAutoFit/>
-          </a:bodyPr>
-          <a:lstStyle/>
-          <a:p>
-            <a:pPr marL="514350" indent="-514350">
-              <a:lnSpc>
-                <a:spcPct val="200000"/>
-              </a:lnSpc>
-              <a:buFont typeface="+mj-ea"/>
-              <a:buAutoNum type="ea1JpnChsDbPeriod"/>
-            </a:pPr>
-            <a:r>
-              <a:rPr lang="en-US" altLang="zh-CN" sz="2000" dirty="0" err="1">
-                <a:solidFill>
-                  <a:schemeClr val="tx1">
-                    <a:lumMod val="65000"/>
-                    <a:lumOff val="35000"/>
-                  </a:schemeClr>
-                </a:solidFill>
-                <a:latin typeface="微软雅黑" panose="020B0503020204020204" pitchFamily="34" charset="-122"/>
-                <a:ea typeface="微软雅黑" panose="020B0503020204020204" pitchFamily="34" charset="-122"/>
-              </a:rPr>
-              <a:t>WeUI</a:t>
-            </a:r>
-            <a:r>
-              <a:rPr lang="zh-CN" altLang="en-US" sz="2000" dirty="0">
-                <a:solidFill>
-                  <a:schemeClr val="tx1">
-                    <a:lumMod val="65000"/>
-                    <a:lumOff val="35000"/>
-                  </a:schemeClr>
-                </a:solidFill>
-                <a:latin typeface="微软雅黑" panose="020B0503020204020204" pitchFamily="34" charset="-122"/>
-                <a:ea typeface="微软雅黑" panose="020B0503020204020204" pitchFamily="34" charset="-122"/>
-              </a:rPr>
-              <a:t>基础与使用</a:t>
-            </a:r>
-            <a:endParaRPr lang="en-US" altLang="zh-CN" sz="2000" dirty="0">
-              <a:solidFill>
-                <a:schemeClr val="tx1">
-                  <a:lumMod val="65000"/>
-                  <a:lumOff val="35000"/>
-                </a:schemeClr>
-              </a:solidFill>
-              <a:latin typeface="微软雅黑" panose="020B0503020204020204" pitchFamily="34" charset="-122"/>
-              <a:ea typeface="微软雅黑" panose="020B0503020204020204" pitchFamily="34" charset="-122"/>
-            </a:endParaRPr>
-          </a:p>
-          <a:p>
-            <a:pPr marL="514350" indent="-514350">
-              <a:lnSpc>
-                <a:spcPct val="200000"/>
-              </a:lnSpc>
-              <a:buFont typeface="+mj-ea"/>
-              <a:buAutoNum type="ea1JpnChsDbPeriod"/>
-            </a:pPr>
-            <a:r>
-              <a:rPr lang="en-US" altLang="zh-CN" sz="2000" dirty="0">
-                <a:solidFill>
-                  <a:schemeClr val="tx1">
-                    <a:lumMod val="65000"/>
-                    <a:lumOff val="35000"/>
-                  </a:schemeClr>
-                </a:solidFill>
-                <a:latin typeface="微软雅黑" panose="020B0503020204020204" pitchFamily="34" charset="-122"/>
-                <a:ea typeface="微软雅黑" panose="020B0503020204020204" pitchFamily="34" charset="-122"/>
-              </a:rPr>
-              <a:t>JS-SDK</a:t>
-            </a:r>
-            <a:r>
-              <a:rPr lang="zh-CN" altLang="en-US" sz="2000" dirty="0">
-                <a:solidFill>
-                  <a:schemeClr val="tx1">
-                    <a:lumMod val="65000"/>
-                    <a:lumOff val="35000"/>
-                  </a:schemeClr>
-                </a:solidFill>
-                <a:latin typeface="微软雅黑" panose="020B0503020204020204" pitchFamily="34" charset="-122"/>
-                <a:ea typeface="微软雅黑" panose="020B0503020204020204" pitchFamily="34" charset="-122"/>
-              </a:rPr>
-              <a:t>基本使用</a:t>
-            </a:r>
-            <a:endParaRPr lang="en-US" altLang="zh-CN" sz="2000" dirty="0">
-              <a:solidFill>
-                <a:schemeClr val="tx1">
-                  <a:lumMod val="65000"/>
-                  <a:lumOff val="35000"/>
-                </a:schemeClr>
-              </a:solidFill>
-              <a:latin typeface="微软雅黑" panose="020B0503020204020204" pitchFamily="34" charset="-122"/>
-              <a:ea typeface="微软雅黑" panose="020B0503020204020204" pitchFamily="34" charset="-122"/>
-            </a:endParaRPr>
-          </a:p>
-          <a:p>
-            <a:pPr marL="514350" indent="-514350">
-              <a:lnSpc>
-                <a:spcPct val="200000"/>
-              </a:lnSpc>
-              <a:buFont typeface="+mj-ea"/>
-              <a:buAutoNum type="ea1JpnChsDbPeriod"/>
-            </a:pPr>
-            <a:r>
-              <a:rPr lang="en-US" altLang="zh-CN" sz="2400" dirty="0" err="1">
-                <a:solidFill>
-                  <a:schemeClr val="accent6">
-                    <a:lumMod val="75000"/>
-                  </a:schemeClr>
-                </a:solidFill>
-                <a:latin typeface="微软雅黑" panose="020B0503020204020204" pitchFamily="34" charset="-122"/>
-                <a:ea typeface="微软雅黑" panose="020B0503020204020204" pitchFamily="34" charset="-122"/>
-              </a:rPr>
-              <a:t>WeUI</a:t>
-            </a:r>
-            <a:r>
-              <a:rPr lang="zh-CN" altLang="en-US" sz="2400" dirty="0">
-                <a:solidFill>
-                  <a:schemeClr val="accent6">
-                    <a:lumMod val="75000"/>
-                  </a:schemeClr>
-                </a:solidFill>
-                <a:latin typeface="微软雅黑" panose="020B0503020204020204" pitchFamily="34" charset="-122"/>
-                <a:ea typeface="微软雅黑" panose="020B0503020204020204" pitchFamily="34" charset="-122"/>
-              </a:rPr>
-              <a:t>与</a:t>
-            </a:r>
-            <a:r>
-              <a:rPr lang="en-US" altLang="zh-CN" sz="2400" dirty="0">
-                <a:solidFill>
-                  <a:schemeClr val="accent6">
-                    <a:lumMod val="75000"/>
-                  </a:schemeClr>
-                </a:solidFill>
-                <a:latin typeface="微软雅黑" panose="020B0503020204020204" pitchFamily="34" charset="-122"/>
-                <a:ea typeface="微软雅黑" panose="020B0503020204020204" pitchFamily="34" charset="-122"/>
-              </a:rPr>
-              <a:t>JS-SDK</a:t>
-            </a:r>
-            <a:r>
-              <a:rPr lang="zh-CN" altLang="en-US" sz="2400" dirty="0">
-                <a:solidFill>
-                  <a:schemeClr val="accent6">
-                    <a:lumMod val="75000"/>
-                  </a:schemeClr>
-                </a:solidFill>
-                <a:latin typeface="微软雅黑" panose="020B0503020204020204" pitchFamily="34" charset="-122"/>
-                <a:ea typeface="微软雅黑" panose="020B0503020204020204" pitchFamily="34" charset="-122"/>
-              </a:rPr>
-              <a:t>配合使用</a:t>
-            </a:r>
-            <a:endParaRPr lang="en-US" altLang="zh-CN" sz="2400" dirty="0">
-              <a:solidFill>
-                <a:schemeClr val="accent6">
-                  <a:lumMod val="75000"/>
-                </a:schemeClr>
-              </a:solidFill>
-              <a:latin typeface="微软雅黑" panose="020B0503020204020204" pitchFamily="34" charset="-122"/>
-              <a:ea typeface="微软雅黑" panose="020B0503020204020204" pitchFamily="34" charset="-122"/>
-            </a:endParaRPr>
+              <a:rPr lang="zh-CN" altLang="en-US" b="0" dirty="0"/>
+              <a:t>选择图像接口</a:t>
+            </a:r>
           </a:p>
         </p:txBody>
       </p:sp>
     </p:spTree>
     <p:extLst>
       <p:ext uri="{BB962C8B-B14F-4D97-AF65-F5344CB8AC3E}">
-        <p14:creationId xmlns:p14="http://schemas.microsoft.com/office/powerpoint/2010/main" val="1928010297"/>
+        <p14:creationId xmlns:p14="http://schemas.microsoft.com/office/powerpoint/2010/main" val="2744694590"/>
       </p:ext>
     </p:extLst>
   </p:cSld>
@@ -14146,8 +13942,8 @@
         </p:nvSpPr>
         <p:spPr>
           <a:xfrm>
-            <a:off x="1054099" y="543636"/>
-            <a:ext cx="5889625" cy="685800"/>
+            <a:off x="1054100" y="543636"/>
+            <a:ext cx="5818188" cy="685800"/>
           </a:xfrm>
         </p:spPr>
         <p:txBody>
@@ -14156,7 +13952,7 @@
           <a:p>
             <a:r>
               <a:rPr lang="zh-CN" altLang="en-US" b="0" dirty="0"/>
-              <a:t>获取地理位置</a:t>
+              <a:t>上传图像接口</a:t>
             </a:r>
           </a:p>
         </p:txBody>
@@ -14164,7 +13960,7 @@
     </p:spTree>
     <p:extLst>
       <p:ext uri="{BB962C8B-B14F-4D97-AF65-F5344CB8AC3E}">
-        <p14:creationId xmlns:p14="http://schemas.microsoft.com/office/powerpoint/2010/main" val="921697031"/>
+        <p14:creationId xmlns:p14="http://schemas.microsoft.com/office/powerpoint/2010/main" val="480444120"/>
       </p:ext>
     </p:extLst>
   </p:cSld>
@@ -14201,14 +13997,23 @@
             <p:ph sz="quarter" idx="13"/>
           </p:nvPr>
         </p:nvSpPr>
-        <p:spPr/>
+        <p:spPr>
+          <a:xfrm>
+            <a:off x="1054100" y="543636"/>
+            <a:ext cx="5818188" cy="685800"/>
+          </a:xfrm>
+        </p:spPr>
         <p:txBody>
           <a:bodyPr/>
           <a:lstStyle/>
           <a:p>
             <a:r>
+              <a:rPr lang="zh-CN" altLang="en-US" b="0"/>
+              <a:t>显示图像</a:t>
+            </a:r>
+            <a:r>
               <a:rPr lang="zh-CN" altLang="en-US" b="0" dirty="0"/>
-              <a:t>语音接口</a:t>
+              <a:t>接口</a:t>
             </a:r>
           </a:p>
         </p:txBody>
@@ -14216,7 +14021,7 @@
     </p:spTree>
     <p:extLst>
       <p:ext uri="{BB962C8B-B14F-4D97-AF65-F5344CB8AC3E}">
-        <p14:creationId xmlns:p14="http://schemas.microsoft.com/office/powerpoint/2010/main" val="2100823401"/>
+        <p14:creationId xmlns:p14="http://schemas.microsoft.com/office/powerpoint/2010/main" val="2502221667"/>
       </p:ext>
     </p:extLst>
   </p:cSld>
@@ -14255,6 +14060,701 @@
         </p:nvSpPr>
         <p:spPr>
           <a:xfrm>
+            <a:off x="1054100" y="543636"/>
+            <a:ext cx="5818188" cy="685800"/>
+          </a:xfrm>
+        </p:spPr>
+        <p:txBody>
+          <a:bodyPr/>
+          <a:lstStyle/>
+          <a:p>
+            <a:r>
+              <a:rPr lang="zh-CN" altLang="en-US" b="0" dirty="0"/>
+              <a:t>分享给朋友接口</a:t>
+            </a:r>
+          </a:p>
+        </p:txBody>
+      </p:sp>
+    </p:spTree>
+    <p:extLst>
+      <p:ext uri="{BB962C8B-B14F-4D97-AF65-F5344CB8AC3E}">
+        <p14:creationId xmlns:p14="http://schemas.microsoft.com/office/powerpoint/2010/main" val="1292342844"/>
+      </p:ext>
+    </p:extLst>
+  </p:cSld>
+  <p:clrMapOvr>
+    <a:masterClrMapping/>
+  </p:clrMapOvr>
+</p:sld>
+</file>
+
+<file path=ppt/slides/slide19.xml><?xml version="1.0" encoding="utf-8"?>
+<p:sld xmlns:a="http://schemas.openxmlformats.org/drawingml/2006/main" xmlns:r="http://schemas.openxmlformats.org/officeDocument/2006/relationships" xmlns:p="http://schemas.openxmlformats.org/presentationml/2006/main">
+  <p:cSld>
+    <p:spTree>
+      <p:nvGrpSpPr>
+        <p:cNvPr id="1" name=""/>
+        <p:cNvGrpSpPr/>
+        <p:nvPr/>
+      </p:nvGrpSpPr>
+      <p:grpSpPr>
+        <a:xfrm>
+          <a:off x="0" y="0"/>
+          <a:ext cx="0" cy="0"/>
+          <a:chOff x="0" y="0"/>
+          <a:chExt cx="0" cy="0"/>
+        </a:xfrm>
+      </p:grpSpPr>
+      <p:sp>
+        <p:nvSpPr>
+          <p:cNvPr id="2" name="内容占位符 1"/>
+          <p:cNvSpPr>
+            <a:spLocks noGrp="1"/>
+          </p:cNvSpPr>
+          <p:nvPr>
+            <p:ph sz="quarter" idx="13"/>
+          </p:nvPr>
+        </p:nvSpPr>
+        <p:spPr>
+          <a:xfrm>
+            <a:off x="1054100" y="543636"/>
+            <a:ext cx="5818188" cy="685800"/>
+          </a:xfrm>
+        </p:spPr>
+        <p:txBody>
+          <a:bodyPr/>
+          <a:lstStyle/>
+          <a:p>
+            <a:r>
+              <a:rPr lang="zh-CN" altLang="en-US" b="0" dirty="0"/>
+              <a:t>关闭页面接口</a:t>
+            </a:r>
+          </a:p>
+        </p:txBody>
+      </p:sp>
+    </p:spTree>
+    <p:extLst>
+      <p:ext uri="{BB962C8B-B14F-4D97-AF65-F5344CB8AC3E}">
+        <p14:creationId xmlns:p14="http://schemas.microsoft.com/office/powerpoint/2010/main" val="804259229"/>
+      </p:ext>
+    </p:extLst>
+  </p:cSld>
+  <p:clrMapOvr>
+    <a:masterClrMapping/>
+  </p:clrMapOvr>
+</p:sld>
+</file>
+
+<file path=ppt/slides/slide2.xml><?xml version="1.0" encoding="utf-8"?>
+<p:sld xmlns:a="http://schemas.openxmlformats.org/drawingml/2006/main" xmlns:r="http://schemas.openxmlformats.org/officeDocument/2006/relationships" xmlns:p="http://schemas.openxmlformats.org/presentationml/2006/main">
+  <p:cSld>
+    <p:spTree>
+      <p:nvGrpSpPr>
+        <p:cNvPr id="1" name=""/>
+        <p:cNvGrpSpPr/>
+        <p:nvPr/>
+      </p:nvGrpSpPr>
+      <p:grpSpPr>
+        <a:xfrm>
+          <a:off x="0" y="0"/>
+          <a:ext cx="0" cy="0"/>
+          <a:chOff x="0" y="0"/>
+          <a:chExt cx="0" cy="0"/>
+        </a:xfrm>
+      </p:grpSpPr>
+      <p:sp>
+        <p:nvSpPr>
+          <p:cNvPr id="2" name="内容占位符 1"/>
+          <p:cNvSpPr>
+            <a:spLocks noGrp="1"/>
+          </p:cNvSpPr>
+          <p:nvPr>
+            <p:ph sz="quarter" idx="13"/>
+          </p:nvPr>
+        </p:nvSpPr>
+        <p:spPr/>
+        <p:txBody>
+          <a:bodyPr/>
+          <a:lstStyle/>
+          <a:p>
+            <a:r>
+              <a:rPr lang="zh-CN" altLang="en-US" b="0" dirty="0"/>
+              <a:t>本次课程目录</a:t>
+            </a:r>
+          </a:p>
+        </p:txBody>
+      </p:sp>
+      <p:sp>
+        <p:nvSpPr>
+          <p:cNvPr id="4" name="文本框 3"/>
+          <p:cNvSpPr txBox="1"/>
+          <p:nvPr/>
+        </p:nvSpPr>
+        <p:spPr>
+          <a:xfrm>
+            <a:off x="4058444" y="2343152"/>
+            <a:ext cx="5385594" cy="2308324"/>
+          </a:xfrm>
+          <a:prstGeom prst="rect">
+            <a:avLst/>
+          </a:prstGeom>
+          <a:noFill/>
+        </p:spPr>
+        <p:txBody>
+          <a:bodyPr wrap="square" rtlCol="0">
+            <a:spAutoFit/>
+          </a:bodyPr>
+          <a:lstStyle/>
+          <a:p>
+            <a:pPr marL="514350" indent="-514350">
+              <a:lnSpc>
+                <a:spcPct val="200000"/>
+              </a:lnSpc>
+              <a:buFont typeface="+mj-ea"/>
+              <a:buAutoNum type="ea1JpnChsDbPeriod"/>
+            </a:pPr>
+            <a:r>
+              <a:rPr lang="en-US" altLang="zh-CN" sz="2400" dirty="0">
+                <a:solidFill>
+                  <a:schemeClr val="tx1">
+                    <a:lumMod val="65000"/>
+                    <a:lumOff val="35000"/>
+                  </a:schemeClr>
+                </a:solidFill>
+                <a:latin typeface="微软雅黑" panose="020B0503020204020204" pitchFamily="34" charset="-122"/>
+                <a:ea typeface="微软雅黑" panose="020B0503020204020204" pitchFamily="34" charset="-122"/>
+              </a:rPr>
+              <a:t>JS-SDK</a:t>
+            </a:r>
+            <a:r>
+              <a:rPr lang="zh-CN" altLang="en-US" sz="2400" dirty="0">
+                <a:solidFill>
+                  <a:schemeClr val="tx1">
+                    <a:lumMod val="65000"/>
+                    <a:lumOff val="35000"/>
+                  </a:schemeClr>
+                </a:solidFill>
+                <a:latin typeface="微软雅黑" panose="020B0503020204020204" pitchFamily="34" charset="-122"/>
+                <a:ea typeface="微软雅黑" panose="020B0503020204020204" pitchFamily="34" charset="-122"/>
+              </a:rPr>
+              <a:t>基础</a:t>
+            </a:r>
+            <a:endParaRPr lang="en-US" altLang="zh-CN" sz="2400" dirty="0">
+              <a:solidFill>
+                <a:schemeClr val="tx1">
+                  <a:lumMod val="65000"/>
+                  <a:lumOff val="35000"/>
+                </a:schemeClr>
+              </a:solidFill>
+              <a:latin typeface="微软雅黑" panose="020B0503020204020204" pitchFamily="34" charset="-122"/>
+              <a:ea typeface="微软雅黑" panose="020B0503020204020204" pitchFamily="34" charset="-122"/>
+            </a:endParaRPr>
+          </a:p>
+          <a:p>
+            <a:pPr marL="514350" indent="-514350">
+              <a:lnSpc>
+                <a:spcPct val="200000"/>
+              </a:lnSpc>
+              <a:buFont typeface="+mj-ea"/>
+              <a:buAutoNum type="ea1JpnChsDbPeriod"/>
+            </a:pPr>
+            <a:r>
+              <a:rPr lang="en-US" altLang="zh-CN" sz="2400" dirty="0">
+                <a:solidFill>
+                  <a:schemeClr val="tx1">
+                    <a:lumMod val="65000"/>
+                    <a:lumOff val="35000"/>
+                  </a:schemeClr>
+                </a:solidFill>
+                <a:latin typeface="微软雅黑" panose="020B0503020204020204" pitchFamily="34" charset="-122"/>
+                <a:ea typeface="微软雅黑" panose="020B0503020204020204" pitchFamily="34" charset="-122"/>
+              </a:rPr>
+              <a:t>JS-SDK</a:t>
+            </a:r>
+            <a:r>
+              <a:rPr lang="zh-CN" altLang="en-US" sz="2400" dirty="0">
+                <a:solidFill>
+                  <a:schemeClr val="tx1">
+                    <a:lumMod val="65000"/>
+                    <a:lumOff val="35000"/>
+                  </a:schemeClr>
+                </a:solidFill>
+                <a:latin typeface="微软雅黑" panose="020B0503020204020204" pitchFamily="34" charset="-122"/>
+                <a:ea typeface="微软雅黑" panose="020B0503020204020204" pitchFamily="34" charset="-122"/>
+              </a:rPr>
+              <a:t>基本使用</a:t>
+            </a:r>
+            <a:endParaRPr lang="en-US" altLang="zh-CN" sz="2400" dirty="0">
+              <a:solidFill>
+                <a:schemeClr val="tx1">
+                  <a:lumMod val="65000"/>
+                  <a:lumOff val="35000"/>
+                </a:schemeClr>
+              </a:solidFill>
+              <a:latin typeface="微软雅黑" panose="020B0503020204020204" pitchFamily="34" charset="-122"/>
+              <a:ea typeface="微软雅黑" panose="020B0503020204020204" pitchFamily="34" charset="-122"/>
+            </a:endParaRPr>
+          </a:p>
+          <a:p>
+            <a:pPr marL="514350" indent="-514350">
+              <a:lnSpc>
+                <a:spcPct val="200000"/>
+              </a:lnSpc>
+              <a:buFont typeface="+mj-ea"/>
+              <a:buAutoNum type="ea1JpnChsDbPeriod"/>
+            </a:pPr>
+            <a:r>
+              <a:rPr lang="en-US" altLang="zh-CN" sz="2400" dirty="0" err="1">
+                <a:solidFill>
+                  <a:schemeClr val="tx1">
+                    <a:lumMod val="65000"/>
+                    <a:lumOff val="35000"/>
+                  </a:schemeClr>
+                </a:solidFill>
+                <a:latin typeface="微软雅黑" panose="020B0503020204020204" pitchFamily="34" charset="-122"/>
+                <a:ea typeface="微软雅黑" panose="020B0503020204020204" pitchFamily="34" charset="-122"/>
+              </a:rPr>
+              <a:t>WeUI</a:t>
+            </a:r>
+            <a:r>
+              <a:rPr lang="zh-CN" altLang="en-US" sz="2400" dirty="0">
+                <a:solidFill>
+                  <a:schemeClr val="tx1">
+                    <a:lumMod val="65000"/>
+                    <a:lumOff val="35000"/>
+                  </a:schemeClr>
+                </a:solidFill>
+                <a:latin typeface="微软雅黑" panose="020B0503020204020204" pitchFamily="34" charset="-122"/>
+                <a:ea typeface="微软雅黑" panose="020B0503020204020204" pitchFamily="34" charset="-122"/>
+              </a:rPr>
+              <a:t>与</a:t>
+            </a:r>
+            <a:r>
+              <a:rPr lang="en-US" altLang="zh-CN" sz="2400" dirty="0">
+                <a:solidFill>
+                  <a:schemeClr val="tx1">
+                    <a:lumMod val="65000"/>
+                    <a:lumOff val="35000"/>
+                  </a:schemeClr>
+                </a:solidFill>
+                <a:latin typeface="微软雅黑" panose="020B0503020204020204" pitchFamily="34" charset="-122"/>
+                <a:ea typeface="微软雅黑" panose="020B0503020204020204" pitchFamily="34" charset="-122"/>
+              </a:rPr>
+              <a:t>JS-SDK</a:t>
+            </a:r>
+            <a:r>
+              <a:rPr lang="zh-CN" altLang="en-US" sz="2400" dirty="0">
+                <a:solidFill>
+                  <a:schemeClr val="tx1">
+                    <a:lumMod val="65000"/>
+                    <a:lumOff val="35000"/>
+                  </a:schemeClr>
+                </a:solidFill>
+                <a:latin typeface="微软雅黑" panose="020B0503020204020204" pitchFamily="34" charset="-122"/>
+                <a:ea typeface="微软雅黑" panose="020B0503020204020204" pitchFamily="34" charset="-122"/>
+              </a:rPr>
+              <a:t>配合使用</a:t>
+            </a:r>
+            <a:endParaRPr lang="en-US" altLang="zh-CN" sz="2400" dirty="0">
+              <a:solidFill>
+                <a:schemeClr val="tx1">
+                  <a:lumMod val="65000"/>
+                  <a:lumOff val="35000"/>
+                </a:schemeClr>
+              </a:solidFill>
+              <a:latin typeface="微软雅黑" panose="020B0503020204020204" pitchFamily="34" charset="-122"/>
+              <a:ea typeface="微软雅黑" panose="020B0503020204020204" pitchFamily="34" charset="-122"/>
+            </a:endParaRPr>
+          </a:p>
+        </p:txBody>
+      </p:sp>
+    </p:spTree>
+    <p:extLst>
+      <p:ext uri="{BB962C8B-B14F-4D97-AF65-F5344CB8AC3E}">
+        <p14:creationId xmlns:p14="http://schemas.microsoft.com/office/powerpoint/2010/main" val="714534542"/>
+      </p:ext>
+    </p:extLst>
+  </p:cSld>
+  <p:clrMapOvr>
+    <a:masterClrMapping/>
+  </p:clrMapOvr>
+</p:sld>
+</file>
+
+<file path=ppt/slides/slide20.xml><?xml version="1.0" encoding="utf-8"?>
+<p:sld xmlns:a="http://schemas.openxmlformats.org/drawingml/2006/main" xmlns:r="http://schemas.openxmlformats.org/officeDocument/2006/relationships" xmlns:p="http://schemas.openxmlformats.org/presentationml/2006/main">
+  <p:cSld>
+    <p:spTree>
+      <p:nvGrpSpPr>
+        <p:cNvPr id="1" name=""/>
+        <p:cNvGrpSpPr/>
+        <p:nvPr/>
+      </p:nvGrpSpPr>
+      <p:grpSpPr>
+        <a:xfrm>
+          <a:off x="0" y="0"/>
+          <a:ext cx="0" cy="0"/>
+          <a:chOff x="0" y="0"/>
+          <a:chExt cx="0" cy="0"/>
+        </a:xfrm>
+      </p:grpSpPr>
+      <p:sp>
+        <p:nvSpPr>
+          <p:cNvPr id="2" name="内容占位符 1"/>
+          <p:cNvSpPr>
+            <a:spLocks noGrp="1"/>
+          </p:cNvSpPr>
+          <p:nvPr>
+            <p:ph sz="quarter" idx="13"/>
+          </p:nvPr>
+        </p:nvSpPr>
+        <p:spPr>
+          <a:xfrm>
+            <a:off x="1054100" y="543636"/>
+            <a:ext cx="7304088" cy="685800"/>
+          </a:xfrm>
+        </p:spPr>
+        <p:txBody>
+          <a:bodyPr/>
+          <a:lstStyle/>
+          <a:p>
+            <a:r>
+              <a:rPr lang="zh-CN" altLang="en-US" dirty="0"/>
+              <a:t>第三讲</a:t>
+            </a:r>
+          </a:p>
+        </p:txBody>
+      </p:sp>
+      <p:sp>
+        <p:nvSpPr>
+          <p:cNvPr id="6" name="文本框 5"/>
+          <p:cNvSpPr txBox="1"/>
+          <p:nvPr/>
+        </p:nvSpPr>
+        <p:spPr>
+          <a:xfrm>
+            <a:off x="4058444" y="2343152"/>
+            <a:ext cx="5385594" cy="2062103"/>
+          </a:xfrm>
+          <a:prstGeom prst="rect">
+            <a:avLst/>
+          </a:prstGeom>
+          <a:noFill/>
+        </p:spPr>
+        <p:txBody>
+          <a:bodyPr wrap="square" rtlCol="0">
+            <a:spAutoFit/>
+          </a:bodyPr>
+          <a:lstStyle/>
+          <a:p>
+            <a:pPr marL="514350" indent="-514350">
+              <a:lnSpc>
+                <a:spcPct val="200000"/>
+              </a:lnSpc>
+              <a:buFont typeface="+mj-ea"/>
+              <a:buAutoNum type="ea1JpnChsDbPeriod"/>
+            </a:pPr>
+            <a:r>
+              <a:rPr lang="en-US" altLang="zh-CN" sz="2000" dirty="0" err="1">
+                <a:solidFill>
+                  <a:schemeClr val="tx1">
+                    <a:lumMod val="65000"/>
+                    <a:lumOff val="35000"/>
+                  </a:schemeClr>
+                </a:solidFill>
+                <a:latin typeface="微软雅黑" panose="020B0503020204020204" pitchFamily="34" charset="-122"/>
+                <a:ea typeface="微软雅黑" panose="020B0503020204020204" pitchFamily="34" charset="-122"/>
+              </a:rPr>
+              <a:t>WeUI</a:t>
+            </a:r>
+            <a:r>
+              <a:rPr lang="zh-CN" altLang="en-US" sz="2000" dirty="0">
+                <a:solidFill>
+                  <a:schemeClr val="tx1">
+                    <a:lumMod val="65000"/>
+                    <a:lumOff val="35000"/>
+                  </a:schemeClr>
+                </a:solidFill>
+                <a:latin typeface="微软雅黑" panose="020B0503020204020204" pitchFamily="34" charset="-122"/>
+                <a:ea typeface="微软雅黑" panose="020B0503020204020204" pitchFamily="34" charset="-122"/>
+              </a:rPr>
+              <a:t>基础与使用</a:t>
+            </a:r>
+            <a:endParaRPr lang="en-US" altLang="zh-CN" sz="2000" dirty="0">
+              <a:solidFill>
+                <a:schemeClr val="tx1">
+                  <a:lumMod val="65000"/>
+                  <a:lumOff val="35000"/>
+                </a:schemeClr>
+              </a:solidFill>
+              <a:latin typeface="微软雅黑" panose="020B0503020204020204" pitchFamily="34" charset="-122"/>
+              <a:ea typeface="微软雅黑" panose="020B0503020204020204" pitchFamily="34" charset="-122"/>
+            </a:endParaRPr>
+          </a:p>
+          <a:p>
+            <a:pPr marL="514350" indent="-514350">
+              <a:lnSpc>
+                <a:spcPct val="200000"/>
+              </a:lnSpc>
+              <a:buFont typeface="+mj-ea"/>
+              <a:buAutoNum type="ea1JpnChsDbPeriod"/>
+            </a:pPr>
+            <a:r>
+              <a:rPr lang="en-US" altLang="zh-CN" sz="2000" dirty="0">
+                <a:solidFill>
+                  <a:schemeClr val="tx1">
+                    <a:lumMod val="65000"/>
+                    <a:lumOff val="35000"/>
+                  </a:schemeClr>
+                </a:solidFill>
+                <a:latin typeface="微软雅黑" panose="020B0503020204020204" pitchFamily="34" charset="-122"/>
+                <a:ea typeface="微软雅黑" panose="020B0503020204020204" pitchFamily="34" charset="-122"/>
+              </a:rPr>
+              <a:t>JS-SDK</a:t>
+            </a:r>
+            <a:r>
+              <a:rPr lang="zh-CN" altLang="en-US" sz="2000" dirty="0">
+                <a:solidFill>
+                  <a:schemeClr val="tx1">
+                    <a:lumMod val="65000"/>
+                    <a:lumOff val="35000"/>
+                  </a:schemeClr>
+                </a:solidFill>
+                <a:latin typeface="微软雅黑" panose="020B0503020204020204" pitchFamily="34" charset="-122"/>
+                <a:ea typeface="微软雅黑" panose="020B0503020204020204" pitchFamily="34" charset="-122"/>
+              </a:rPr>
+              <a:t>基本使用</a:t>
+            </a:r>
+            <a:endParaRPr lang="en-US" altLang="zh-CN" sz="2000" dirty="0">
+              <a:solidFill>
+                <a:schemeClr val="tx1">
+                  <a:lumMod val="65000"/>
+                  <a:lumOff val="35000"/>
+                </a:schemeClr>
+              </a:solidFill>
+              <a:latin typeface="微软雅黑" panose="020B0503020204020204" pitchFamily="34" charset="-122"/>
+              <a:ea typeface="微软雅黑" panose="020B0503020204020204" pitchFamily="34" charset="-122"/>
+            </a:endParaRPr>
+          </a:p>
+          <a:p>
+            <a:pPr marL="514350" indent="-514350">
+              <a:lnSpc>
+                <a:spcPct val="200000"/>
+              </a:lnSpc>
+              <a:buFont typeface="+mj-ea"/>
+              <a:buAutoNum type="ea1JpnChsDbPeriod"/>
+            </a:pPr>
+            <a:r>
+              <a:rPr lang="en-US" altLang="zh-CN" sz="2400" dirty="0" err="1">
+                <a:solidFill>
+                  <a:schemeClr val="accent6">
+                    <a:lumMod val="75000"/>
+                  </a:schemeClr>
+                </a:solidFill>
+                <a:latin typeface="微软雅黑" panose="020B0503020204020204" pitchFamily="34" charset="-122"/>
+                <a:ea typeface="微软雅黑" panose="020B0503020204020204" pitchFamily="34" charset="-122"/>
+              </a:rPr>
+              <a:t>WeUI</a:t>
+            </a:r>
+            <a:r>
+              <a:rPr lang="zh-CN" altLang="en-US" sz="2400" dirty="0">
+                <a:solidFill>
+                  <a:schemeClr val="accent6">
+                    <a:lumMod val="75000"/>
+                  </a:schemeClr>
+                </a:solidFill>
+                <a:latin typeface="微软雅黑" panose="020B0503020204020204" pitchFamily="34" charset="-122"/>
+                <a:ea typeface="微软雅黑" panose="020B0503020204020204" pitchFamily="34" charset="-122"/>
+              </a:rPr>
+              <a:t>与</a:t>
+            </a:r>
+            <a:r>
+              <a:rPr lang="en-US" altLang="zh-CN" sz="2400" dirty="0">
+                <a:solidFill>
+                  <a:schemeClr val="accent6">
+                    <a:lumMod val="75000"/>
+                  </a:schemeClr>
+                </a:solidFill>
+                <a:latin typeface="微软雅黑" panose="020B0503020204020204" pitchFamily="34" charset="-122"/>
+                <a:ea typeface="微软雅黑" panose="020B0503020204020204" pitchFamily="34" charset="-122"/>
+              </a:rPr>
+              <a:t>JS-SDK</a:t>
+            </a:r>
+            <a:r>
+              <a:rPr lang="zh-CN" altLang="en-US" sz="2400" dirty="0">
+                <a:solidFill>
+                  <a:schemeClr val="accent6">
+                    <a:lumMod val="75000"/>
+                  </a:schemeClr>
+                </a:solidFill>
+                <a:latin typeface="微软雅黑" panose="020B0503020204020204" pitchFamily="34" charset="-122"/>
+                <a:ea typeface="微软雅黑" panose="020B0503020204020204" pitchFamily="34" charset="-122"/>
+              </a:rPr>
+              <a:t>配合使用</a:t>
+            </a:r>
+            <a:endParaRPr lang="en-US" altLang="zh-CN" sz="2400" dirty="0">
+              <a:solidFill>
+                <a:schemeClr val="accent6">
+                  <a:lumMod val="75000"/>
+                </a:schemeClr>
+              </a:solidFill>
+              <a:latin typeface="微软雅黑" panose="020B0503020204020204" pitchFamily="34" charset="-122"/>
+              <a:ea typeface="微软雅黑" panose="020B0503020204020204" pitchFamily="34" charset="-122"/>
+            </a:endParaRPr>
+          </a:p>
+        </p:txBody>
+      </p:sp>
+    </p:spTree>
+    <p:extLst>
+      <p:ext uri="{BB962C8B-B14F-4D97-AF65-F5344CB8AC3E}">
+        <p14:creationId xmlns:p14="http://schemas.microsoft.com/office/powerpoint/2010/main" val="1928010297"/>
+      </p:ext>
+    </p:extLst>
+  </p:cSld>
+  <p:clrMapOvr>
+    <a:masterClrMapping/>
+  </p:clrMapOvr>
+</p:sld>
+</file>
+
+<file path=ppt/slides/slide21.xml><?xml version="1.0" encoding="utf-8"?>
+<p:sld xmlns:a="http://schemas.openxmlformats.org/drawingml/2006/main" xmlns:r="http://schemas.openxmlformats.org/officeDocument/2006/relationships" xmlns:p="http://schemas.openxmlformats.org/presentationml/2006/main">
+  <p:cSld>
+    <p:spTree>
+      <p:nvGrpSpPr>
+        <p:cNvPr id="1" name=""/>
+        <p:cNvGrpSpPr/>
+        <p:nvPr/>
+      </p:nvGrpSpPr>
+      <p:grpSpPr>
+        <a:xfrm>
+          <a:off x="0" y="0"/>
+          <a:ext cx="0" cy="0"/>
+          <a:chOff x="0" y="0"/>
+          <a:chExt cx="0" cy="0"/>
+        </a:xfrm>
+      </p:grpSpPr>
+      <p:sp>
+        <p:nvSpPr>
+          <p:cNvPr id="2" name="内容占位符 1"/>
+          <p:cNvSpPr>
+            <a:spLocks noGrp="1"/>
+          </p:cNvSpPr>
+          <p:nvPr>
+            <p:ph sz="quarter" idx="13"/>
+          </p:nvPr>
+        </p:nvSpPr>
+        <p:spPr>
+          <a:xfrm>
+            <a:off x="1054099" y="543636"/>
+            <a:ext cx="5889625" cy="685800"/>
+          </a:xfrm>
+        </p:spPr>
+        <p:txBody>
+          <a:bodyPr/>
+          <a:lstStyle/>
+          <a:p>
+            <a:r>
+              <a:rPr lang="zh-CN" altLang="en-US" b="0" dirty="0"/>
+              <a:t>获取地理位置</a:t>
+            </a:r>
+          </a:p>
+        </p:txBody>
+      </p:sp>
+    </p:spTree>
+    <p:extLst>
+      <p:ext uri="{BB962C8B-B14F-4D97-AF65-F5344CB8AC3E}">
+        <p14:creationId xmlns:p14="http://schemas.microsoft.com/office/powerpoint/2010/main" val="921697031"/>
+      </p:ext>
+    </p:extLst>
+  </p:cSld>
+  <p:clrMapOvr>
+    <a:masterClrMapping/>
+  </p:clrMapOvr>
+</p:sld>
+</file>
+
+<file path=ppt/slides/slide22.xml><?xml version="1.0" encoding="utf-8"?>
+<p:sld xmlns:a="http://schemas.openxmlformats.org/drawingml/2006/main" xmlns:r="http://schemas.openxmlformats.org/officeDocument/2006/relationships" xmlns:p="http://schemas.openxmlformats.org/presentationml/2006/main">
+  <p:cSld>
+    <p:spTree>
+      <p:nvGrpSpPr>
+        <p:cNvPr id="1" name=""/>
+        <p:cNvGrpSpPr/>
+        <p:nvPr/>
+      </p:nvGrpSpPr>
+      <p:grpSpPr>
+        <a:xfrm>
+          <a:off x="0" y="0"/>
+          <a:ext cx="0" cy="0"/>
+          <a:chOff x="0" y="0"/>
+          <a:chExt cx="0" cy="0"/>
+        </a:xfrm>
+      </p:grpSpPr>
+      <p:sp>
+        <p:nvSpPr>
+          <p:cNvPr id="2" name="内容占位符 1"/>
+          <p:cNvSpPr>
+            <a:spLocks noGrp="1"/>
+          </p:cNvSpPr>
+          <p:nvPr>
+            <p:ph sz="quarter" idx="13"/>
+          </p:nvPr>
+        </p:nvSpPr>
+        <p:spPr/>
+        <p:txBody>
+          <a:bodyPr/>
+          <a:lstStyle/>
+          <a:p>
+            <a:r>
+              <a:rPr lang="zh-CN" altLang="en-US" b="0" dirty="0"/>
+              <a:t>语音接口</a:t>
+            </a:r>
+          </a:p>
+        </p:txBody>
+      </p:sp>
+    </p:spTree>
+    <p:extLst>
+      <p:ext uri="{BB962C8B-B14F-4D97-AF65-F5344CB8AC3E}">
+        <p14:creationId xmlns:p14="http://schemas.microsoft.com/office/powerpoint/2010/main" val="2100823401"/>
+      </p:ext>
+    </p:extLst>
+  </p:cSld>
+  <p:clrMapOvr>
+    <a:masterClrMapping/>
+  </p:clrMapOvr>
+</p:sld>
+</file>
+
+<file path=ppt/slides/slide23.xml><?xml version="1.0" encoding="utf-8"?>
+<p:sld xmlns:a="http://schemas.openxmlformats.org/drawingml/2006/main" xmlns:r="http://schemas.openxmlformats.org/officeDocument/2006/relationships" xmlns:p="http://schemas.openxmlformats.org/presentationml/2006/main">
+  <p:cSld>
+    <p:spTree>
+      <p:nvGrpSpPr>
+        <p:cNvPr id="1" name=""/>
+        <p:cNvGrpSpPr/>
+        <p:nvPr/>
+      </p:nvGrpSpPr>
+      <p:grpSpPr>
+        <a:xfrm>
+          <a:off x="0" y="0"/>
+          <a:ext cx="0" cy="0"/>
+          <a:chOff x="0" y="0"/>
+          <a:chExt cx="0" cy="0"/>
+        </a:xfrm>
+      </p:grpSpPr>
+      <p:sp>
+        <p:nvSpPr>
+          <p:cNvPr id="2" name="内容占位符 1"/>
+          <p:cNvSpPr>
+            <a:spLocks noGrp="1"/>
+          </p:cNvSpPr>
+          <p:nvPr>
+            <p:ph sz="quarter" idx="13"/>
+          </p:nvPr>
+        </p:nvSpPr>
+        <p:spPr>
+          <a:xfrm>
             <a:off x="1054099" y="543636"/>
             <a:ext cx="5846763" cy="685800"/>
           </a:xfrm>
@@ -14283,7 +14783,7 @@
 </p:sld>
 </file>
 
-<file path=ppt/slides/slide19.xml><?xml version="1.0" encoding="utf-8"?>
+<file path=ppt/slides/slide24.xml><?xml version="1.0" encoding="utf-8"?>
 <p:sld xmlns:a="http://schemas.openxmlformats.org/drawingml/2006/main" xmlns:r="http://schemas.openxmlformats.org/officeDocument/2006/relationships" xmlns:p="http://schemas.openxmlformats.org/presentationml/2006/main">
   <p:cSld>
     <p:spTree>
@@ -14975,242 +15475,6 @@
     <p:extLst>
       <p:ext uri="{BB962C8B-B14F-4D97-AF65-F5344CB8AC3E}">
         <p14:creationId xmlns:p14="http://schemas.microsoft.com/office/powerpoint/2010/main" val="2401724521"/>
-      </p:ext>
-    </p:extLst>
-  </p:cSld>
-  <p:clrMapOvr>
-    <a:masterClrMapping/>
-  </p:clrMapOvr>
-</p:sld>
-</file>
-
-<file path=ppt/slides/slide2.xml><?xml version="1.0" encoding="utf-8"?>
-<p:sld xmlns:a="http://schemas.openxmlformats.org/drawingml/2006/main" xmlns:r="http://schemas.openxmlformats.org/officeDocument/2006/relationships" xmlns:p="http://schemas.openxmlformats.org/presentationml/2006/main">
-  <p:cSld>
-    <p:spTree>
-      <p:nvGrpSpPr>
-        <p:cNvPr id="1" name=""/>
-        <p:cNvGrpSpPr/>
-        <p:nvPr/>
-      </p:nvGrpSpPr>
-      <p:grpSpPr>
-        <a:xfrm>
-          <a:off x="0" y="0"/>
-          <a:ext cx="0" cy="0"/>
-          <a:chOff x="0" y="0"/>
-          <a:chExt cx="0" cy="0"/>
-        </a:xfrm>
-      </p:grpSpPr>
-      <p:sp>
-        <p:nvSpPr>
-          <p:cNvPr id="2" name="内容占位符 1"/>
-          <p:cNvSpPr>
-            <a:spLocks noGrp="1"/>
-          </p:cNvSpPr>
-          <p:nvPr>
-            <p:ph sz="quarter" idx="13"/>
-          </p:nvPr>
-        </p:nvSpPr>
-        <p:spPr/>
-        <p:txBody>
-          <a:bodyPr/>
-          <a:lstStyle/>
-          <a:p>
-            <a:r>
-              <a:rPr lang="zh-CN" altLang="en-US" b="0" dirty="0"/>
-              <a:t>本次课程目录</a:t>
-            </a:r>
-          </a:p>
-        </p:txBody>
-      </p:sp>
-      <p:sp>
-        <p:nvSpPr>
-          <p:cNvPr id="4" name="文本框 3"/>
-          <p:cNvSpPr txBox="1"/>
-          <p:nvPr/>
-        </p:nvSpPr>
-        <p:spPr>
-          <a:xfrm>
-            <a:off x="4058444" y="2343152"/>
-            <a:ext cx="5385594" cy="2308324"/>
-          </a:xfrm>
-          <a:prstGeom prst="rect">
-            <a:avLst/>
-          </a:prstGeom>
-          <a:noFill/>
-        </p:spPr>
-        <p:txBody>
-          <a:bodyPr wrap="square" rtlCol="0">
-            <a:spAutoFit/>
-          </a:bodyPr>
-          <a:lstStyle/>
-          <a:p>
-            <a:pPr marL="514350" indent="-514350">
-              <a:lnSpc>
-                <a:spcPct val="200000"/>
-              </a:lnSpc>
-              <a:buFont typeface="+mj-ea"/>
-              <a:buAutoNum type="ea1JpnChsDbPeriod"/>
-            </a:pPr>
-            <a:r>
-              <a:rPr lang="en-US" altLang="zh-CN" sz="2400" dirty="0">
-                <a:solidFill>
-                  <a:schemeClr val="tx1">
-                    <a:lumMod val="65000"/>
-                    <a:lumOff val="35000"/>
-                  </a:schemeClr>
-                </a:solidFill>
-                <a:latin typeface="微软雅黑" panose="020B0503020204020204" pitchFamily="34" charset="-122"/>
-                <a:ea typeface="微软雅黑" panose="020B0503020204020204" pitchFamily="34" charset="-122"/>
-              </a:rPr>
-              <a:t>JS-SDK</a:t>
-            </a:r>
-            <a:r>
-              <a:rPr lang="zh-CN" altLang="en-US" sz="2400" dirty="0">
-                <a:solidFill>
-                  <a:schemeClr val="tx1">
-                    <a:lumMod val="65000"/>
-                    <a:lumOff val="35000"/>
-                  </a:schemeClr>
-                </a:solidFill>
-                <a:latin typeface="微软雅黑" panose="020B0503020204020204" pitchFamily="34" charset="-122"/>
-                <a:ea typeface="微软雅黑" panose="020B0503020204020204" pitchFamily="34" charset="-122"/>
-              </a:rPr>
-              <a:t>基础</a:t>
-            </a:r>
-            <a:endParaRPr lang="en-US" altLang="zh-CN" sz="2400" dirty="0">
-              <a:solidFill>
-                <a:schemeClr val="tx1">
-                  <a:lumMod val="65000"/>
-                  <a:lumOff val="35000"/>
-                </a:schemeClr>
-              </a:solidFill>
-              <a:latin typeface="微软雅黑" panose="020B0503020204020204" pitchFamily="34" charset="-122"/>
-              <a:ea typeface="微软雅黑" panose="020B0503020204020204" pitchFamily="34" charset="-122"/>
-            </a:endParaRPr>
-          </a:p>
-          <a:p>
-            <a:pPr marL="514350" indent="-514350">
-              <a:lnSpc>
-                <a:spcPct val="200000"/>
-              </a:lnSpc>
-              <a:buFont typeface="+mj-ea"/>
-              <a:buAutoNum type="ea1JpnChsDbPeriod"/>
-            </a:pPr>
-            <a:r>
-              <a:rPr lang="en-US" altLang="zh-CN" sz="2400" dirty="0">
-                <a:solidFill>
-                  <a:schemeClr val="tx1">
-                    <a:lumMod val="65000"/>
-                    <a:lumOff val="35000"/>
-                  </a:schemeClr>
-                </a:solidFill>
-                <a:latin typeface="微软雅黑" panose="020B0503020204020204" pitchFamily="34" charset="-122"/>
-                <a:ea typeface="微软雅黑" panose="020B0503020204020204" pitchFamily="34" charset="-122"/>
-              </a:rPr>
-              <a:t>JS-SDK</a:t>
-            </a:r>
-            <a:r>
-              <a:rPr lang="zh-CN" altLang="en-US" sz="2400" dirty="0">
-                <a:solidFill>
-                  <a:schemeClr val="tx1">
-                    <a:lumMod val="65000"/>
-                    <a:lumOff val="35000"/>
-                  </a:schemeClr>
-                </a:solidFill>
-                <a:latin typeface="微软雅黑" panose="020B0503020204020204" pitchFamily="34" charset="-122"/>
-                <a:ea typeface="微软雅黑" panose="020B0503020204020204" pitchFamily="34" charset="-122"/>
-              </a:rPr>
-              <a:t>基本使用</a:t>
-            </a:r>
-            <a:endParaRPr lang="en-US" altLang="zh-CN" sz="2400" dirty="0">
-              <a:solidFill>
-                <a:schemeClr val="tx1">
-                  <a:lumMod val="65000"/>
-                  <a:lumOff val="35000"/>
-                </a:schemeClr>
-              </a:solidFill>
-              <a:latin typeface="微软雅黑" panose="020B0503020204020204" pitchFamily="34" charset="-122"/>
-              <a:ea typeface="微软雅黑" panose="020B0503020204020204" pitchFamily="34" charset="-122"/>
-            </a:endParaRPr>
-          </a:p>
-          <a:p>
-            <a:pPr marL="514350" indent="-514350">
-              <a:lnSpc>
-                <a:spcPct val="200000"/>
-              </a:lnSpc>
-              <a:buFont typeface="+mj-ea"/>
-              <a:buAutoNum type="ea1JpnChsDbPeriod"/>
-            </a:pPr>
-            <a:r>
-              <a:rPr lang="en-US" altLang="zh-CN" sz="2400" dirty="0" err="1">
-                <a:solidFill>
-                  <a:schemeClr val="tx1">
-                    <a:lumMod val="65000"/>
-                    <a:lumOff val="35000"/>
-                  </a:schemeClr>
-                </a:solidFill>
-                <a:latin typeface="微软雅黑" panose="020B0503020204020204" pitchFamily="34" charset="-122"/>
-                <a:ea typeface="微软雅黑" panose="020B0503020204020204" pitchFamily="34" charset="-122"/>
-              </a:rPr>
-              <a:t>WeUI</a:t>
-            </a:r>
-            <a:r>
-              <a:rPr lang="zh-CN" altLang="en-US" sz="2400" dirty="0">
-                <a:solidFill>
-                  <a:schemeClr val="tx1">
-                    <a:lumMod val="65000"/>
-                    <a:lumOff val="35000"/>
-                  </a:schemeClr>
-                </a:solidFill>
-                <a:latin typeface="微软雅黑" panose="020B0503020204020204" pitchFamily="34" charset="-122"/>
-                <a:ea typeface="微软雅黑" panose="020B0503020204020204" pitchFamily="34" charset="-122"/>
-              </a:rPr>
-              <a:t>与</a:t>
-            </a:r>
-            <a:r>
-              <a:rPr lang="en-US" altLang="zh-CN" sz="2400" dirty="0">
-                <a:solidFill>
-                  <a:schemeClr val="tx1">
-                    <a:lumMod val="65000"/>
-                    <a:lumOff val="35000"/>
-                  </a:schemeClr>
-                </a:solidFill>
-                <a:latin typeface="微软雅黑" panose="020B0503020204020204" pitchFamily="34" charset="-122"/>
-                <a:ea typeface="微软雅黑" panose="020B0503020204020204" pitchFamily="34" charset="-122"/>
-              </a:rPr>
-              <a:t>JS-SDK</a:t>
-            </a:r>
-            <a:r>
-              <a:rPr lang="zh-CN" altLang="en-US" sz="2400" dirty="0">
-                <a:solidFill>
-                  <a:schemeClr val="tx1">
-                    <a:lumMod val="65000"/>
-                    <a:lumOff val="35000"/>
-                  </a:schemeClr>
-                </a:solidFill>
-                <a:latin typeface="微软雅黑" panose="020B0503020204020204" pitchFamily="34" charset="-122"/>
-                <a:ea typeface="微软雅黑" panose="020B0503020204020204" pitchFamily="34" charset="-122"/>
-              </a:rPr>
-              <a:t>配合使用</a:t>
-            </a:r>
-            <a:endParaRPr lang="en-US" altLang="zh-CN" sz="2400" dirty="0">
-              <a:solidFill>
-                <a:schemeClr val="tx1">
-                  <a:lumMod val="65000"/>
-                  <a:lumOff val="35000"/>
-                </a:schemeClr>
-              </a:solidFill>
-              <a:latin typeface="微软雅黑" panose="020B0503020204020204" pitchFamily="34" charset="-122"/>
-              <a:ea typeface="微软雅黑" panose="020B0503020204020204" pitchFamily="34" charset="-122"/>
-            </a:endParaRPr>
-          </a:p>
-        </p:txBody>
-      </p:sp>
-    </p:spTree>
-    <p:extLst>
-      <p:ext uri="{BB962C8B-B14F-4D97-AF65-F5344CB8AC3E}">
-        <p14:creationId xmlns:p14="http://schemas.microsoft.com/office/powerpoint/2010/main" val="714534542"/>
       </p:ext>
     </p:extLst>
   </p:cSld>

--- a/课程ppt/第10讲 JS-SDK.pptx
+++ b/课程ppt/第10讲 JS-SDK.pptx
@@ -29,10 +29,10 @@
     <p:sldId id="483" r:id="rId17"/>
     <p:sldId id="484" r:id="rId18"/>
     <p:sldId id="456" r:id="rId19"/>
-    <p:sldId id="490" r:id="rId20"/>
-    <p:sldId id="491" r:id="rId21"/>
-    <p:sldId id="492" r:id="rId22"/>
-    <p:sldId id="488" r:id="rId23"/>
+    <p:sldId id="493" r:id="rId20"/>
+    <p:sldId id="490" r:id="rId21"/>
+    <p:sldId id="491" r:id="rId22"/>
+    <p:sldId id="492" r:id="rId23"/>
     <p:sldId id="489" r:id="rId24"/>
     <p:sldId id="452" r:id="rId25"/>
     <p:sldId id="474" r:id="rId26"/>
@@ -274,7 +274,7 @@
           <a:p>
             <a:fld id="{2B71C804-97F5-4B36-A7AC-EEEC7F44F6C2}" type="datetimeFigureOut">
               <a:rPr lang="zh-CN" altLang="en-US" smtClean="0"/>
-              <a:t>2017/8/30</a:t>
+              <a:t>2017/9/1</a:t>
             </a:fld>
             <a:endParaRPr lang="zh-CN" altLang="en-US"/>
           </a:p>
@@ -440,7 +440,7 @@
           <a:p>
             <a:fld id="{0568D9C6-D8DC-4CC3-8480-E0C4DBA1CC07}" type="datetimeFigureOut">
               <a:rPr lang="zh-CN" altLang="en-US" smtClean="0"/>
-              <a:t>2017/8/30</a:t>
+              <a:t>2017/9/1</a:t>
             </a:fld>
             <a:endParaRPr lang="zh-CN" altLang="en-US"/>
           </a:p>
@@ -1053,7 +1053,7 @@
           <a:p>
             <a:fld id="{DB9D664F-4C68-42D2-B189-678958EFAFDA}" type="datetime1">
               <a:rPr lang="zh-CN" altLang="en-US" smtClean="0"/>
-              <a:t>2017/8/30</a:t>
+              <a:t>2017/9/1</a:t>
             </a:fld>
             <a:endParaRPr lang="zh-CN" altLang="en-US"/>
           </a:p>
@@ -2035,7 +2035,7 @@
           <a:p>
             <a:fld id="{ED5513C8-E3A4-4D78-B249-887659A958FF}" type="datetime1">
               <a:rPr lang="en-US" altLang="zh-CN" smtClean="0"/>
-              <a:t>8/30/2017</a:t>
+              <a:t>9/1/2017</a:t>
             </a:fld>
             <a:endParaRPr lang="en-US"/>
           </a:p>
@@ -2213,7 +2213,7 @@
           <a:p>
             <a:fld id="{EBEDA52C-3EEE-4289-818C-901C0A7814FE}" type="datetime1">
               <a:rPr lang="en-US" altLang="zh-CN" smtClean="0"/>
-              <a:t>8/30/2017</a:t>
+              <a:t>9/1/2017</a:t>
             </a:fld>
             <a:endParaRPr lang="en-US"/>
           </a:p>
@@ -2467,7 +2467,7 @@
           <a:p>
             <a:fld id="{09EF5D7F-EA15-485C-85DD-8FDC010A62D4}" type="datetime1">
               <a:rPr lang="en-US" altLang="zh-CN" smtClean="0"/>
-              <a:t>8/30/2017</a:t>
+              <a:t>9/1/2017</a:t>
             </a:fld>
             <a:endParaRPr lang="en-US"/>
           </a:p>
@@ -2707,7 +2707,7 @@
           <a:p>
             <a:fld id="{9541C2B2-0BAB-4CD4-83EE-25F1A7138896}" type="datetime1">
               <a:rPr lang="en-US" altLang="zh-CN" smtClean="0"/>
-              <a:t>8/30/2017</a:t>
+              <a:t>9/1/2017</a:t>
             </a:fld>
             <a:endParaRPr lang="en-US"/>
           </a:p>
@@ -3082,7 +3082,7 @@
           <a:p>
             <a:fld id="{7DEA23E7-D0FC-41DC-8745-BE6FC447B182}" type="datetime1">
               <a:rPr lang="en-US" altLang="zh-CN" smtClean="0"/>
-              <a:t>8/30/2017</a:t>
+              <a:t>9/1/2017</a:t>
             </a:fld>
             <a:endParaRPr lang="en-US"/>
           </a:p>
@@ -3867,7 +3867,7 @@
           <a:p>
             <a:fld id="{5DEA8378-5F33-490B-8120-8DE6B7EE2781}" type="datetime1">
               <a:rPr lang="en-US" altLang="zh-CN" smtClean="0"/>
-              <a:t>8/30/2017</a:t>
+              <a:t>9/1/2017</a:t>
             </a:fld>
             <a:endParaRPr lang="en-US"/>
           </a:p>
@@ -4121,7 +4121,7 @@
           <a:p>
             <a:fld id="{38DD30CF-78A7-4C73-91B4-38D3E3317745}" type="datetime1">
               <a:rPr lang="en-US" altLang="zh-CN" smtClean="0"/>
-              <a:t>8/30/2017</a:t>
+              <a:t>9/1/2017</a:t>
             </a:fld>
             <a:endParaRPr lang="en-US"/>
           </a:p>
@@ -4224,7 +4224,7 @@
           <a:p>
             <a:fld id="{A1BE0A72-8501-4974-A7B7-5BD248ABBAFC}" type="datetime1">
               <a:rPr lang="zh-CN" altLang="en-US" smtClean="0"/>
-              <a:t>2017/8/30</a:t>
+              <a:t>2017/9/1</a:t>
             </a:fld>
             <a:endParaRPr lang="zh-CN" altLang="en-US"/>
           </a:p>
@@ -4485,7 +4485,7 @@
           <a:p>
             <a:fld id="{0B7E01DD-16D0-4DBA-9C1A-51468BA0B73A}" type="datetime1">
               <a:rPr lang="en-US" altLang="zh-CN" smtClean="0"/>
-              <a:t>8/30/2017</a:t>
+              <a:t>9/1/2017</a:t>
             </a:fld>
             <a:endParaRPr lang="en-US"/>
           </a:p>
@@ -4663,7 +4663,7 @@
           <a:p>
             <a:fld id="{B587E63F-0E62-4A50-901F-E071D77F7634}" type="datetime1">
               <a:rPr lang="en-US" altLang="zh-CN" smtClean="0"/>
-              <a:t>8/30/2017</a:t>
+              <a:t>9/1/2017</a:t>
             </a:fld>
             <a:endParaRPr lang="en-US"/>
           </a:p>
@@ -4851,7 +4851,7 @@
           <a:p>
             <a:fld id="{BD8521E8-9297-400B-AD8C-0A4D05699D33}" type="datetime1">
               <a:rPr lang="en-US" altLang="zh-CN" smtClean="0"/>
-              <a:t>8/30/2017</a:t>
+              <a:t>9/1/2017</a:t>
             </a:fld>
             <a:endParaRPr lang="en-US"/>
           </a:p>
@@ -5082,7 +5082,7 @@
           <a:p>
             <a:fld id="{ED5513C8-E3A4-4D78-B249-887659A958FF}" type="datetime1">
               <a:rPr lang="en-US" altLang="zh-CN" smtClean="0"/>
-              <a:t>8/30/2017</a:t>
+              <a:t>9/1/2017</a:t>
             </a:fld>
             <a:endParaRPr lang="en-US"/>
           </a:p>
@@ -5260,7 +5260,7 @@
           <a:p>
             <a:fld id="{EBEDA52C-3EEE-4289-818C-901C0A7814FE}" type="datetime1">
               <a:rPr lang="en-US" altLang="zh-CN" smtClean="0"/>
-              <a:t>8/30/2017</a:t>
+              <a:t>9/1/2017</a:t>
             </a:fld>
             <a:endParaRPr lang="en-US"/>
           </a:p>
@@ -5514,7 +5514,7 @@
           <a:p>
             <a:fld id="{09EF5D7F-EA15-485C-85DD-8FDC010A62D4}" type="datetime1">
               <a:rPr lang="en-US" altLang="zh-CN" smtClean="0"/>
-              <a:t>8/30/2017</a:t>
+              <a:t>9/1/2017</a:t>
             </a:fld>
             <a:endParaRPr lang="en-US"/>
           </a:p>
@@ -5754,7 +5754,7 @@
           <a:p>
             <a:fld id="{9541C2B2-0BAB-4CD4-83EE-25F1A7138896}" type="datetime1">
               <a:rPr lang="en-US" altLang="zh-CN" smtClean="0"/>
-              <a:t>8/30/2017</a:t>
+              <a:t>9/1/2017</a:t>
             </a:fld>
             <a:endParaRPr lang="en-US"/>
           </a:p>
@@ -6129,7 +6129,7 @@
           <a:p>
             <a:fld id="{7DEA23E7-D0FC-41DC-8745-BE6FC447B182}" type="datetime1">
               <a:rPr lang="en-US" altLang="zh-CN" smtClean="0"/>
-              <a:t>8/30/2017</a:t>
+              <a:t>9/1/2017</a:t>
             </a:fld>
             <a:endParaRPr lang="en-US"/>
           </a:p>
@@ -6914,7 +6914,7 @@
           <a:p>
             <a:fld id="{A1BE0A72-8501-4974-A7B7-5BD248ABBAFC}" type="datetime1">
               <a:rPr lang="zh-CN" altLang="en-US" smtClean="0"/>
-              <a:t>2017/8/30</a:t>
+              <a:t>2017/9/1</a:t>
             </a:fld>
             <a:endParaRPr lang="zh-CN" altLang="en-US"/>
           </a:p>
@@ -6967,7 +6967,7 @@
           <a:p>
             <a:fld id="{5DEA8378-5F33-490B-8120-8DE6B7EE2781}" type="datetime1">
               <a:rPr lang="en-US" altLang="zh-CN" smtClean="0"/>
-              <a:t>8/30/2017</a:t>
+              <a:t>9/1/2017</a:t>
             </a:fld>
             <a:endParaRPr lang="en-US"/>
           </a:p>
@@ -7221,7 +7221,7 @@
           <a:p>
             <a:fld id="{38DD30CF-78A7-4C73-91B4-38D3E3317745}" type="datetime1">
               <a:rPr lang="en-US" altLang="zh-CN" smtClean="0"/>
-              <a:t>8/30/2017</a:t>
+              <a:t>9/1/2017</a:t>
             </a:fld>
             <a:endParaRPr lang="en-US"/>
           </a:p>
@@ -7486,7 +7486,7 @@
           <a:p>
             <a:fld id="{0B7E01DD-16D0-4DBA-9C1A-51468BA0B73A}" type="datetime1">
               <a:rPr lang="en-US" altLang="zh-CN" smtClean="0"/>
-              <a:t>8/30/2017</a:t>
+              <a:t>9/1/2017</a:t>
             </a:fld>
             <a:endParaRPr lang="en-US"/>
           </a:p>
@@ -7664,7 +7664,7 @@
           <a:p>
             <a:fld id="{B587E63F-0E62-4A50-901F-E071D77F7634}" type="datetime1">
               <a:rPr lang="en-US" altLang="zh-CN" smtClean="0"/>
-              <a:t>8/30/2017</a:t>
+              <a:t>9/1/2017</a:t>
             </a:fld>
             <a:endParaRPr lang="en-US"/>
           </a:p>
@@ -7852,7 +7852,7 @@
           <a:p>
             <a:fld id="{BD8521E8-9297-400B-AD8C-0A4D05699D33}" type="datetime1">
               <a:rPr lang="en-US" altLang="zh-CN" smtClean="0"/>
-              <a:t>8/30/2017</a:t>
+              <a:t>9/1/2017</a:t>
             </a:fld>
             <a:endParaRPr lang="en-US"/>
           </a:p>
@@ -7955,7 +7955,7 @@
           <a:p>
             <a:fld id="{EF452D9C-F9EB-4417-9C3A-C876C2AF9415}" type="datetime1">
               <a:rPr lang="zh-CN" altLang="en-US" smtClean="0"/>
-              <a:t>2017/8/30</a:t>
+              <a:t>2017/9/1</a:t>
             </a:fld>
             <a:endParaRPr lang="zh-CN" altLang="en-US"/>
           </a:p>
@@ -8141,7 +8141,7 @@
           <a:p>
             <a:fld id="{2F2E9289-9B4C-49AE-BDDA-70D6EDC89D17}" type="datetime1">
               <a:rPr lang="zh-CN" altLang="en-US" smtClean="0"/>
-              <a:t>2017/8/30</a:t>
+              <a:t>2017/9/1</a:t>
             </a:fld>
             <a:endParaRPr lang="zh-CN" altLang="en-US"/>
           </a:p>
@@ -8311,7 +8311,7 @@
           <a:p>
             <a:fld id="{2F2E9289-9B4C-49AE-BDDA-70D6EDC89D17}" type="datetime1">
               <a:rPr lang="zh-CN" altLang="en-US" smtClean="0"/>
-              <a:t>2017/8/30</a:t>
+              <a:t>2017/9/1</a:t>
             </a:fld>
             <a:endParaRPr lang="zh-CN" altLang="en-US"/>
           </a:p>
@@ -8547,7 +8547,7 @@
           <a:p>
             <a:fld id="{8C5BA751-A251-47D6-8494-C134D9EBED5F}" type="datetime1">
               <a:rPr lang="zh-CN" altLang="en-US" smtClean="0"/>
-              <a:t>2017/8/30</a:t>
+              <a:t>2017/9/1</a:t>
             </a:fld>
             <a:endParaRPr lang="zh-CN" altLang="en-US"/>
           </a:p>
@@ -8903,7 +8903,7 @@
           <a:p>
             <a:fld id="{C46E2078-F302-4651-A2A2-2FC6C4E1A3F1}" type="datetime1">
               <a:rPr lang="zh-CN" altLang="en-US" smtClean="0"/>
-              <a:t>2017/8/30</a:t>
+              <a:t>2017/9/1</a:t>
             </a:fld>
             <a:endParaRPr lang="zh-CN" altLang="en-US"/>
           </a:p>
@@ -9025,7 +9025,7 @@
               <a:pPr>
                 <a:defRPr/>
               </a:pPr>
-              <a:t>2017/8/30</a:t>
+              <a:t>2017/9/1</a:t>
             </a:fld>
             <a:endParaRPr lang="zh-CN" altLang="en-US"/>
           </a:p>
@@ -9173,7 +9173,7 @@
           <a:p>
             <a:fld id="{A1BE0A72-8501-4974-A7B7-5BD248ABBAFC}" type="datetime1">
               <a:rPr lang="zh-CN" altLang="en-US" smtClean="0"/>
-              <a:t>2017/8/30</a:t>
+              <a:t>2017/9/1</a:t>
             </a:fld>
             <a:endParaRPr lang="zh-CN" altLang="en-US"/>
           </a:p>
@@ -9687,7 +9687,7 @@
           <a:p>
             <a:fld id="{A1BE0A72-8501-4974-A7B7-5BD248ABBAFC}" type="datetime1">
               <a:rPr lang="zh-CN" altLang="en-US" smtClean="0"/>
-              <a:t>2017/8/30</a:t>
+              <a:t>2017/9/1</a:t>
             </a:fld>
             <a:endParaRPr lang="zh-CN" altLang="en-US"/>
           </a:p>
@@ -10293,7 +10293,7 @@
           <a:p>
             <a:fld id="{7A78726F-0AD2-4A20-BC72-263D2D3F3A2F}" type="datetime1">
               <a:rPr lang="en-US" altLang="zh-CN" smtClean="0"/>
-              <a:t>8/30/2017</a:t>
+              <a:t>9/1/2017</a:t>
             </a:fld>
             <a:endParaRPr lang="en-US"/>
           </a:p>
@@ -11274,7 +11274,7 @@
           <a:p>
             <a:fld id="{A1BE0A72-8501-4974-A7B7-5BD248ABBAFC}" type="datetime1">
               <a:rPr lang="zh-CN" altLang="en-US" smtClean="0"/>
-              <a:t>2017/8/30</a:t>
+              <a:t>2017/9/1</a:t>
             </a:fld>
             <a:endParaRPr lang="zh-CN" altLang="en-US"/>
           </a:p>
@@ -11880,7 +11880,7 @@
           <a:p>
             <a:fld id="{7A78726F-0AD2-4A20-BC72-263D2D3F3A2F}" type="datetime1">
               <a:rPr lang="en-US" altLang="zh-CN" smtClean="0"/>
-              <a:t>8/30/2017</a:t>
+              <a:t>9/1/2017</a:t>
             </a:fld>
             <a:endParaRPr lang="en-US"/>
           </a:p>
@@ -13895,7 +13895,7 @@
           <a:p>
             <a:r>
               <a:rPr lang="zh-CN" altLang="en-US" b="0" dirty="0"/>
-              <a:t>选择图像接口</a:t>
+              <a:t>分享给朋友接口</a:t>
             </a:r>
           </a:p>
         </p:txBody>
@@ -13903,7 +13903,7 @@
     </p:spTree>
     <p:extLst>
       <p:ext uri="{BB962C8B-B14F-4D97-AF65-F5344CB8AC3E}">
-        <p14:creationId xmlns:p14="http://schemas.microsoft.com/office/powerpoint/2010/main" val="2744694590"/>
+        <p14:creationId xmlns:p14="http://schemas.microsoft.com/office/powerpoint/2010/main" val="3627056431"/>
       </p:ext>
     </p:extLst>
   </p:cSld>
@@ -13952,7 +13952,7 @@
           <a:p>
             <a:r>
               <a:rPr lang="zh-CN" altLang="en-US" b="0" dirty="0"/>
-              <a:t>上传图像接口</a:t>
+              <a:t>选择图像接口</a:t>
             </a:r>
           </a:p>
         </p:txBody>
@@ -13960,7 +13960,7 @@
     </p:spTree>
     <p:extLst>
       <p:ext uri="{BB962C8B-B14F-4D97-AF65-F5344CB8AC3E}">
-        <p14:creationId xmlns:p14="http://schemas.microsoft.com/office/powerpoint/2010/main" val="480444120"/>
+        <p14:creationId xmlns:p14="http://schemas.microsoft.com/office/powerpoint/2010/main" val="2744694590"/>
       </p:ext>
     </p:extLst>
   </p:cSld>
@@ -14008,12 +14008,8 @@
           <a:lstStyle/>
           <a:p>
             <a:r>
-              <a:rPr lang="zh-CN" altLang="en-US" b="0"/>
-              <a:t>显示图像</a:t>
-            </a:r>
-            <a:r>
               <a:rPr lang="zh-CN" altLang="en-US" b="0" dirty="0"/>
-              <a:t>接口</a:t>
+              <a:t>上传图像接口</a:t>
             </a:r>
           </a:p>
         </p:txBody>
@@ -14021,7 +14017,7 @@
     </p:spTree>
     <p:extLst>
       <p:ext uri="{BB962C8B-B14F-4D97-AF65-F5344CB8AC3E}">
-        <p14:creationId xmlns:p14="http://schemas.microsoft.com/office/powerpoint/2010/main" val="2502221667"/>
+        <p14:creationId xmlns:p14="http://schemas.microsoft.com/office/powerpoint/2010/main" val="480444120"/>
       </p:ext>
     </p:extLst>
   </p:cSld>
@@ -14069,8 +14065,12 @@
           <a:lstStyle/>
           <a:p>
             <a:r>
+              <a:rPr lang="zh-CN" altLang="en-US" b="0"/>
+              <a:t>显示图像</a:t>
+            </a:r>
+            <a:r>
               <a:rPr lang="zh-CN" altLang="en-US" b="0" dirty="0"/>
-              <a:t>分享给朋友接口</a:t>
+              <a:t>接口</a:t>
             </a:r>
           </a:p>
         </p:txBody>
@@ -14078,7 +14078,7 @@
     </p:spTree>
     <p:extLst>
       <p:ext uri="{BB962C8B-B14F-4D97-AF65-F5344CB8AC3E}">
-        <p14:creationId xmlns:p14="http://schemas.microsoft.com/office/powerpoint/2010/main" val="1292342844"/>
+        <p14:creationId xmlns:p14="http://schemas.microsoft.com/office/powerpoint/2010/main" val="2502221667"/>
       </p:ext>
     </p:extLst>
   </p:cSld>

--- a/课程ppt/第10讲 JS-SDK.pptx
+++ b/课程ppt/第10讲 JS-SDK.pptx
@@ -9,10 +9,10 @@
     <p:sldMasterId id="2147483691" r:id="rId5"/>
   </p:sldMasterIdLst>
   <p:notesMasterIdLst>
-    <p:notesMasterId r:id="rId30"/>
+    <p:notesMasterId r:id="rId32"/>
   </p:notesMasterIdLst>
   <p:handoutMasterIdLst>
-    <p:handoutMasterId r:id="rId31"/>
+    <p:handoutMasterId r:id="rId33"/>
   </p:handoutMasterIdLst>
   <p:sldIdLst>
     <p:sldId id="257" r:id="rId6"/>
@@ -27,23 +27,25 @@
     <p:sldId id="487" r:id="rId15"/>
     <p:sldId id="460" r:id="rId16"/>
     <p:sldId id="483" r:id="rId17"/>
-    <p:sldId id="484" r:id="rId18"/>
-    <p:sldId id="456" r:id="rId19"/>
-    <p:sldId id="493" r:id="rId20"/>
-    <p:sldId id="490" r:id="rId21"/>
-    <p:sldId id="491" r:id="rId22"/>
-    <p:sldId id="492" r:id="rId23"/>
-    <p:sldId id="489" r:id="rId24"/>
-    <p:sldId id="452" r:id="rId25"/>
-    <p:sldId id="474" r:id="rId26"/>
+    <p:sldId id="497" r:id="rId18"/>
+    <p:sldId id="484" r:id="rId19"/>
+    <p:sldId id="456" r:id="rId20"/>
+    <p:sldId id="493" r:id="rId21"/>
+    <p:sldId id="489" r:id="rId22"/>
+    <p:sldId id="452" r:id="rId23"/>
+    <p:sldId id="490" r:id="rId24"/>
+    <p:sldId id="491" r:id="rId25"/>
+    <p:sldId id="494" r:id="rId26"/>
     <p:sldId id="470" r:id="rId27"/>
     <p:sldId id="471" r:id="rId28"/>
-    <p:sldId id="311" r:id="rId29"/>
+    <p:sldId id="495" r:id="rId29"/>
+    <p:sldId id="496" r:id="rId30"/>
+    <p:sldId id="311" r:id="rId31"/>
   </p:sldIdLst>
   <p:sldSz cx="12192000" cy="6858000"/>
   <p:notesSz cx="6858000" cy="9144000"/>
   <p:custDataLst>
-    <p:tags r:id="rId32"/>
+    <p:tags r:id="rId34"/>
   </p:custDataLst>
   <p:defaultTextStyle>
     <a:defPPr>
@@ -274,7 +276,7 @@
           <a:p>
             <a:fld id="{2B71C804-97F5-4B36-A7AC-EEEC7F44F6C2}" type="datetimeFigureOut">
               <a:rPr lang="zh-CN" altLang="en-US" smtClean="0"/>
-              <a:t>2017/9/1</a:t>
+              <a:t>2017/9/4</a:t>
             </a:fld>
             <a:endParaRPr lang="zh-CN" altLang="en-US"/>
           </a:p>
@@ -440,7 +442,7 @@
           <a:p>
             <a:fld id="{0568D9C6-D8DC-4CC3-8480-E0C4DBA1CC07}" type="datetimeFigureOut">
               <a:rPr lang="zh-CN" altLang="en-US" smtClean="0"/>
-              <a:t>2017/9/1</a:t>
+              <a:t>2017/9/4</a:t>
             </a:fld>
             <a:endParaRPr lang="zh-CN" altLang="en-US"/>
           </a:p>
@@ -951,7 +953,7 @@
                 <a:ea typeface="宋体" charset="-122"/>
               </a:rPr>
               <a:pPr algn="r" eaLnBrk="1" hangingPunct="1"/>
-              <a:t>24</a:t>
+              <a:t>26</a:t>
             </a:fld>
             <a:endParaRPr lang="zh-CN" altLang="en-US" sz="1200">
               <a:latin typeface="Calibri" pitchFamily="34" charset="0"/>
@@ -1053,7 +1055,7 @@
           <a:p>
             <a:fld id="{DB9D664F-4C68-42D2-B189-678958EFAFDA}" type="datetime1">
               <a:rPr lang="zh-CN" altLang="en-US" smtClean="0"/>
-              <a:t>2017/9/1</a:t>
+              <a:t>2017/9/4</a:t>
             </a:fld>
             <a:endParaRPr lang="zh-CN" altLang="en-US"/>
           </a:p>
@@ -2035,7 +2037,7 @@
           <a:p>
             <a:fld id="{ED5513C8-E3A4-4D78-B249-887659A958FF}" type="datetime1">
               <a:rPr lang="en-US" altLang="zh-CN" smtClean="0"/>
-              <a:t>9/1/2017</a:t>
+              <a:t>9/4/2017</a:t>
             </a:fld>
             <a:endParaRPr lang="en-US"/>
           </a:p>
@@ -2213,7 +2215,7 @@
           <a:p>
             <a:fld id="{EBEDA52C-3EEE-4289-818C-901C0A7814FE}" type="datetime1">
               <a:rPr lang="en-US" altLang="zh-CN" smtClean="0"/>
-              <a:t>9/1/2017</a:t>
+              <a:t>9/4/2017</a:t>
             </a:fld>
             <a:endParaRPr lang="en-US"/>
           </a:p>
@@ -2467,7 +2469,7 @@
           <a:p>
             <a:fld id="{09EF5D7F-EA15-485C-85DD-8FDC010A62D4}" type="datetime1">
               <a:rPr lang="en-US" altLang="zh-CN" smtClean="0"/>
-              <a:t>9/1/2017</a:t>
+              <a:t>9/4/2017</a:t>
             </a:fld>
             <a:endParaRPr lang="en-US"/>
           </a:p>
@@ -2707,7 +2709,7 @@
           <a:p>
             <a:fld id="{9541C2B2-0BAB-4CD4-83EE-25F1A7138896}" type="datetime1">
               <a:rPr lang="en-US" altLang="zh-CN" smtClean="0"/>
-              <a:t>9/1/2017</a:t>
+              <a:t>9/4/2017</a:t>
             </a:fld>
             <a:endParaRPr lang="en-US"/>
           </a:p>
@@ -3082,7 +3084,7 @@
           <a:p>
             <a:fld id="{7DEA23E7-D0FC-41DC-8745-BE6FC447B182}" type="datetime1">
               <a:rPr lang="en-US" altLang="zh-CN" smtClean="0"/>
-              <a:t>9/1/2017</a:t>
+              <a:t>9/4/2017</a:t>
             </a:fld>
             <a:endParaRPr lang="en-US"/>
           </a:p>
@@ -3867,7 +3869,7 @@
           <a:p>
             <a:fld id="{5DEA8378-5F33-490B-8120-8DE6B7EE2781}" type="datetime1">
               <a:rPr lang="en-US" altLang="zh-CN" smtClean="0"/>
-              <a:t>9/1/2017</a:t>
+              <a:t>9/4/2017</a:t>
             </a:fld>
             <a:endParaRPr lang="en-US"/>
           </a:p>
@@ -4121,7 +4123,7 @@
           <a:p>
             <a:fld id="{38DD30CF-78A7-4C73-91B4-38D3E3317745}" type="datetime1">
               <a:rPr lang="en-US" altLang="zh-CN" smtClean="0"/>
-              <a:t>9/1/2017</a:t>
+              <a:t>9/4/2017</a:t>
             </a:fld>
             <a:endParaRPr lang="en-US"/>
           </a:p>
@@ -4224,7 +4226,7 @@
           <a:p>
             <a:fld id="{A1BE0A72-8501-4974-A7B7-5BD248ABBAFC}" type="datetime1">
               <a:rPr lang="zh-CN" altLang="en-US" smtClean="0"/>
-              <a:t>2017/9/1</a:t>
+              <a:t>2017/9/4</a:t>
             </a:fld>
             <a:endParaRPr lang="zh-CN" altLang="en-US"/>
           </a:p>
@@ -4485,7 +4487,7 @@
           <a:p>
             <a:fld id="{0B7E01DD-16D0-4DBA-9C1A-51468BA0B73A}" type="datetime1">
               <a:rPr lang="en-US" altLang="zh-CN" smtClean="0"/>
-              <a:t>9/1/2017</a:t>
+              <a:t>9/4/2017</a:t>
             </a:fld>
             <a:endParaRPr lang="en-US"/>
           </a:p>
@@ -4663,7 +4665,7 @@
           <a:p>
             <a:fld id="{B587E63F-0E62-4A50-901F-E071D77F7634}" type="datetime1">
               <a:rPr lang="en-US" altLang="zh-CN" smtClean="0"/>
-              <a:t>9/1/2017</a:t>
+              <a:t>9/4/2017</a:t>
             </a:fld>
             <a:endParaRPr lang="en-US"/>
           </a:p>
@@ -4851,7 +4853,7 @@
           <a:p>
             <a:fld id="{BD8521E8-9297-400B-AD8C-0A4D05699D33}" type="datetime1">
               <a:rPr lang="en-US" altLang="zh-CN" smtClean="0"/>
-              <a:t>9/1/2017</a:t>
+              <a:t>9/4/2017</a:t>
             </a:fld>
             <a:endParaRPr lang="en-US"/>
           </a:p>
@@ -5082,7 +5084,7 @@
           <a:p>
             <a:fld id="{ED5513C8-E3A4-4D78-B249-887659A958FF}" type="datetime1">
               <a:rPr lang="en-US" altLang="zh-CN" smtClean="0"/>
-              <a:t>9/1/2017</a:t>
+              <a:t>9/4/2017</a:t>
             </a:fld>
             <a:endParaRPr lang="en-US"/>
           </a:p>
@@ -5260,7 +5262,7 @@
           <a:p>
             <a:fld id="{EBEDA52C-3EEE-4289-818C-901C0A7814FE}" type="datetime1">
               <a:rPr lang="en-US" altLang="zh-CN" smtClean="0"/>
-              <a:t>9/1/2017</a:t>
+              <a:t>9/4/2017</a:t>
             </a:fld>
             <a:endParaRPr lang="en-US"/>
           </a:p>
@@ -5514,7 +5516,7 @@
           <a:p>
             <a:fld id="{09EF5D7F-EA15-485C-85DD-8FDC010A62D4}" type="datetime1">
               <a:rPr lang="en-US" altLang="zh-CN" smtClean="0"/>
-              <a:t>9/1/2017</a:t>
+              <a:t>9/4/2017</a:t>
             </a:fld>
             <a:endParaRPr lang="en-US"/>
           </a:p>
@@ -5754,7 +5756,7 @@
           <a:p>
             <a:fld id="{9541C2B2-0BAB-4CD4-83EE-25F1A7138896}" type="datetime1">
               <a:rPr lang="en-US" altLang="zh-CN" smtClean="0"/>
-              <a:t>9/1/2017</a:t>
+              <a:t>9/4/2017</a:t>
             </a:fld>
             <a:endParaRPr lang="en-US"/>
           </a:p>
@@ -6129,7 +6131,7 @@
           <a:p>
             <a:fld id="{7DEA23E7-D0FC-41DC-8745-BE6FC447B182}" type="datetime1">
               <a:rPr lang="en-US" altLang="zh-CN" smtClean="0"/>
-              <a:t>9/1/2017</a:t>
+              <a:t>9/4/2017</a:t>
             </a:fld>
             <a:endParaRPr lang="en-US"/>
           </a:p>
@@ -6914,7 +6916,7 @@
           <a:p>
             <a:fld id="{A1BE0A72-8501-4974-A7B7-5BD248ABBAFC}" type="datetime1">
               <a:rPr lang="zh-CN" altLang="en-US" smtClean="0"/>
-              <a:t>2017/9/1</a:t>
+              <a:t>2017/9/4</a:t>
             </a:fld>
             <a:endParaRPr lang="zh-CN" altLang="en-US"/>
           </a:p>
@@ -6967,7 +6969,7 @@
           <a:p>
             <a:fld id="{5DEA8378-5F33-490B-8120-8DE6B7EE2781}" type="datetime1">
               <a:rPr lang="en-US" altLang="zh-CN" smtClean="0"/>
-              <a:t>9/1/2017</a:t>
+              <a:t>9/4/2017</a:t>
             </a:fld>
             <a:endParaRPr lang="en-US"/>
           </a:p>
@@ -7221,7 +7223,7 @@
           <a:p>
             <a:fld id="{38DD30CF-78A7-4C73-91B4-38D3E3317745}" type="datetime1">
               <a:rPr lang="en-US" altLang="zh-CN" smtClean="0"/>
-              <a:t>9/1/2017</a:t>
+              <a:t>9/4/2017</a:t>
             </a:fld>
             <a:endParaRPr lang="en-US"/>
           </a:p>
@@ -7486,7 +7488,7 @@
           <a:p>
             <a:fld id="{0B7E01DD-16D0-4DBA-9C1A-51468BA0B73A}" type="datetime1">
               <a:rPr lang="en-US" altLang="zh-CN" smtClean="0"/>
-              <a:t>9/1/2017</a:t>
+              <a:t>9/4/2017</a:t>
             </a:fld>
             <a:endParaRPr lang="en-US"/>
           </a:p>
@@ -7664,7 +7666,7 @@
           <a:p>
             <a:fld id="{B587E63F-0E62-4A50-901F-E071D77F7634}" type="datetime1">
               <a:rPr lang="en-US" altLang="zh-CN" smtClean="0"/>
-              <a:t>9/1/2017</a:t>
+              <a:t>9/4/2017</a:t>
             </a:fld>
             <a:endParaRPr lang="en-US"/>
           </a:p>
@@ -7852,7 +7854,7 @@
           <a:p>
             <a:fld id="{BD8521E8-9297-400B-AD8C-0A4D05699D33}" type="datetime1">
               <a:rPr lang="en-US" altLang="zh-CN" smtClean="0"/>
-              <a:t>9/1/2017</a:t>
+              <a:t>9/4/2017</a:t>
             </a:fld>
             <a:endParaRPr lang="en-US"/>
           </a:p>
@@ -7955,7 +7957,7 @@
           <a:p>
             <a:fld id="{EF452D9C-F9EB-4417-9C3A-C876C2AF9415}" type="datetime1">
               <a:rPr lang="zh-CN" altLang="en-US" smtClean="0"/>
-              <a:t>2017/9/1</a:t>
+              <a:t>2017/9/4</a:t>
             </a:fld>
             <a:endParaRPr lang="zh-CN" altLang="en-US"/>
           </a:p>
@@ -8141,7 +8143,7 @@
           <a:p>
             <a:fld id="{2F2E9289-9B4C-49AE-BDDA-70D6EDC89D17}" type="datetime1">
               <a:rPr lang="zh-CN" altLang="en-US" smtClean="0"/>
-              <a:t>2017/9/1</a:t>
+              <a:t>2017/9/4</a:t>
             </a:fld>
             <a:endParaRPr lang="zh-CN" altLang="en-US"/>
           </a:p>
@@ -8311,7 +8313,7 @@
           <a:p>
             <a:fld id="{2F2E9289-9B4C-49AE-BDDA-70D6EDC89D17}" type="datetime1">
               <a:rPr lang="zh-CN" altLang="en-US" smtClean="0"/>
-              <a:t>2017/9/1</a:t>
+              <a:t>2017/9/4</a:t>
             </a:fld>
             <a:endParaRPr lang="zh-CN" altLang="en-US"/>
           </a:p>
@@ -8547,7 +8549,7 @@
           <a:p>
             <a:fld id="{8C5BA751-A251-47D6-8494-C134D9EBED5F}" type="datetime1">
               <a:rPr lang="zh-CN" altLang="en-US" smtClean="0"/>
-              <a:t>2017/9/1</a:t>
+              <a:t>2017/9/4</a:t>
             </a:fld>
             <a:endParaRPr lang="zh-CN" altLang="en-US"/>
           </a:p>
@@ -8903,7 +8905,7 @@
           <a:p>
             <a:fld id="{C46E2078-F302-4651-A2A2-2FC6C4E1A3F1}" type="datetime1">
               <a:rPr lang="zh-CN" altLang="en-US" smtClean="0"/>
-              <a:t>2017/9/1</a:t>
+              <a:t>2017/9/4</a:t>
             </a:fld>
             <a:endParaRPr lang="zh-CN" altLang="en-US"/>
           </a:p>
@@ -9025,7 +9027,7 @@
               <a:pPr>
                 <a:defRPr/>
               </a:pPr>
-              <a:t>2017/9/1</a:t>
+              <a:t>2017/9/4</a:t>
             </a:fld>
             <a:endParaRPr lang="zh-CN" altLang="en-US"/>
           </a:p>
@@ -9173,7 +9175,7 @@
           <a:p>
             <a:fld id="{A1BE0A72-8501-4974-A7B7-5BD248ABBAFC}" type="datetime1">
               <a:rPr lang="zh-CN" altLang="en-US" smtClean="0"/>
-              <a:t>2017/9/1</a:t>
+              <a:t>2017/9/4</a:t>
             </a:fld>
             <a:endParaRPr lang="zh-CN" altLang="en-US"/>
           </a:p>
@@ -9687,7 +9689,7 @@
           <a:p>
             <a:fld id="{A1BE0A72-8501-4974-A7B7-5BD248ABBAFC}" type="datetime1">
               <a:rPr lang="zh-CN" altLang="en-US" smtClean="0"/>
-              <a:t>2017/9/1</a:t>
+              <a:t>2017/9/4</a:t>
             </a:fld>
             <a:endParaRPr lang="zh-CN" altLang="en-US"/>
           </a:p>
@@ -10293,7 +10295,7 @@
           <a:p>
             <a:fld id="{7A78726F-0AD2-4A20-BC72-263D2D3F3A2F}" type="datetime1">
               <a:rPr lang="en-US" altLang="zh-CN" smtClean="0"/>
-              <a:t>9/1/2017</a:t>
+              <a:t>9/4/2017</a:t>
             </a:fld>
             <a:endParaRPr lang="en-US"/>
           </a:p>
@@ -11274,7 +11276,7 @@
           <a:p>
             <a:fld id="{A1BE0A72-8501-4974-A7B7-5BD248ABBAFC}" type="datetime1">
               <a:rPr lang="zh-CN" altLang="en-US" smtClean="0"/>
-              <a:t>2017/9/1</a:t>
+              <a:t>2017/9/4</a:t>
             </a:fld>
             <a:endParaRPr lang="zh-CN" altLang="en-US"/>
           </a:p>
@@ -11880,7 +11882,7 @@
           <a:p>
             <a:fld id="{7A78726F-0AD2-4A20-BC72-263D2D3F3A2F}" type="datetime1">
               <a:rPr lang="en-US" altLang="zh-CN" smtClean="0"/>
-              <a:t>9/1/2017</a:t>
+              <a:t>9/4/2017</a:t>
             </a:fld>
             <a:endParaRPr lang="en-US"/>
           </a:p>
@@ -12985,7 +12987,24 @@
               <a:rPr lang="zh-CN" altLang="en-US" dirty="0">
                 <a:ea typeface="微软雅黑" panose="020B0503020204020204" pitchFamily="34" charset="-122"/>
               </a:rPr>
-              <a:t>对所有待签名参数按照字段名的</a:t>
+              <a:t>对所</a:t>
+            </a:r>
+            <a:r>
+              <a:rPr lang="zh-CN" altLang="en-US" dirty="0">
+                <a:solidFill>
+                  <a:schemeClr val="accent6">
+                    <a:lumMod val="75000"/>
+                  </a:schemeClr>
+                </a:solidFill>
+                <a:ea typeface="微软雅黑" panose="020B0503020204020204" pitchFamily="34" charset="-122"/>
+              </a:rPr>
+              <a:t>有待签名参数按照字段名</a:t>
+            </a:r>
+            <a:r>
+              <a:rPr lang="zh-CN" altLang="en-US" dirty="0">
+                <a:ea typeface="微软雅黑" panose="020B0503020204020204" pitchFamily="34" charset="-122"/>
+              </a:rPr>
+              <a:t>的</a:t>
             </a:r>
             <a:r>
               <a:rPr lang="en-US" altLang="zh-CN" dirty="0">
@@ -13204,7 +13223,7 @@
         <p:spPr>
           <a:xfrm>
             <a:off x="4058444" y="2343152"/>
-            <a:ext cx="5385594" cy="2062103"/>
+            <a:ext cx="5385594" cy="1969257"/>
           </a:xfrm>
           <a:prstGeom prst="rect">
             <a:avLst/>
@@ -13312,7 +13331,7 @@
               <a:buAutoNum type="ea1JpnChsDbPeriod"/>
             </a:pPr>
             <a:r>
-              <a:rPr lang="en-US" altLang="zh-CN" sz="2000" dirty="0" err="1">
+              <a:rPr lang="en-US" altLang="zh-CN" sz="2000" dirty="0">
                 <a:solidFill>
                   <a:schemeClr val="tx1">
                     <a:lumMod val="65000"/>
@@ -13322,7 +13341,7 @@
                 <a:latin typeface="微软雅黑" panose="020B0503020204020204" pitchFamily="34" charset="-122"/>
                 <a:ea typeface="微软雅黑" panose="020B0503020204020204" pitchFamily="34" charset="-122"/>
               </a:rPr>
-              <a:t>WeUI</a:t>
+              <a:t>JS-SDK</a:t>
             </a:r>
             <a:r>
               <a:rPr lang="zh-CN" altLang="en-US" sz="2000" dirty="0">
@@ -13335,33 +13354,7 @@
                 <a:latin typeface="微软雅黑" panose="020B0503020204020204" pitchFamily="34" charset="-122"/>
                 <a:ea typeface="微软雅黑" panose="020B0503020204020204" pitchFamily="34" charset="-122"/>
               </a:rPr>
-              <a:t>与</a:t>
-            </a:r>
-            <a:r>
-              <a:rPr lang="en-US" altLang="zh-CN" sz="2000" dirty="0">
-                <a:solidFill>
-                  <a:schemeClr val="tx1">
-                    <a:lumMod val="65000"/>
-                    <a:lumOff val="35000"/>
-                  </a:schemeClr>
-                </a:solidFill>
-                <a:latin typeface="微软雅黑" panose="020B0503020204020204" pitchFamily="34" charset="-122"/>
-                <a:ea typeface="微软雅黑" panose="020B0503020204020204" pitchFamily="34" charset="-122"/>
-              </a:rPr>
-              <a:t>JS-SDK</a:t>
-            </a:r>
-            <a:r>
-              <a:rPr lang="zh-CN" altLang="en-US" sz="2000" dirty="0">
-                <a:solidFill>
-                  <a:schemeClr val="tx1">
-                    <a:lumMod val="65000"/>
-                    <a:lumOff val="35000"/>
-                  </a:schemeClr>
-                </a:solidFill>
-                <a:latin typeface="微软雅黑" panose="020B0503020204020204" pitchFamily="34" charset="-122"/>
-                <a:ea typeface="微软雅黑" panose="020B0503020204020204" pitchFamily="34" charset="-122"/>
-              </a:rPr>
-              <a:t>配合使用</a:t>
+              <a:t>基本使用（续）</a:t>
             </a:r>
             <a:endParaRPr lang="en-US" altLang="zh-CN" sz="2000" dirty="0">
               <a:solidFill>
@@ -13427,12 +13420,8 @@
           <a:lstStyle/>
           <a:p>
             <a:r>
-              <a:rPr lang="en-US" altLang="zh-CN" b="0" dirty="0"/>
-              <a:t>ready</a:t>
-            </a:r>
-            <a:r>
               <a:rPr lang="zh-CN" altLang="en-US" b="0" dirty="0"/>
-              <a:t>接口的回调函数</a:t>
+              <a:t>接口配置列表</a:t>
             </a:r>
           </a:p>
         </p:txBody>
@@ -13452,7 +13441,7 @@
         <p:spPr>
           <a:xfrm>
             <a:off x="1054099" y="1710813"/>
-            <a:ext cx="10135011" cy="1754326"/>
+            <a:ext cx="10135011" cy="458908"/>
           </a:xfrm>
           <a:prstGeom prst="rect">
             <a:avLst/>
@@ -13473,108 +13462,11 @@
               <a:buChar char="•"/>
             </a:pPr>
             <a:r>
-              <a:rPr lang="en-US" altLang="zh-CN" dirty="0">
-                <a:latin typeface="微软雅黑" panose="020B0503020204020204" pitchFamily="34" charset="-122"/>
-                <a:ea typeface="微软雅黑" panose="020B0503020204020204" pitchFamily="34" charset="-122"/>
-              </a:rPr>
-              <a:t>config</a:t>
-            </a:r>
-            <a:r>
               <a:rPr lang="zh-CN" altLang="en-US" dirty="0">
                 <a:latin typeface="微软雅黑" panose="020B0503020204020204" pitchFamily="34" charset="-122"/>
                 <a:ea typeface="微软雅黑" panose="020B0503020204020204" pitchFamily="34" charset="-122"/>
               </a:rPr>
-              <a:t>信息验证后会执行</a:t>
-            </a:r>
-            <a:r>
-              <a:rPr lang="en-US" altLang="zh-CN" dirty="0">
-                <a:latin typeface="微软雅黑" panose="020B0503020204020204" pitchFamily="34" charset="-122"/>
-                <a:ea typeface="微软雅黑" panose="020B0503020204020204" pitchFamily="34" charset="-122"/>
-              </a:rPr>
-              <a:t>ready</a:t>
-            </a:r>
-            <a:r>
-              <a:rPr lang="zh-CN" altLang="en-US" dirty="0">
-                <a:latin typeface="微软雅黑" panose="020B0503020204020204" pitchFamily="34" charset="-122"/>
-                <a:ea typeface="微软雅黑" panose="020B0503020204020204" pitchFamily="34" charset="-122"/>
-              </a:rPr>
-              <a:t>方法，所有接口调用都必须在</a:t>
-            </a:r>
-            <a:r>
-              <a:rPr lang="en-US" altLang="zh-CN" dirty="0">
-                <a:latin typeface="微软雅黑" panose="020B0503020204020204" pitchFamily="34" charset="-122"/>
-                <a:ea typeface="微软雅黑" panose="020B0503020204020204" pitchFamily="34" charset="-122"/>
-              </a:rPr>
-              <a:t>config</a:t>
-            </a:r>
-            <a:r>
-              <a:rPr lang="zh-CN" altLang="en-US" dirty="0">
-                <a:latin typeface="微软雅黑" panose="020B0503020204020204" pitchFamily="34" charset="-122"/>
-                <a:ea typeface="微软雅黑" panose="020B0503020204020204" pitchFamily="34" charset="-122"/>
-              </a:rPr>
-              <a:t>接口获得结果之后，</a:t>
-            </a:r>
-            <a:r>
-              <a:rPr lang="en-US" altLang="zh-CN" dirty="0">
-                <a:latin typeface="微软雅黑" panose="020B0503020204020204" pitchFamily="34" charset="-122"/>
-                <a:ea typeface="微软雅黑" panose="020B0503020204020204" pitchFamily="34" charset="-122"/>
-              </a:rPr>
-              <a:t>config</a:t>
-            </a:r>
-            <a:r>
-              <a:rPr lang="zh-CN" altLang="en-US" dirty="0">
-                <a:latin typeface="微软雅黑" panose="020B0503020204020204" pitchFamily="34" charset="-122"/>
-                <a:ea typeface="微软雅黑" panose="020B0503020204020204" pitchFamily="34" charset="-122"/>
-              </a:rPr>
-              <a:t>是一个客户端的异步操作，所以如果需要在页面加载时就调用相关接口，则须把相关接口放在</a:t>
-            </a:r>
-            <a:r>
-              <a:rPr lang="en-US" altLang="zh-CN" dirty="0">
-                <a:latin typeface="微软雅黑" panose="020B0503020204020204" pitchFamily="34" charset="-122"/>
-                <a:ea typeface="微软雅黑" panose="020B0503020204020204" pitchFamily="34" charset="-122"/>
-              </a:rPr>
-              <a:t>ready</a:t>
-            </a:r>
-            <a:r>
-              <a:rPr lang="zh-CN" altLang="en-US" dirty="0">
-                <a:latin typeface="微软雅黑" panose="020B0503020204020204" pitchFamily="34" charset="-122"/>
-                <a:ea typeface="微软雅黑" panose="020B0503020204020204" pitchFamily="34" charset="-122"/>
-              </a:rPr>
-              <a:t>函数中调用来确保正确执行。</a:t>
-            </a:r>
-            <a:endParaRPr lang="en-US" altLang="zh-CN" dirty="0">
-              <a:latin typeface="微软雅黑" panose="020B0503020204020204" pitchFamily="34" charset="-122"/>
-              <a:ea typeface="微软雅黑" panose="020B0503020204020204" pitchFamily="34" charset="-122"/>
-            </a:endParaRPr>
-          </a:p>
-          <a:p>
-            <a:pPr marL="285750" indent="-285750">
-              <a:lnSpc>
-                <a:spcPct val="150000"/>
-              </a:lnSpc>
-              <a:buFont typeface="Arial" panose="020B0604020202020204" pitchFamily="34" charset="0"/>
-              <a:buChar char="•"/>
-            </a:pPr>
-            <a:r>
-              <a:rPr lang="zh-CN" altLang="en-US" dirty="0">
-                <a:latin typeface="微软雅黑" panose="020B0503020204020204" pitchFamily="34" charset="-122"/>
-                <a:ea typeface="微软雅黑" panose="020B0503020204020204" pitchFamily="34" charset="-122"/>
-              </a:rPr>
-              <a:t>对于用户触发时才调用的接口，则可以直接调用，不需要放在</a:t>
-            </a:r>
-            <a:r>
-              <a:rPr lang="en-US" altLang="zh-CN" dirty="0">
-                <a:latin typeface="微软雅黑" panose="020B0503020204020204" pitchFamily="34" charset="-122"/>
-                <a:ea typeface="微软雅黑" panose="020B0503020204020204" pitchFamily="34" charset="-122"/>
-              </a:rPr>
-              <a:t>ready</a:t>
-            </a:r>
-            <a:r>
-              <a:rPr lang="zh-CN" altLang="en-US" dirty="0">
-                <a:latin typeface="微软雅黑" panose="020B0503020204020204" pitchFamily="34" charset="-122"/>
-                <a:ea typeface="微软雅黑" panose="020B0503020204020204" pitchFamily="34" charset="-122"/>
-              </a:rPr>
-              <a:t>函数中。</a:t>
+              <a:t>请确保要调用的接口在配置列表中，否则无法调用。</a:t>
             </a:r>
             <a:endParaRPr lang="en-US" altLang="zh-CN" dirty="0">
               <a:latin typeface="微软雅黑" panose="020B0503020204020204" pitchFamily="34" charset="-122"/>
@@ -13626,7 +13518,7 @@
         <p:spPr>
           <a:xfrm>
             <a:off x="1054099" y="543636"/>
-            <a:ext cx="5788135" cy="685800"/>
+            <a:ext cx="6113956" cy="685800"/>
           </a:xfrm>
         </p:spPr>
         <p:txBody>
@@ -13635,7 +13527,7 @@
           <a:p>
             <a:r>
               <a:rPr lang="en-US" altLang="zh-CN" b="0" dirty="0"/>
-              <a:t>error</a:t>
+              <a:t>ready</a:t>
             </a:r>
             <a:r>
               <a:rPr lang="zh-CN" altLang="en-US" b="0" dirty="0"/>
@@ -13649,7 +13541,7 @@
           <p:cNvPr id="3" name="文本框 2">
             <a:extLst>
               <a:ext uri="{FF2B5EF4-FFF2-40B4-BE49-F238E27FC236}">
-                <a16:creationId xmlns:a16="http://schemas.microsoft.com/office/drawing/2014/main" id="{381136EF-B986-46B9-838C-B1E37719567C}"/>
+                <a16:creationId xmlns:a16="http://schemas.microsoft.com/office/drawing/2014/main" id="{62F0578D-AB07-4633-A5CA-0C7838885FB8}"/>
               </a:ext>
             </a:extLst>
           </p:cNvPr>
@@ -13658,8 +13550,8 @@
         </p:nvSpPr>
         <p:spPr>
           <a:xfrm>
-            <a:off x="1054099" y="1691148"/>
-            <a:ext cx="10410315" cy="1289905"/>
+            <a:off x="1054099" y="1710813"/>
+            <a:ext cx="10135011" cy="2169825"/>
           </a:xfrm>
           <a:prstGeom prst="rect">
             <a:avLst/>
@@ -13691,21 +13583,63 @@
                 <a:latin typeface="微软雅黑" panose="020B0503020204020204" pitchFamily="34" charset="-122"/>
                 <a:ea typeface="微软雅黑" panose="020B0503020204020204" pitchFamily="34" charset="-122"/>
               </a:rPr>
-              <a:t>信息验证失败会执行</a:t>
+              <a:t>信息验证后会执行</a:t>
             </a:r>
             <a:r>
               <a:rPr lang="en-US" altLang="zh-CN" dirty="0">
                 <a:latin typeface="微软雅黑" panose="020B0503020204020204" pitchFamily="34" charset="-122"/>
                 <a:ea typeface="微软雅黑" panose="020B0503020204020204" pitchFamily="34" charset="-122"/>
               </a:rPr>
-              <a:t>error</a:t>
+              <a:t>ready</a:t>
             </a:r>
             <a:r>
               <a:rPr lang="zh-CN" altLang="en-US" dirty="0">
                 <a:latin typeface="微软雅黑" panose="020B0503020204020204" pitchFamily="34" charset="-122"/>
                 <a:ea typeface="微软雅黑" panose="020B0503020204020204" pitchFamily="34" charset="-122"/>
               </a:rPr>
-              <a:t>函数，如签名过期导致验证失败。</a:t>
+              <a:t>方法，所有接口调用都必须在</a:t>
+            </a:r>
+            <a:r>
+              <a:rPr lang="en-US" altLang="zh-CN" dirty="0">
+                <a:latin typeface="微软雅黑" panose="020B0503020204020204" pitchFamily="34" charset="-122"/>
+                <a:ea typeface="微软雅黑" panose="020B0503020204020204" pitchFamily="34" charset="-122"/>
+              </a:rPr>
+              <a:t>config</a:t>
+            </a:r>
+            <a:r>
+              <a:rPr lang="zh-CN" altLang="en-US" dirty="0">
+                <a:latin typeface="微软雅黑" panose="020B0503020204020204" pitchFamily="34" charset="-122"/>
+                <a:ea typeface="微软雅黑" panose="020B0503020204020204" pitchFamily="34" charset="-122"/>
+              </a:rPr>
+              <a:t>接口获得结果之后，</a:t>
+            </a:r>
+            <a:r>
+              <a:rPr lang="en-US" altLang="zh-CN" dirty="0">
+                <a:latin typeface="微软雅黑" panose="020B0503020204020204" pitchFamily="34" charset="-122"/>
+                <a:ea typeface="微软雅黑" panose="020B0503020204020204" pitchFamily="34" charset="-122"/>
+              </a:rPr>
+              <a:t>config</a:t>
+            </a:r>
+            <a:r>
+              <a:rPr lang="zh-CN" altLang="en-US" dirty="0">
+                <a:latin typeface="微软雅黑" panose="020B0503020204020204" pitchFamily="34" charset="-122"/>
+                <a:ea typeface="微软雅黑" panose="020B0503020204020204" pitchFamily="34" charset="-122"/>
+              </a:rPr>
+              <a:t>是一个客户端的异步操作，所以如果需要在页面加载时就调用相关接口，则须把相关接口放在</a:t>
+            </a:r>
+            <a:r>
+              <a:rPr lang="en-US" altLang="zh-CN" dirty="0">
+                <a:latin typeface="微软雅黑" panose="020B0503020204020204" pitchFamily="34" charset="-122"/>
+                <a:ea typeface="微软雅黑" panose="020B0503020204020204" pitchFamily="34" charset="-122"/>
+              </a:rPr>
+              <a:t>ready</a:t>
+            </a:r>
+            <a:r>
+              <a:rPr lang="zh-CN" altLang="en-US" dirty="0">
+                <a:latin typeface="微软雅黑" panose="020B0503020204020204" pitchFamily="34" charset="-122"/>
+                <a:ea typeface="微软雅黑" panose="020B0503020204020204" pitchFamily="34" charset="-122"/>
+              </a:rPr>
+              <a:t>函数中调用来确保正确执行。</a:t>
             </a:r>
             <a:endParaRPr lang="en-US" altLang="zh-CN" dirty="0">
               <a:latin typeface="微软雅黑" panose="020B0503020204020204" pitchFamily="34" charset="-122"/>
@@ -13725,71 +13659,81 @@
                 <a:latin typeface="微软雅黑" panose="020B0503020204020204" pitchFamily="34" charset="-122"/>
                 <a:ea typeface="微软雅黑" panose="020B0503020204020204" pitchFamily="34" charset="-122"/>
               </a:rPr>
-              <a:t>具体错误信息可以打开</a:t>
+              <a:t>对于用户触发时才调用的接口，则可以直接调用，不需要放在</a:t>
             </a:r>
             <a:r>
               <a:rPr lang="en-US" altLang="zh-CN" dirty="0">
                 <a:latin typeface="微软雅黑" panose="020B0503020204020204" pitchFamily="34" charset="-122"/>
                 <a:ea typeface="微软雅黑" panose="020B0503020204020204" pitchFamily="34" charset="-122"/>
               </a:rPr>
-              <a:t>config</a:t>
+              <a:t>ready</a:t>
             </a:r>
             <a:r>
               <a:rPr lang="zh-CN" altLang="en-US" dirty="0">
                 <a:latin typeface="微软雅黑" panose="020B0503020204020204" pitchFamily="34" charset="-122"/>
                 <a:ea typeface="微软雅黑" panose="020B0503020204020204" pitchFamily="34" charset="-122"/>
               </a:rPr>
-              <a:t>的</a:t>
+              <a:t>函数中。</a:t>
+            </a:r>
+            <a:endParaRPr lang="en-US" altLang="zh-CN" dirty="0">
+              <a:latin typeface="微软雅黑" panose="020B0503020204020204" pitchFamily="34" charset="-122"/>
+              <a:ea typeface="微软雅黑" panose="020B0503020204020204" pitchFamily="34" charset="-122"/>
+            </a:endParaRPr>
+          </a:p>
+          <a:p>
+            <a:pPr marL="285750" indent="-285750">
+              <a:lnSpc>
+                <a:spcPct val="150000"/>
+              </a:lnSpc>
+              <a:buFont typeface="Arial" panose="020B0604020202020204" pitchFamily="34" charset="0"/>
+              <a:buChar char="•"/>
+            </a:pPr>
+            <a:r>
+              <a:rPr lang="zh-CN" altLang="en-US" dirty="0">
+                <a:latin typeface="微软雅黑" panose="020B0503020204020204" pitchFamily="34" charset="-122"/>
+                <a:ea typeface="微软雅黑" panose="020B0503020204020204" pitchFamily="34" charset="-122"/>
+              </a:rPr>
+              <a:t>以</a:t>
             </a:r>
             <a:r>
               <a:rPr lang="en-US" altLang="zh-CN" dirty="0">
                 <a:latin typeface="微软雅黑" panose="020B0503020204020204" pitchFamily="34" charset="-122"/>
                 <a:ea typeface="微软雅黑" panose="020B0503020204020204" pitchFamily="34" charset="-122"/>
               </a:rPr>
-              <a:t>debug</a:t>
+              <a:t>on</a:t>
             </a:r>
             <a:r>
               <a:rPr lang="zh-CN" altLang="en-US" dirty="0">
                 <a:latin typeface="微软雅黑" panose="020B0503020204020204" pitchFamily="34" charset="-122"/>
                 <a:ea typeface="微软雅黑" panose="020B0503020204020204" pitchFamily="34" charset="-122"/>
               </a:rPr>
-              <a:t>模式查看，也可以在返回的</a:t>
+              <a:t>开头的接口都是要放到</a:t>
             </a:r>
             <a:r>
               <a:rPr lang="en-US" altLang="zh-CN" dirty="0">
                 <a:latin typeface="微软雅黑" panose="020B0503020204020204" pitchFamily="34" charset="-122"/>
                 <a:ea typeface="微软雅黑" panose="020B0503020204020204" pitchFamily="34" charset="-122"/>
               </a:rPr>
-              <a:t>res</a:t>
+              <a:t>ready</a:t>
             </a:r>
             <a:r>
               <a:rPr lang="zh-CN" altLang="en-US" dirty="0">
                 <a:latin typeface="微软雅黑" panose="020B0503020204020204" pitchFamily="34" charset="-122"/>
                 <a:ea typeface="微软雅黑" panose="020B0503020204020204" pitchFamily="34" charset="-122"/>
               </a:rPr>
-              <a:t>参数中查看，对于</a:t>
-            </a:r>
-            <a:r>
-              <a:rPr lang="en-US" altLang="zh-CN" dirty="0">
-                <a:latin typeface="微软雅黑" panose="020B0503020204020204" pitchFamily="34" charset="-122"/>
-                <a:ea typeface="微软雅黑" panose="020B0503020204020204" pitchFamily="34" charset="-122"/>
-              </a:rPr>
-              <a:t>SPA</a:t>
-            </a:r>
-            <a:r>
-              <a:rPr lang="zh-CN" altLang="en-US" dirty="0">
-                <a:latin typeface="微软雅黑" panose="020B0503020204020204" pitchFamily="34" charset="-122"/>
-                <a:ea typeface="微软雅黑" panose="020B0503020204020204" pitchFamily="34" charset="-122"/>
-              </a:rPr>
-              <a:t>可以在这里更新签名。</a:t>
-            </a:r>
+              <a:t>函数中配置的。</a:t>
+            </a:r>
+            <a:endParaRPr lang="en-US" altLang="zh-CN" dirty="0">
+              <a:latin typeface="微软雅黑" panose="020B0503020204020204" pitchFamily="34" charset="-122"/>
+              <a:ea typeface="微软雅黑" panose="020B0503020204020204" pitchFamily="34" charset="-122"/>
+            </a:endParaRPr>
           </a:p>
         </p:txBody>
       </p:sp>
     </p:spTree>
     <p:extLst>
       <p:ext uri="{BB962C8B-B14F-4D97-AF65-F5344CB8AC3E}">
-        <p14:creationId xmlns:p14="http://schemas.microsoft.com/office/powerpoint/2010/main" val="1067076184"/>
+        <p14:creationId xmlns:p14="http://schemas.microsoft.com/office/powerpoint/2010/main" val="3141209663"/>
       </p:ext>
     </p:extLst>
   </p:cSld>
@@ -13828,8 +13772,8 @@
         </p:nvSpPr>
         <p:spPr>
           <a:xfrm>
-            <a:off x="1054100" y="543636"/>
-            <a:ext cx="5818188" cy="685800"/>
+            <a:off x="1054099" y="543636"/>
+            <a:ext cx="5788135" cy="685800"/>
           </a:xfrm>
         </p:spPr>
         <p:txBody>
@@ -13837,8 +13781,154 @@
           <a:lstStyle/>
           <a:p>
             <a:r>
+              <a:rPr lang="en-US" altLang="zh-CN" b="0" dirty="0"/>
+              <a:t>error</a:t>
+            </a:r>
+            <a:r>
               <a:rPr lang="zh-CN" altLang="en-US" b="0" dirty="0"/>
-              <a:t>分享到朋友圈接口</a:t>
+              <a:t>接口的回调函数</a:t>
+            </a:r>
+          </a:p>
+        </p:txBody>
+      </p:sp>
+      <p:sp>
+        <p:nvSpPr>
+          <p:cNvPr id="3" name="文本框 2">
+            <a:extLst>
+              <a:ext uri="{FF2B5EF4-FFF2-40B4-BE49-F238E27FC236}">
+                <a16:creationId xmlns:a16="http://schemas.microsoft.com/office/drawing/2014/main" id="{381136EF-B986-46B9-838C-B1E37719567C}"/>
+              </a:ext>
+            </a:extLst>
+          </p:cNvPr>
+          <p:cNvSpPr txBox="1"/>
+          <p:nvPr/>
+        </p:nvSpPr>
+        <p:spPr>
+          <a:xfrm>
+            <a:off x="1054099" y="1691148"/>
+            <a:ext cx="10410315" cy="1289905"/>
+          </a:xfrm>
+          <a:prstGeom prst="rect">
+            <a:avLst/>
+          </a:prstGeom>
+          <a:noFill/>
+        </p:spPr>
+        <p:txBody>
+          <a:bodyPr wrap="square" rtlCol="0">
+            <a:spAutoFit/>
+          </a:bodyPr>
+          <a:lstStyle/>
+          <a:p>
+            <a:pPr marL="285750" indent="-285750">
+              <a:lnSpc>
+                <a:spcPct val="150000"/>
+              </a:lnSpc>
+              <a:buFont typeface="Arial" panose="020B0604020202020204" pitchFamily="34" charset="0"/>
+              <a:buChar char="•"/>
+            </a:pPr>
+            <a:r>
+              <a:rPr lang="en-US" altLang="zh-CN" dirty="0">
+                <a:latin typeface="微软雅黑" panose="020B0503020204020204" pitchFamily="34" charset="-122"/>
+                <a:ea typeface="微软雅黑" panose="020B0503020204020204" pitchFamily="34" charset="-122"/>
+              </a:rPr>
+              <a:t>config</a:t>
+            </a:r>
+            <a:r>
+              <a:rPr lang="zh-CN" altLang="en-US" dirty="0">
+                <a:latin typeface="微软雅黑" panose="020B0503020204020204" pitchFamily="34" charset="-122"/>
+                <a:ea typeface="微软雅黑" panose="020B0503020204020204" pitchFamily="34" charset="-122"/>
+              </a:rPr>
+              <a:t>信息验证失败会执行</a:t>
+            </a:r>
+            <a:r>
+              <a:rPr lang="en-US" altLang="zh-CN" dirty="0">
+                <a:latin typeface="微软雅黑" panose="020B0503020204020204" pitchFamily="34" charset="-122"/>
+                <a:ea typeface="微软雅黑" panose="020B0503020204020204" pitchFamily="34" charset="-122"/>
+              </a:rPr>
+              <a:t>error</a:t>
+            </a:r>
+            <a:r>
+              <a:rPr lang="zh-CN" altLang="en-US" dirty="0">
+                <a:latin typeface="微软雅黑" panose="020B0503020204020204" pitchFamily="34" charset="-122"/>
+                <a:ea typeface="微软雅黑" panose="020B0503020204020204" pitchFamily="34" charset="-122"/>
+              </a:rPr>
+              <a:t>函数，如签名过期导致验证失败。</a:t>
+            </a:r>
+            <a:endParaRPr lang="en-US" altLang="zh-CN" dirty="0">
+              <a:latin typeface="微软雅黑" panose="020B0503020204020204" pitchFamily="34" charset="-122"/>
+              <a:ea typeface="微软雅黑" panose="020B0503020204020204" pitchFamily="34" charset="-122"/>
+            </a:endParaRPr>
+          </a:p>
+          <a:p>
+            <a:pPr marL="285750" indent="-285750">
+              <a:lnSpc>
+                <a:spcPct val="150000"/>
+              </a:lnSpc>
+              <a:buFont typeface="Arial" panose="020B0604020202020204" pitchFamily="34" charset="0"/>
+              <a:buChar char="•"/>
+            </a:pPr>
+            <a:r>
+              <a:rPr lang="zh-CN" altLang="en-US" dirty="0">
+                <a:latin typeface="微软雅黑" panose="020B0503020204020204" pitchFamily="34" charset="-122"/>
+                <a:ea typeface="微软雅黑" panose="020B0503020204020204" pitchFamily="34" charset="-122"/>
+              </a:rPr>
+              <a:t>具体错误信息可以打开</a:t>
+            </a:r>
+            <a:r>
+              <a:rPr lang="en-US" altLang="zh-CN" dirty="0">
+                <a:latin typeface="微软雅黑" panose="020B0503020204020204" pitchFamily="34" charset="-122"/>
+                <a:ea typeface="微软雅黑" panose="020B0503020204020204" pitchFamily="34" charset="-122"/>
+              </a:rPr>
+              <a:t>config</a:t>
+            </a:r>
+            <a:r>
+              <a:rPr lang="zh-CN" altLang="en-US" dirty="0">
+                <a:latin typeface="微软雅黑" panose="020B0503020204020204" pitchFamily="34" charset="-122"/>
+                <a:ea typeface="微软雅黑" panose="020B0503020204020204" pitchFamily="34" charset="-122"/>
+              </a:rPr>
+              <a:t>的</a:t>
+            </a:r>
+            <a:r>
+              <a:rPr lang="en-US" altLang="zh-CN" dirty="0">
+                <a:latin typeface="微软雅黑" panose="020B0503020204020204" pitchFamily="34" charset="-122"/>
+                <a:ea typeface="微软雅黑" panose="020B0503020204020204" pitchFamily="34" charset="-122"/>
+              </a:rPr>
+              <a:t>debug</a:t>
+            </a:r>
+            <a:r>
+              <a:rPr lang="zh-CN" altLang="en-US" dirty="0">
+                <a:latin typeface="微软雅黑" panose="020B0503020204020204" pitchFamily="34" charset="-122"/>
+                <a:ea typeface="微软雅黑" panose="020B0503020204020204" pitchFamily="34" charset="-122"/>
+              </a:rPr>
+              <a:t>模式查看，也可以在返回的</a:t>
+            </a:r>
+            <a:r>
+              <a:rPr lang="en-US" altLang="zh-CN" dirty="0">
+                <a:latin typeface="微软雅黑" panose="020B0503020204020204" pitchFamily="34" charset="-122"/>
+                <a:ea typeface="微软雅黑" panose="020B0503020204020204" pitchFamily="34" charset="-122"/>
+              </a:rPr>
+              <a:t>res</a:t>
+            </a:r>
+            <a:r>
+              <a:rPr lang="zh-CN" altLang="en-US" dirty="0">
+                <a:latin typeface="微软雅黑" panose="020B0503020204020204" pitchFamily="34" charset="-122"/>
+                <a:ea typeface="微软雅黑" panose="020B0503020204020204" pitchFamily="34" charset="-122"/>
+              </a:rPr>
+              <a:t>参数中查看，对于</a:t>
+            </a:r>
+            <a:r>
+              <a:rPr lang="en-US" altLang="zh-CN" dirty="0">
+                <a:latin typeface="微软雅黑" panose="020B0503020204020204" pitchFamily="34" charset="-122"/>
+                <a:ea typeface="微软雅黑" panose="020B0503020204020204" pitchFamily="34" charset="-122"/>
+              </a:rPr>
+              <a:t>SPA</a:t>
+            </a:r>
+            <a:r>
+              <a:rPr lang="zh-CN" altLang="en-US" dirty="0">
+                <a:latin typeface="微软雅黑" panose="020B0503020204020204" pitchFamily="34" charset="-122"/>
+                <a:ea typeface="微软雅黑" panose="020B0503020204020204" pitchFamily="34" charset="-122"/>
+              </a:rPr>
+              <a:t>可以在这里更新签名。</a:t>
             </a:r>
           </a:p>
         </p:txBody>
@@ -13846,7 +13936,7 @@
     </p:spTree>
     <p:extLst>
       <p:ext uri="{BB962C8B-B14F-4D97-AF65-F5344CB8AC3E}">
-        <p14:creationId xmlns:p14="http://schemas.microsoft.com/office/powerpoint/2010/main" val="2902273865"/>
+        <p14:creationId xmlns:p14="http://schemas.microsoft.com/office/powerpoint/2010/main" val="1067076184"/>
       </p:ext>
     </p:extLst>
   </p:cSld>
@@ -13895,15 +13985,309 @@
           <a:p>
             <a:r>
               <a:rPr lang="zh-CN" altLang="en-US" b="0" dirty="0"/>
-              <a:t>分享给朋友接口</a:t>
-            </a:r>
+              <a:t>分享到朋友圈接口</a:t>
+            </a:r>
+          </a:p>
+        </p:txBody>
+      </p:sp>
+      <p:sp>
+        <p:nvSpPr>
+          <p:cNvPr id="3" name="矩形 2">
+            <a:extLst>
+              <a:ext uri="{FF2B5EF4-FFF2-40B4-BE49-F238E27FC236}">
+                <a16:creationId xmlns:a16="http://schemas.microsoft.com/office/drawing/2014/main" id="{059BF085-ED71-4527-A0B3-D2D3383A6E10}"/>
+              </a:ext>
+            </a:extLst>
+          </p:cNvPr>
+          <p:cNvSpPr/>
+          <p:nvPr/>
+        </p:nvSpPr>
+        <p:spPr>
+          <a:xfrm>
+            <a:off x="1179870" y="1632350"/>
+            <a:ext cx="9881419" cy="3970318"/>
+          </a:xfrm>
+          <a:prstGeom prst="rect">
+            <a:avLst/>
+          </a:prstGeom>
+        </p:spPr>
+        <p:txBody>
+          <a:bodyPr wrap="square">
+            <a:spAutoFit/>
+          </a:bodyPr>
+          <a:lstStyle/>
+          <a:p>
+            <a:pPr marL="285750" indent="-285750">
+              <a:buFont typeface="Arial" panose="020B0604020202020204" pitchFamily="34" charset="0"/>
+              <a:buChar char="•"/>
+            </a:pPr>
+            <a:r>
+              <a:rPr lang="zh-CN" altLang="en-US" dirty="0">
+                <a:latin typeface="arial" panose="020B0604020202020204" pitchFamily="34" charset="0"/>
+                <a:ea typeface="微软雅黑" panose="020B0503020204020204" pitchFamily="34" charset="-122"/>
+              </a:rPr>
+              <a:t>接口参数</a:t>
+            </a:r>
+            <a:r>
+              <a:rPr lang="zh-CN" altLang="en-US" dirty="0">
+                <a:latin typeface="arial" panose="020B0604020202020204" pitchFamily="34" charset="0"/>
+              </a:rPr>
+              <a:t>：</a:t>
+            </a:r>
+            <a:endParaRPr lang="en-US" altLang="zh-CN" dirty="0">
+              <a:latin typeface="arial" panose="020B0604020202020204" pitchFamily="34" charset="0"/>
+            </a:endParaRPr>
+          </a:p>
+          <a:p>
+            <a:pPr lvl="1"/>
+            <a:r>
+              <a:rPr lang="en-US" altLang="zh-CN" dirty="0" err="1">
+                <a:latin typeface="arial" panose="020B0604020202020204" pitchFamily="34" charset="0"/>
+              </a:rPr>
+              <a:t>wx.onMenuShareTimeline</a:t>
+            </a:r>
+            <a:r>
+              <a:rPr lang="en-US" altLang="zh-CN" dirty="0">
+                <a:latin typeface="arial" panose="020B0604020202020204" pitchFamily="34" charset="0"/>
+              </a:rPr>
+              <a:t>({</a:t>
+            </a:r>
+            <a:endParaRPr lang="en-US" altLang="zh-CN" dirty="0"/>
+          </a:p>
+          <a:p>
+            <a:pPr lvl="1"/>
+            <a:r>
+              <a:rPr lang="en-US" altLang="zh-CN" dirty="0">
+                <a:latin typeface="arial" panose="020B0604020202020204" pitchFamily="34" charset="0"/>
+              </a:rPr>
+              <a:t>    title: '', // </a:t>
+            </a:r>
+            <a:r>
+              <a:rPr lang="zh-CN" altLang="en-US" dirty="0">
+                <a:latin typeface="arial" panose="020B0604020202020204" pitchFamily="34" charset="0"/>
+              </a:rPr>
+              <a:t>分享标题</a:t>
+            </a:r>
+            <a:endParaRPr lang="zh-CN" altLang="en-US" dirty="0"/>
+          </a:p>
+          <a:p>
+            <a:pPr lvl="1"/>
+            <a:r>
+              <a:rPr lang="zh-CN" altLang="en-US" dirty="0">
+                <a:latin typeface="arial" panose="020B0604020202020204" pitchFamily="34" charset="0"/>
+              </a:rPr>
+              <a:t>    </a:t>
+            </a:r>
+            <a:r>
+              <a:rPr lang="en-US" altLang="zh-CN" dirty="0">
+                <a:latin typeface="arial" panose="020B0604020202020204" pitchFamily="34" charset="0"/>
+              </a:rPr>
+              <a:t>link: '', // </a:t>
+            </a:r>
+            <a:r>
+              <a:rPr lang="zh-CN" altLang="en-US" dirty="0">
+                <a:latin typeface="arial" panose="020B0604020202020204" pitchFamily="34" charset="0"/>
+              </a:rPr>
+              <a:t>分享链接，该链接域名或路径必须与当前页面对应的公众号</a:t>
+            </a:r>
+            <a:r>
+              <a:rPr lang="en-US" altLang="zh-CN" dirty="0">
+                <a:latin typeface="arial" panose="020B0604020202020204" pitchFamily="34" charset="0"/>
+              </a:rPr>
+              <a:t>JS</a:t>
+            </a:r>
+            <a:r>
+              <a:rPr lang="zh-CN" altLang="en-US" dirty="0">
+                <a:latin typeface="arial" panose="020B0604020202020204" pitchFamily="34" charset="0"/>
+              </a:rPr>
+              <a:t>安全域名一致</a:t>
+            </a:r>
+            <a:endParaRPr lang="zh-CN" altLang="en-US" dirty="0"/>
+          </a:p>
+          <a:p>
+            <a:pPr lvl="1"/>
+            <a:r>
+              <a:rPr lang="zh-CN" altLang="en-US" dirty="0">
+                <a:latin typeface="arial" panose="020B0604020202020204" pitchFamily="34" charset="0"/>
+              </a:rPr>
+              <a:t>    </a:t>
+            </a:r>
+            <a:r>
+              <a:rPr lang="en-US" altLang="zh-CN" dirty="0" err="1">
+                <a:latin typeface="arial" panose="020B0604020202020204" pitchFamily="34" charset="0"/>
+              </a:rPr>
+              <a:t>imgUrl</a:t>
+            </a:r>
+            <a:r>
+              <a:rPr lang="en-US" altLang="zh-CN" dirty="0">
+                <a:latin typeface="arial" panose="020B0604020202020204" pitchFamily="34" charset="0"/>
+              </a:rPr>
+              <a:t>: '', // </a:t>
+            </a:r>
+            <a:r>
+              <a:rPr lang="zh-CN" altLang="en-US" dirty="0">
+                <a:latin typeface="arial" panose="020B0604020202020204" pitchFamily="34" charset="0"/>
+              </a:rPr>
+              <a:t>分享图标</a:t>
+            </a:r>
+            <a:endParaRPr lang="zh-CN" altLang="en-US" dirty="0"/>
+          </a:p>
+          <a:p>
+            <a:pPr lvl="1"/>
+            <a:r>
+              <a:rPr lang="zh-CN" altLang="en-US" dirty="0">
+                <a:latin typeface="arial" panose="020B0604020202020204" pitchFamily="34" charset="0"/>
+              </a:rPr>
+              <a:t>    </a:t>
+            </a:r>
+            <a:r>
+              <a:rPr lang="en-US" altLang="zh-CN" dirty="0">
+                <a:latin typeface="arial" panose="020B0604020202020204" pitchFamily="34" charset="0"/>
+              </a:rPr>
+              <a:t>success: function () { </a:t>
+            </a:r>
+            <a:endParaRPr lang="en-US" altLang="zh-CN" dirty="0"/>
+          </a:p>
+          <a:p>
+            <a:pPr lvl="1"/>
+            <a:r>
+              <a:rPr lang="en-US" altLang="zh-CN" dirty="0">
+                <a:latin typeface="arial" panose="020B0604020202020204" pitchFamily="34" charset="0"/>
+              </a:rPr>
+              <a:t>        // </a:t>
+            </a:r>
+            <a:r>
+              <a:rPr lang="zh-CN" altLang="en-US" dirty="0">
+                <a:latin typeface="arial" panose="020B0604020202020204" pitchFamily="34" charset="0"/>
+              </a:rPr>
+              <a:t>用户确认分享后执行的回调函数</a:t>
+            </a:r>
+            <a:endParaRPr lang="zh-CN" altLang="en-US" dirty="0"/>
+          </a:p>
+          <a:p>
+            <a:pPr lvl="1"/>
+            <a:r>
+              <a:rPr lang="zh-CN" altLang="en-US" dirty="0">
+                <a:latin typeface="arial" panose="020B0604020202020204" pitchFamily="34" charset="0"/>
+              </a:rPr>
+              <a:t>    </a:t>
+            </a:r>
+            <a:r>
+              <a:rPr lang="en-US" altLang="zh-CN" dirty="0">
+                <a:latin typeface="arial" panose="020B0604020202020204" pitchFamily="34" charset="0"/>
+              </a:rPr>
+              <a:t>},</a:t>
+            </a:r>
+            <a:endParaRPr lang="zh-CN" altLang="en-US" dirty="0"/>
+          </a:p>
+          <a:p>
+            <a:pPr lvl="1"/>
+            <a:r>
+              <a:rPr lang="zh-CN" altLang="en-US" dirty="0">
+                <a:latin typeface="arial" panose="020B0604020202020204" pitchFamily="34" charset="0"/>
+              </a:rPr>
+              <a:t>    </a:t>
+            </a:r>
+            <a:r>
+              <a:rPr lang="en-US" altLang="zh-CN" dirty="0">
+                <a:latin typeface="arial" panose="020B0604020202020204" pitchFamily="34" charset="0"/>
+              </a:rPr>
+              <a:t>cancel: function () { </a:t>
+            </a:r>
+            <a:endParaRPr lang="en-US" altLang="zh-CN" dirty="0"/>
+          </a:p>
+          <a:p>
+            <a:pPr lvl="1"/>
+            <a:r>
+              <a:rPr lang="en-US" altLang="zh-CN" dirty="0">
+                <a:latin typeface="arial" panose="020B0604020202020204" pitchFamily="34" charset="0"/>
+              </a:rPr>
+              <a:t>        // </a:t>
+            </a:r>
+            <a:r>
+              <a:rPr lang="zh-CN" altLang="en-US" dirty="0">
+                <a:latin typeface="arial" panose="020B0604020202020204" pitchFamily="34" charset="0"/>
+              </a:rPr>
+              <a:t>用户取消分享后执行的回调函数</a:t>
+            </a:r>
+            <a:endParaRPr lang="zh-CN" altLang="en-US" dirty="0"/>
+          </a:p>
+          <a:p>
+            <a:pPr lvl="1"/>
+            <a:r>
+              <a:rPr lang="zh-CN" altLang="en-US" dirty="0">
+                <a:latin typeface="arial" panose="020B0604020202020204" pitchFamily="34" charset="0"/>
+              </a:rPr>
+              <a:t>    </a:t>
+            </a:r>
+            <a:r>
+              <a:rPr lang="en-US" altLang="zh-CN" dirty="0">
+                <a:latin typeface="arial" panose="020B0604020202020204" pitchFamily="34" charset="0"/>
+              </a:rPr>
+              <a:t>}</a:t>
+            </a:r>
+            <a:endParaRPr lang="zh-CN" altLang="en-US" dirty="0"/>
+          </a:p>
+          <a:p>
+            <a:pPr lvl="1"/>
+            <a:r>
+              <a:rPr lang="en-US" altLang="zh-CN" dirty="0">
+                <a:latin typeface="arial" panose="020B0604020202020204" pitchFamily="34" charset="0"/>
+              </a:rPr>
+              <a:t>});</a:t>
+            </a:r>
+          </a:p>
+          <a:p>
+            <a:pPr marL="285750" indent="-285750">
+              <a:buFont typeface="Arial" panose="020B0604020202020204" pitchFamily="34" charset="0"/>
+              <a:buChar char="•"/>
+            </a:pPr>
+            <a:r>
+              <a:rPr lang="zh-CN" altLang="en-US" dirty="0">
+                <a:latin typeface="arial" panose="020B0604020202020204" pitchFamily="34" charset="0"/>
+                <a:ea typeface="微软雅黑" panose="020B0503020204020204" pitchFamily="34" charset="-122"/>
+              </a:rPr>
+              <a:t>调用方式：</a:t>
+            </a:r>
+            <a:endParaRPr lang="en-US" altLang="zh-CN" dirty="0">
+              <a:latin typeface="arial" panose="020B0604020202020204" pitchFamily="34" charset="0"/>
+              <a:ea typeface="微软雅黑" panose="020B0503020204020204" pitchFamily="34" charset="-122"/>
+            </a:endParaRPr>
+          </a:p>
+          <a:p>
+            <a:pPr lvl="1"/>
+            <a:r>
+              <a:rPr lang="zh-CN" altLang="en-US" dirty="0">
+                <a:latin typeface="arial" panose="020B0604020202020204" pitchFamily="34" charset="0"/>
+                <a:ea typeface="微软雅黑" panose="020B0503020204020204" pitchFamily="34" charset="-122"/>
+              </a:rPr>
+              <a:t>在</a:t>
+            </a:r>
+            <a:r>
+              <a:rPr lang="en-US" altLang="zh-CN" dirty="0">
+                <a:latin typeface="arial" panose="020B0604020202020204" pitchFamily="34" charset="0"/>
+                <a:ea typeface="微软雅黑" panose="020B0503020204020204" pitchFamily="34" charset="-122"/>
+              </a:rPr>
+              <a:t>ready</a:t>
+            </a:r>
+            <a:r>
+              <a:rPr lang="zh-CN" altLang="en-US" dirty="0">
+                <a:latin typeface="arial" panose="020B0604020202020204" pitchFamily="34" charset="0"/>
+                <a:ea typeface="微软雅黑" panose="020B0503020204020204" pitchFamily="34" charset="-122"/>
+              </a:rPr>
+              <a:t>函数中配置，用户分享页面到朋友圈会自动调用此接口。</a:t>
+            </a:r>
+            <a:endParaRPr lang="en-US" altLang="zh-CN" dirty="0">
+              <a:latin typeface="arial" panose="020B0604020202020204" pitchFamily="34" charset="0"/>
+              <a:ea typeface="微软雅黑" panose="020B0503020204020204" pitchFamily="34" charset="-122"/>
+            </a:endParaRPr>
           </a:p>
         </p:txBody>
       </p:sp>
     </p:spTree>
     <p:extLst>
       <p:ext uri="{BB962C8B-B14F-4D97-AF65-F5344CB8AC3E}">
-        <p14:creationId xmlns:p14="http://schemas.microsoft.com/office/powerpoint/2010/main" val="3627056431"/>
+        <p14:creationId xmlns:p14="http://schemas.microsoft.com/office/powerpoint/2010/main" val="2902273865"/>
       </p:ext>
     </p:extLst>
   </p:cSld>
@@ -13952,15 +14336,465 @@
           <a:p>
             <a:r>
               <a:rPr lang="zh-CN" altLang="en-US" b="0" dirty="0"/>
-              <a:t>选择图像接口</a:t>
-            </a:r>
+              <a:t>分享给朋友接口</a:t>
+            </a:r>
+          </a:p>
+        </p:txBody>
+      </p:sp>
+      <p:sp>
+        <p:nvSpPr>
+          <p:cNvPr id="3" name="矩形 2">
+            <a:extLst>
+              <a:ext uri="{FF2B5EF4-FFF2-40B4-BE49-F238E27FC236}">
+                <a16:creationId xmlns:a16="http://schemas.microsoft.com/office/drawing/2014/main" id="{36F070ED-2F11-435D-AF44-8BD25481AB20}"/>
+              </a:ext>
+            </a:extLst>
+          </p:cNvPr>
+          <p:cNvSpPr/>
+          <p:nvPr/>
+        </p:nvSpPr>
+        <p:spPr>
+          <a:xfrm>
+            <a:off x="934063" y="1628111"/>
+            <a:ext cx="10323872" cy="4801314"/>
+          </a:xfrm>
+          <a:prstGeom prst="rect">
+            <a:avLst/>
+          </a:prstGeom>
+        </p:spPr>
+        <p:txBody>
+          <a:bodyPr wrap="square">
+            <a:spAutoFit/>
+          </a:bodyPr>
+          <a:lstStyle/>
+          <a:p>
+            <a:pPr marL="285750" indent="-285750">
+              <a:buFont typeface="Arial" panose="020B0604020202020204" pitchFamily="34" charset="0"/>
+              <a:buChar char="•"/>
+            </a:pPr>
+            <a:r>
+              <a:rPr lang="zh-CN" altLang="en-US" dirty="0">
+                <a:latin typeface="arial" panose="020B0604020202020204" pitchFamily="34" charset="0"/>
+                <a:ea typeface="微软雅黑" panose="020B0503020204020204" pitchFamily="34" charset="-122"/>
+              </a:rPr>
+              <a:t>接口参数</a:t>
+            </a:r>
+            <a:r>
+              <a:rPr lang="zh-CN" altLang="en-US" dirty="0">
+                <a:latin typeface="arial" panose="020B0604020202020204" pitchFamily="34" charset="0"/>
+              </a:rPr>
+              <a:t>：</a:t>
+            </a:r>
+            <a:endParaRPr lang="en-US" altLang="zh-CN" dirty="0">
+              <a:latin typeface="arial" panose="020B0604020202020204" pitchFamily="34" charset="0"/>
+            </a:endParaRPr>
+          </a:p>
+          <a:p>
+            <a:pPr lvl="1"/>
+            <a:r>
+              <a:rPr lang="en-US" altLang="zh-CN" dirty="0" err="1">
+                <a:latin typeface="arial" panose="020B0604020202020204" pitchFamily="34" charset="0"/>
+              </a:rPr>
+              <a:t>wx.onMenuShareAppMessage</a:t>
+            </a:r>
+            <a:r>
+              <a:rPr lang="en-US" altLang="zh-CN" dirty="0">
+                <a:latin typeface="arial" panose="020B0604020202020204" pitchFamily="34" charset="0"/>
+              </a:rPr>
+              <a:t>({</a:t>
+            </a:r>
+            <a:endParaRPr lang="en-US" altLang="zh-CN" dirty="0"/>
+          </a:p>
+          <a:p>
+            <a:pPr lvl="1"/>
+            <a:r>
+              <a:rPr lang="en-US" altLang="zh-CN" dirty="0">
+                <a:latin typeface="arial" panose="020B0604020202020204" pitchFamily="34" charset="0"/>
+              </a:rPr>
+              <a:t>    title: '', // </a:t>
+            </a:r>
+            <a:r>
+              <a:rPr lang="zh-CN" altLang="en-US" dirty="0">
+                <a:latin typeface="arial" panose="020B0604020202020204" pitchFamily="34" charset="0"/>
+              </a:rPr>
+              <a:t>分享标题</a:t>
+            </a:r>
+            <a:endParaRPr lang="zh-CN" altLang="en-US" dirty="0"/>
+          </a:p>
+          <a:p>
+            <a:pPr lvl="1"/>
+            <a:r>
+              <a:rPr lang="zh-CN" altLang="en-US" dirty="0">
+                <a:latin typeface="arial" panose="020B0604020202020204" pitchFamily="34" charset="0"/>
+              </a:rPr>
+              <a:t>    </a:t>
+            </a:r>
+            <a:r>
+              <a:rPr lang="en-US" altLang="zh-CN" dirty="0" err="1">
+                <a:latin typeface="arial" panose="020B0604020202020204" pitchFamily="34" charset="0"/>
+              </a:rPr>
+              <a:t>desc</a:t>
+            </a:r>
+            <a:r>
+              <a:rPr lang="en-US" altLang="zh-CN" dirty="0">
+                <a:latin typeface="arial" panose="020B0604020202020204" pitchFamily="34" charset="0"/>
+              </a:rPr>
+              <a:t>: '', // </a:t>
+            </a:r>
+            <a:r>
+              <a:rPr lang="zh-CN" altLang="en-US" dirty="0">
+                <a:latin typeface="arial" panose="020B0604020202020204" pitchFamily="34" charset="0"/>
+              </a:rPr>
+              <a:t>分享描述</a:t>
+            </a:r>
+            <a:endParaRPr lang="zh-CN" altLang="en-US" dirty="0"/>
+          </a:p>
+          <a:p>
+            <a:pPr lvl="1"/>
+            <a:r>
+              <a:rPr lang="zh-CN" altLang="en-US" dirty="0">
+                <a:latin typeface="arial" panose="020B0604020202020204" pitchFamily="34" charset="0"/>
+              </a:rPr>
+              <a:t>    </a:t>
+            </a:r>
+            <a:r>
+              <a:rPr lang="en-US" altLang="zh-CN" dirty="0">
+                <a:latin typeface="arial" panose="020B0604020202020204" pitchFamily="34" charset="0"/>
+              </a:rPr>
+              <a:t>link: '', // </a:t>
+            </a:r>
+            <a:r>
+              <a:rPr lang="zh-CN" altLang="en-US" dirty="0">
+                <a:latin typeface="arial" panose="020B0604020202020204" pitchFamily="34" charset="0"/>
+              </a:rPr>
+              <a:t>分享链接，该链接域名或路径必须与当前页面对应的公众号</a:t>
+            </a:r>
+            <a:r>
+              <a:rPr lang="en-US" altLang="zh-CN" dirty="0">
+                <a:latin typeface="arial" panose="020B0604020202020204" pitchFamily="34" charset="0"/>
+              </a:rPr>
+              <a:t>JS</a:t>
+            </a:r>
+            <a:r>
+              <a:rPr lang="zh-CN" altLang="en-US" dirty="0">
+                <a:latin typeface="arial" panose="020B0604020202020204" pitchFamily="34" charset="0"/>
+              </a:rPr>
+              <a:t>安全域名一致</a:t>
+            </a:r>
+            <a:endParaRPr lang="zh-CN" altLang="en-US" dirty="0"/>
+          </a:p>
+          <a:p>
+            <a:pPr lvl="1"/>
+            <a:r>
+              <a:rPr lang="zh-CN" altLang="en-US" dirty="0">
+                <a:latin typeface="arial" panose="020B0604020202020204" pitchFamily="34" charset="0"/>
+              </a:rPr>
+              <a:t>    </a:t>
+            </a:r>
+            <a:r>
+              <a:rPr lang="en-US" altLang="zh-CN" dirty="0" err="1">
+                <a:latin typeface="arial" panose="020B0604020202020204" pitchFamily="34" charset="0"/>
+              </a:rPr>
+              <a:t>imgUrl</a:t>
+            </a:r>
+            <a:r>
+              <a:rPr lang="en-US" altLang="zh-CN" dirty="0">
+                <a:latin typeface="arial" panose="020B0604020202020204" pitchFamily="34" charset="0"/>
+              </a:rPr>
+              <a:t>: '', // </a:t>
+            </a:r>
+            <a:r>
+              <a:rPr lang="zh-CN" altLang="en-US" dirty="0">
+                <a:latin typeface="arial" panose="020B0604020202020204" pitchFamily="34" charset="0"/>
+              </a:rPr>
+              <a:t>分享图标</a:t>
+            </a:r>
+            <a:endParaRPr lang="zh-CN" altLang="en-US" dirty="0"/>
+          </a:p>
+          <a:p>
+            <a:pPr lvl="1"/>
+            <a:r>
+              <a:rPr lang="zh-CN" altLang="en-US" dirty="0">
+                <a:latin typeface="arial" panose="020B0604020202020204" pitchFamily="34" charset="0"/>
+              </a:rPr>
+              <a:t>    </a:t>
+            </a:r>
+            <a:r>
+              <a:rPr lang="en-US" altLang="zh-CN" dirty="0">
+                <a:latin typeface="arial" panose="020B0604020202020204" pitchFamily="34" charset="0"/>
+              </a:rPr>
+              <a:t>type: '', // </a:t>
+            </a:r>
+            <a:r>
+              <a:rPr lang="zh-CN" altLang="en-US" dirty="0">
+                <a:latin typeface="arial" panose="020B0604020202020204" pitchFamily="34" charset="0"/>
+              </a:rPr>
+              <a:t>分享类型</a:t>
+            </a:r>
+            <a:r>
+              <a:rPr lang="en-US" altLang="zh-CN" dirty="0">
+                <a:latin typeface="arial" panose="020B0604020202020204" pitchFamily="34" charset="0"/>
+              </a:rPr>
+              <a:t>,music</a:t>
+            </a:r>
+            <a:r>
+              <a:rPr lang="zh-CN" altLang="en-US" dirty="0">
+                <a:latin typeface="arial" panose="020B0604020202020204" pitchFamily="34" charset="0"/>
+              </a:rPr>
+              <a:t>、</a:t>
+            </a:r>
+            <a:r>
+              <a:rPr lang="en-US" altLang="zh-CN" dirty="0">
+                <a:latin typeface="arial" panose="020B0604020202020204" pitchFamily="34" charset="0"/>
+              </a:rPr>
+              <a:t>video</a:t>
+            </a:r>
+            <a:r>
+              <a:rPr lang="zh-CN" altLang="en-US" dirty="0">
+                <a:latin typeface="arial" panose="020B0604020202020204" pitchFamily="34" charset="0"/>
+              </a:rPr>
+              <a:t>或</a:t>
+            </a:r>
+            <a:r>
+              <a:rPr lang="en-US" altLang="zh-CN" dirty="0">
+                <a:latin typeface="arial" panose="020B0604020202020204" pitchFamily="34" charset="0"/>
+              </a:rPr>
+              <a:t>link</a:t>
+            </a:r>
+            <a:r>
+              <a:rPr lang="zh-CN" altLang="en-US" dirty="0">
+                <a:latin typeface="arial" panose="020B0604020202020204" pitchFamily="34" charset="0"/>
+              </a:rPr>
+              <a:t>，不填默认为</a:t>
+            </a:r>
+            <a:r>
+              <a:rPr lang="en-US" altLang="zh-CN" dirty="0">
+                <a:latin typeface="arial" panose="020B0604020202020204" pitchFamily="34" charset="0"/>
+              </a:rPr>
+              <a:t>link</a:t>
+            </a:r>
+            <a:endParaRPr lang="en-US" altLang="zh-CN" dirty="0"/>
+          </a:p>
+          <a:p>
+            <a:pPr lvl="1"/>
+            <a:r>
+              <a:rPr lang="en-US" altLang="zh-CN" dirty="0">
+                <a:latin typeface="arial" panose="020B0604020202020204" pitchFamily="34" charset="0"/>
+              </a:rPr>
+              <a:t>    </a:t>
+            </a:r>
+            <a:r>
+              <a:rPr lang="en-US" altLang="zh-CN" dirty="0" err="1">
+                <a:latin typeface="arial" panose="020B0604020202020204" pitchFamily="34" charset="0"/>
+              </a:rPr>
+              <a:t>dataUrl</a:t>
+            </a:r>
+            <a:r>
+              <a:rPr lang="en-US" altLang="zh-CN" dirty="0">
+                <a:latin typeface="arial" panose="020B0604020202020204" pitchFamily="34" charset="0"/>
+              </a:rPr>
+              <a:t>: '', // </a:t>
+            </a:r>
+            <a:r>
+              <a:rPr lang="zh-CN" altLang="en-US" dirty="0">
+                <a:latin typeface="arial" panose="020B0604020202020204" pitchFamily="34" charset="0"/>
+              </a:rPr>
+              <a:t>如果</a:t>
+            </a:r>
+            <a:r>
+              <a:rPr lang="en-US" altLang="zh-CN" dirty="0">
+                <a:latin typeface="arial" panose="020B0604020202020204" pitchFamily="34" charset="0"/>
+              </a:rPr>
+              <a:t>type</a:t>
+            </a:r>
+            <a:r>
+              <a:rPr lang="zh-CN" altLang="en-US" dirty="0">
+                <a:latin typeface="arial" panose="020B0604020202020204" pitchFamily="34" charset="0"/>
+              </a:rPr>
+              <a:t>是</a:t>
+            </a:r>
+            <a:r>
+              <a:rPr lang="en-US" altLang="zh-CN" dirty="0">
+                <a:latin typeface="arial" panose="020B0604020202020204" pitchFamily="34" charset="0"/>
+              </a:rPr>
+              <a:t>music</a:t>
+            </a:r>
+            <a:r>
+              <a:rPr lang="zh-CN" altLang="en-US" dirty="0">
+                <a:latin typeface="arial" panose="020B0604020202020204" pitchFamily="34" charset="0"/>
+              </a:rPr>
+              <a:t>或</a:t>
+            </a:r>
+            <a:r>
+              <a:rPr lang="en-US" altLang="zh-CN" dirty="0">
+                <a:latin typeface="arial" panose="020B0604020202020204" pitchFamily="34" charset="0"/>
+              </a:rPr>
+              <a:t>video</a:t>
+            </a:r>
+            <a:r>
+              <a:rPr lang="zh-CN" altLang="en-US" dirty="0">
+                <a:latin typeface="arial" panose="020B0604020202020204" pitchFamily="34" charset="0"/>
+              </a:rPr>
+              <a:t>，则要提供数据链接，默认为空</a:t>
+            </a:r>
+            <a:endParaRPr lang="zh-CN" altLang="en-US" dirty="0"/>
+          </a:p>
+          <a:p>
+            <a:pPr lvl="1"/>
+            <a:r>
+              <a:rPr lang="zh-CN" altLang="en-US" dirty="0">
+                <a:latin typeface="arial" panose="020B0604020202020204" pitchFamily="34" charset="0"/>
+              </a:rPr>
+              <a:t>    </a:t>
+            </a:r>
+            <a:r>
+              <a:rPr lang="en-US" altLang="zh-CN" dirty="0">
+                <a:latin typeface="arial" panose="020B0604020202020204" pitchFamily="34" charset="0"/>
+              </a:rPr>
+              <a:t>success: function () { </a:t>
+            </a:r>
+            <a:endParaRPr lang="en-US" altLang="zh-CN" dirty="0"/>
+          </a:p>
+          <a:p>
+            <a:pPr lvl="1"/>
+            <a:r>
+              <a:rPr lang="en-US" altLang="zh-CN" dirty="0">
+                <a:latin typeface="arial" panose="020B0604020202020204" pitchFamily="34" charset="0"/>
+              </a:rPr>
+              <a:t>        // </a:t>
+            </a:r>
+            <a:r>
+              <a:rPr lang="zh-CN" altLang="en-US" dirty="0">
+                <a:latin typeface="arial" panose="020B0604020202020204" pitchFamily="34" charset="0"/>
+              </a:rPr>
+              <a:t>用户确认分享后执行的回调函数</a:t>
+            </a:r>
+            <a:endParaRPr lang="zh-CN" altLang="en-US" dirty="0"/>
+          </a:p>
+          <a:p>
+            <a:pPr lvl="1"/>
+            <a:r>
+              <a:rPr lang="zh-CN" altLang="en-US" dirty="0">
+                <a:latin typeface="arial" panose="020B0604020202020204" pitchFamily="34" charset="0"/>
+              </a:rPr>
+              <a:t>    </a:t>
+            </a:r>
+            <a:r>
+              <a:rPr lang="en-US" altLang="zh-CN" dirty="0">
+                <a:latin typeface="arial" panose="020B0604020202020204" pitchFamily="34" charset="0"/>
+              </a:rPr>
+              <a:t>},</a:t>
+            </a:r>
+            <a:endParaRPr lang="zh-CN" altLang="en-US" dirty="0"/>
+          </a:p>
+          <a:p>
+            <a:pPr lvl="1"/>
+            <a:r>
+              <a:rPr lang="zh-CN" altLang="en-US" dirty="0">
+                <a:latin typeface="arial" panose="020B0604020202020204" pitchFamily="34" charset="0"/>
+              </a:rPr>
+              <a:t>    </a:t>
+            </a:r>
+            <a:r>
+              <a:rPr lang="en-US" altLang="zh-CN" dirty="0">
+                <a:latin typeface="arial" panose="020B0604020202020204" pitchFamily="34" charset="0"/>
+              </a:rPr>
+              <a:t>cancel: function () { </a:t>
+            </a:r>
+            <a:endParaRPr lang="en-US" altLang="zh-CN" dirty="0"/>
+          </a:p>
+          <a:p>
+            <a:pPr lvl="1"/>
+            <a:r>
+              <a:rPr lang="en-US" altLang="zh-CN" dirty="0">
+                <a:latin typeface="arial" panose="020B0604020202020204" pitchFamily="34" charset="0"/>
+              </a:rPr>
+              <a:t>        // </a:t>
+            </a:r>
+            <a:r>
+              <a:rPr lang="zh-CN" altLang="en-US" dirty="0">
+                <a:latin typeface="arial" panose="020B0604020202020204" pitchFamily="34" charset="0"/>
+              </a:rPr>
+              <a:t>用户取消分享后执行的回调函数</a:t>
+            </a:r>
+            <a:endParaRPr lang="zh-CN" altLang="en-US" dirty="0"/>
+          </a:p>
+          <a:p>
+            <a:pPr lvl="1"/>
+            <a:r>
+              <a:rPr lang="zh-CN" altLang="en-US" dirty="0">
+                <a:latin typeface="arial" panose="020B0604020202020204" pitchFamily="34" charset="0"/>
+              </a:rPr>
+              <a:t>    </a:t>
+            </a:r>
+            <a:r>
+              <a:rPr lang="en-US" altLang="zh-CN" dirty="0">
+                <a:latin typeface="arial" panose="020B0604020202020204" pitchFamily="34" charset="0"/>
+              </a:rPr>
+              <a:t>}</a:t>
+            </a:r>
+            <a:endParaRPr lang="zh-CN" altLang="en-US" dirty="0"/>
+          </a:p>
+          <a:p>
+            <a:pPr lvl="1"/>
+            <a:r>
+              <a:rPr lang="en-US" altLang="zh-CN" dirty="0">
+                <a:latin typeface="arial" panose="020B0604020202020204" pitchFamily="34" charset="0"/>
+              </a:rPr>
+              <a:t>});</a:t>
+            </a:r>
+          </a:p>
+          <a:p>
+            <a:pPr marL="285750" indent="-285750">
+              <a:buFont typeface="Arial" panose="020B0604020202020204" pitchFamily="34" charset="0"/>
+              <a:buChar char="•"/>
+            </a:pPr>
+            <a:r>
+              <a:rPr lang="zh-CN" altLang="en-US" dirty="0">
+                <a:latin typeface="arial" panose="020B0604020202020204" pitchFamily="34" charset="0"/>
+                <a:ea typeface="微软雅黑" panose="020B0503020204020204" pitchFamily="34" charset="-122"/>
+              </a:rPr>
+              <a:t>调用方式：</a:t>
+            </a:r>
+            <a:endParaRPr lang="en-US" altLang="zh-CN" dirty="0">
+              <a:latin typeface="arial" panose="020B0604020202020204" pitchFamily="34" charset="0"/>
+              <a:ea typeface="微软雅黑" panose="020B0503020204020204" pitchFamily="34" charset="-122"/>
+            </a:endParaRPr>
+          </a:p>
+          <a:p>
+            <a:pPr lvl="1"/>
+            <a:r>
+              <a:rPr lang="zh-CN" altLang="en-US" dirty="0">
+                <a:latin typeface="arial" panose="020B0604020202020204" pitchFamily="34" charset="0"/>
+                <a:ea typeface="微软雅黑" panose="020B0503020204020204" pitchFamily="34" charset="-122"/>
+              </a:rPr>
+              <a:t>在</a:t>
+            </a:r>
+            <a:r>
+              <a:rPr lang="en-US" altLang="zh-CN" dirty="0">
+                <a:latin typeface="arial" panose="020B0604020202020204" pitchFamily="34" charset="0"/>
+                <a:ea typeface="微软雅黑" panose="020B0503020204020204" pitchFamily="34" charset="-122"/>
+              </a:rPr>
+              <a:t>ready</a:t>
+            </a:r>
+            <a:r>
+              <a:rPr lang="zh-CN" altLang="en-US" dirty="0">
+                <a:latin typeface="arial" panose="020B0604020202020204" pitchFamily="34" charset="0"/>
+                <a:ea typeface="微软雅黑" panose="020B0503020204020204" pitchFamily="34" charset="-122"/>
+              </a:rPr>
+              <a:t>函数中配置，用户分享页面到朋友圈会自动调用此接口。</a:t>
+            </a:r>
+            <a:endParaRPr lang="en-US" altLang="zh-CN" dirty="0">
+              <a:latin typeface="arial" panose="020B0604020202020204" pitchFamily="34" charset="0"/>
+              <a:ea typeface="微软雅黑" panose="020B0503020204020204" pitchFamily="34" charset="-122"/>
+            </a:endParaRPr>
           </a:p>
         </p:txBody>
       </p:sp>
     </p:spTree>
     <p:extLst>
       <p:ext uri="{BB962C8B-B14F-4D97-AF65-F5344CB8AC3E}">
-        <p14:creationId xmlns:p14="http://schemas.microsoft.com/office/powerpoint/2010/main" val="2744694590"/>
+        <p14:creationId xmlns:p14="http://schemas.microsoft.com/office/powerpoint/2010/main" val="3627056431"/>
       </p:ext>
     </p:extLst>
   </p:cSld>
@@ -14009,15 +14843,81 @@
           <a:p>
             <a:r>
               <a:rPr lang="zh-CN" altLang="en-US" b="0" dirty="0"/>
-              <a:t>上传图像接口</a:t>
-            </a:r>
+              <a:t>关闭页面接口</a:t>
+            </a:r>
+          </a:p>
+        </p:txBody>
+      </p:sp>
+      <p:sp>
+        <p:nvSpPr>
+          <p:cNvPr id="3" name="矩形 2">
+            <a:extLst>
+              <a:ext uri="{FF2B5EF4-FFF2-40B4-BE49-F238E27FC236}">
+                <a16:creationId xmlns:a16="http://schemas.microsoft.com/office/drawing/2014/main" id="{4F2251B8-0945-47AD-843E-80680A521602}"/>
+              </a:ext>
+            </a:extLst>
+          </p:cNvPr>
+          <p:cNvSpPr/>
+          <p:nvPr/>
+        </p:nvSpPr>
+        <p:spPr>
+          <a:xfrm>
+            <a:off x="1054100" y="1720334"/>
+            <a:ext cx="6251268" cy="646331"/>
+          </a:xfrm>
+          <a:prstGeom prst="rect">
+            <a:avLst/>
+          </a:prstGeom>
+        </p:spPr>
+        <p:txBody>
+          <a:bodyPr wrap="square">
+            <a:spAutoFit/>
+          </a:bodyPr>
+          <a:lstStyle/>
+          <a:p>
+            <a:pPr marL="285750" indent="-285750">
+              <a:buFont typeface="Arial" panose="020B0604020202020204" pitchFamily="34" charset="0"/>
+              <a:buChar char="•"/>
+            </a:pPr>
+            <a:r>
+              <a:rPr lang="zh-CN" altLang="en-US" dirty="0">
+                <a:latin typeface="微软雅黑" panose="020B0503020204020204" pitchFamily="34" charset="-122"/>
+                <a:ea typeface="微软雅黑" panose="020B0503020204020204" pitchFamily="34" charset="-122"/>
+              </a:rPr>
+              <a:t>调用接口</a:t>
+            </a:r>
+            <a:r>
+              <a:rPr lang="zh-CN" altLang="en-US" dirty="0">
+                <a:latin typeface="arial" panose="020B0604020202020204" pitchFamily="34" charset="0"/>
+              </a:rPr>
+              <a:t>：</a:t>
+            </a:r>
+            <a:endParaRPr lang="en-US" altLang="zh-CN" dirty="0">
+              <a:latin typeface="arial" panose="020B0604020202020204" pitchFamily="34" charset="0"/>
+            </a:endParaRPr>
+          </a:p>
+          <a:p>
+            <a:pPr lvl="1"/>
+            <a:r>
+              <a:rPr lang="en-US" altLang="zh-CN" dirty="0" err="1">
+                <a:latin typeface="arial" panose="020B0604020202020204" pitchFamily="34" charset="0"/>
+              </a:rPr>
+              <a:t>wx.closeWindow</a:t>
+            </a:r>
+            <a:r>
+              <a:rPr lang="en-US" altLang="zh-CN" dirty="0">
+                <a:latin typeface="arial" panose="020B0604020202020204" pitchFamily="34" charset="0"/>
+              </a:rPr>
+              <a:t>();</a:t>
+            </a:r>
+            <a:endParaRPr lang="zh-CN" altLang="en-US" dirty="0"/>
           </a:p>
         </p:txBody>
       </p:sp>
     </p:spTree>
     <p:extLst>
       <p:ext uri="{BB962C8B-B14F-4D97-AF65-F5344CB8AC3E}">
-        <p14:creationId xmlns:p14="http://schemas.microsoft.com/office/powerpoint/2010/main" val="480444120"/>
+        <p14:creationId xmlns:p14="http://schemas.microsoft.com/office/powerpoint/2010/main" val="804259229"/>
       </p:ext>
     </p:extLst>
   </p:cSld>
@@ -14057,7 +14957,7 @@
         <p:spPr>
           <a:xfrm>
             <a:off x="1054100" y="543636"/>
-            <a:ext cx="5818188" cy="685800"/>
+            <a:ext cx="7304088" cy="685800"/>
           </a:xfrm>
         </p:spPr>
         <p:txBody>
@@ -14065,20 +14965,171 @@
           <a:lstStyle/>
           <a:p>
             <a:r>
-              <a:rPr lang="zh-CN" altLang="en-US" b="0"/>
-              <a:t>显示图像</a:t>
-            </a:r>
-            <a:r>
-              <a:rPr lang="zh-CN" altLang="en-US" b="0" dirty="0"/>
-              <a:t>接口</a:t>
-            </a:r>
+              <a:rPr lang="zh-CN" altLang="en-US" dirty="0"/>
+              <a:t>第三讲</a:t>
+            </a:r>
+          </a:p>
+        </p:txBody>
+      </p:sp>
+      <p:sp>
+        <p:nvSpPr>
+          <p:cNvPr id="6" name="文本框 5"/>
+          <p:cNvSpPr txBox="1"/>
+          <p:nvPr/>
+        </p:nvSpPr>
+        <p:spPr>
+          <a:xfrm>
+            <a:off x="4058444" y="2343152"/>
+            <a:ext cx="5385594" cy="2062103"/>
+          </a:xfrm>
+          <a:prstGeom prst="rect">
+            <a:avLst/>
+          </a:prstGeom>
+          <a:noFill/>
+        </p:spPr>
+        <p:txBody>
+          <a:bodyPr wrap="square" rtlCol="0">
+            <a:spAutoFit/>
+          </a:bodyPr>
+          <a:lstStyle/>
+          <a:p>
+            <a:pPr marL="514350" indent="-514350">
+              <a:lnSpc>
+                <a:spcPct val="200000"/>
+              </a:lnSpc>
+              <a:buFont typeface="+mj-ea"/>
+              <a:buAutoNum type="ea1JpnChsDbPeriod"/>
+            </a:pPr>
+            <a:r>
+              <a:rPr lang="en-US" altLang="zh-CN" sz="2000" dirty="0" err="1">
+                <a:solidFill>
+                  <a:schemeClr val="tx1">
+                    <a:lumMod val="65000"/>
+                    <a:lumOff val="35000"/>
+                  </a:schemeClr>
+                </a:solidFill>
+                <a:latin typeface="微软雅黑" panose="020B0503020204020204" pitchFamily="34" charset="-122"/>
+                <a:ea typeface="微软雅黑" panose="020B0503020204020204" pitchFamily="34" charset="-122"/>
+              </a:rPr>
+              <a:t>WeUI</a:t>
+            </a:r>
+            <a:r>
+              <a:rPr lang="zh-CN" altLang="en-US" sz="2000" dirty="0">
+                <a:solidFill>
+                  <a:schemeClr val="tx1">
+                    <a:lumMod val="65000"/>
+                    <a:lumOff val="35000"/>
+                  </a:schemeClr>
+                </a:solidFill>
+                <a:latin typeface="微软雅黑" panose="020B0503020204020204" pitchFamily="34" charset="-122"/>
+                <a:ea typeface="微软雅黑" panose="020B0503020204020204" pitchFamily="34" charset="-122"/>
+              </a:rPr>
+              <a:t>基础与使用</a:t>
+            </a:r>
+            <a:endParaRPr lang="en-US" altLang="zh-CN" sz="2000" dirty="0">
+              <a:solidFill>
+                <a:schemeClr val="tx1">
+                  <a:lumMod val="65000"/>
+                  <a:lumOff val="35000"/>
+                </a:schemeClr>
+              </a:solidFill>
+              <a:latin typeface="微软雅黑" panose="020B0503020204020204" pitchFamily="34" charset="-122"/>
+              <a:ea typeface="微软雅黑" panose="020B0503020204020204" pitchFamily="34" charset="-122"/>
+            </a:endParaRPr>
+          </a:p>
+          <a:p>
+            <a:pPr marL="514350" indent="-514350">
+              <a:lnSpc>
+                <a:spcPct val="200000"/>
+              </a:lnSpc>
+              <a:buFont typeface="+mj-ea"/>
+              <a:buAutoNum type="ea1JpnChsDbPeriod"/>
+            </a:pPr>
+            <a:r>
+              <a:rPr lang="en-US" altLang="zh-CN" sz="2000" dirty="0">
+                <a:solidFill>
+                  <a:schemeClr val="tx1">
+                    <a:lumMod val="65000"/>
+                    <a:lumOff val="35000"/>
+                  </a:schemeClr>
+                </a:solidFill>
+                <a:latin typeface="微软雅黑" panose="020B0503020204020204" pitchFamily="34" charset="-122"/>
+                <a:ea typeface="微软雅黑" panose="020B0503020204020204" pitchFamily="34" charset="-122"/>
+              </a:rPr>
+              <a:t>JS-SDK</a:t>
+            </a:r>
+            <a:r>
+              <a:rPr lang="zh-CN" altLang="en-US" sz="2000" dirty="0">
+                <a:solidFill>
+                  <a:schemeClr val="tx1">
+                    <a:lumMod val="65000"/>
+                    <a:lumOff val="35000"/>
+                  </a:schemeClr>
+                </a:solidFill>
+                <a:latin typeface="微软雅黑" panose="020B0503020204020204" pitchFamily="34" charset="-122"/>
+                <a:ea typeface="微软雅黑" panose="020B0503020204020204" pitchFamily="34" charset="-122"/>
+              </a:rPr>
+              <a:t>基本使用</a:t>
+            </a:r>
+            <a:endParaRPr lang="en-US" altLang="zh-CN" sz="2000" dirty="0">
+              <a:solidFill>
+                <a:schemeClr val="tx1">
+                  <a:lumMod val="65000"/>
+                  <a:lumOff val="35000"/>
+                </a:schemeClr>
+              </a:solidFill>
+              <a:latin typeface="微软雅黑" panose="020B0503020204020204" pitchFamily="34" charset="-122"/>
+              <a:ea typeface="微软雅黑" panose="020B0503020204020204" pitchFamily="34" charset="-122"/>
+            </a:endParaRPr>
+          </a:p>
+          <a:p>
+            <a:pPr marL="514350" indent="-514350">
+              <a:lnSpc>
+                <a:spcPct val="200000"/>
+              </a:lnSpc>
+              <a:buFont typeface="+mj-ea"/>
+              <a:buAutoNum type="ea1JpnChsDbPeriod"/>
+            </a:pPr>
+            <a:r>
+              <a:rPr lang="en-US" altLang="zh-CN" sz="2400" dirty="0">
+                <a:solidFill>
+                  <a:schemeClr val="accent6">
+                    <a:lumMod val="75000"/>
+                  </a:schemeClr>
+                </a:solidFill>
+                <a:latin typeface="微软雅黑" panose="020B0503020204020204" pitchFamily="34" charset="-122"/>
+                <a:ea typeface="微软雅黑" panose="020B0503020204020204" pitchFamily="34" charset="-122"/>
+              </a:rPr>
+              <a:t>JS-SDK</a:t>
+            </a:r>
+            <a:r>
+              <a:rPr lang="zh-CN" altLang="en-US" sz="2400" dirty="0">
+                <a:solidFill>
+                  <a:schemeClr val="accent6">
+                    <a:lumMod val="75000"/>
+                  </a:schemeClr>
+                </a:solidFill>
+                <a:latin typeface="微软雅黑" panose="020B0503020204020204" pitchFamily="34" charset="-122"/>
+                <a:ea typeface="微软雅黑" panose="020B0503020204020204" pitchFamily="34" charset="-122"/>
+              </a:rPr>
+              <a:t>基本使用（续）</a:t>
+            </a:r>
+            <a:endParaRPr lang="en-US" altLang="zh-CN" sz="2400" dirty="0">
+              <a:solidFill>
+                <a:schemeClr val="accent6">
+                  <a:lumMod val="75000"/>
+                </a:schemeClr>
+              </a:solidFill>
+              <a:latin typeface="微软雅黑" panose="020B0503020204020204" pitchFamily="34" charset="-122"/>
+              <a:ea typeface="微软雅黑" panose="020B0503020204020204" pitchFamily="34" charset="-122"/>
+            </a:endParaRPr>
           </a:p>
         </p:txBody>
       </p:sp>
     </p:spTree>
     <p:extLst>
       <p:ext uri="{BB962C8B-B14F-4D97-AF65-F5344CB8AC3E}">
-        <p14:creationId xmlns:p14="http://schemas.microsoft.com/office/powerpoint/2010/main" val="2502221667"/>
+        <p14:creationId xmlns:p14="http://schemas.microsoft.com/office/powerpoint/2010/main" val="1928010297"/>
       </p:ext>
     </p:extLst>
   </p:cSld>
@@ -14118,7 +15169,7 @@
         <p:spPr>
           <a:xfrm>
             <a:off x="1054100" y="543636"/>
-            <a:ext cx="5818188" cy="685800"/>
+            <a:ext cx="7627784" cy="685800"/>
           </a:xfrm>
         </p:spPr>
         <p:txBody>
@@ -14127,15 +15178,355 @@
           <a:p>
             <a:r>
               <a:rPr lang="zh-CN" altLang="en-US" b="0" dirty="0"/>
-              <a:t>关闭页面接口</a:t>
-            </a:r>
+              <a:t>拍照或从手机相册中选图接口</a:t>
+            </a:r>
+          </a:p>
+        </p:txBody>
+      </p:sp>
+      <p:sp>
+        <p:nvSpPr>
+          <p:cNvPr id="3" name="矩形 2">
+            <a:extLst>
+              <a:ext uri="{FF2B5EF4-FFF2-40B4-BE49-F238E27FC236}">
+                <a16:creationId xmlns:a16="http://schemas.microsoft.com/office/drawing/2014/main" id="{547326E4-B7F2-4015-83B6-FEE55C7630CA}"/>
+              </a:ext>
+            </a:extLst>
+          </p:cNvPr>
+          <p:cNvSpPr/>
+          <p:nvPr/>
+        </p:nvSpPr>
+        <p:spPr>
+          <a:xfrm>
+            <a:off x="1054100" y="1633199"/>
+            <a:ext cx="10724945" cy="3693319"/>
+          </a:xfrm>
+          <a:prstGeom prst="rect">
+            <a:avLst/>
+          </a:prstGeom>
+        </p:spPr>
+        <p:txBody>
+          <a:bodyPr wrap="square">
+            <a:spAutoFit/>
+          </a:bodyPr>
+          <a:lstStyle/>
+          <a:p>
+            <a:pPr marL="285750" indent="-285750">
+              <a:buFont typeface="Arial" panose="020B0604020202020204" pitchFamily="34" charset="0"/>
+              <a:buChar char="•"/>
+            </a:pPr>
+            <a:r>
+              <a:rPr lang="zh-CN" altLang="en-US" dirty="0">
+                <a:latin typeface="Consolas" panose="020B0609020204030204" pitchFamily="49" charset="0"/>
+                <a:ea typeface="微软雅黑" panose="020B0503020204020204" pitchFamily="34" charset="-122"/>
+              </a:rPr>
+              <a:t>接口参数：</a:t>
+            </a:r>
+            <a:endParaRPr lang="en-US" altLang="zh-CN" dirty="0">
+              <a:latin typeface="Consolas" panose="020B0609020204030204" pitchFamily="49" charset="0"/>
+              <a:ea typeface="微软雅黑" panose="020B0503020204020204" pitchFamily="34" charset="-122"/>
+            </a:endParaRPr>
+          </a:p>
+          <a:p>
+            <a:r>
+              <a:rPr lang="en-US" altLang="zh-CN" dirty="0" err="1">
+                <a:latin typeface="Consolas" panose="020B0609020204030204" pitchFamily="49" charset="0"/>
+              </a:rPr>
+              <a:t>wx.chooseImage</a:t>
+            </a:r>
+            <a:r>
+              <a:rPr lang="en-US" altLang="zh-CN" dirty="0">
+                <a:latin typeface="Consolas" panose="020B0609020204030204" pitchFamily="49" charset="0"/>
+              </a:rPr>
+              <a:t>({</a:t>
+            </a:r>
+          </a:p>
+          <a:p>
+            <a:r>
+              <a:rPr lang="en-US" altLang="zh-CN" dirty="0">
+                <a:latin typeface="Consolas" panose="020B0609020204030204" pitchFamily="49" charset="0"/>
+              </a:rPr>
+              <a:t>    count: 1, // </a:t>
+            </a:r>
+            <a:r>
+              <a:rPr lang="zh-CN" altLang="en-US" dirty="0">
+                <a:latin typeface="Consolas" panose="020B0609020204030204" pitchFamily="49" charset="0"/>
+              </a:rPr>
+              <a:t>默认</a:t>
+            </a:r>
+            <a:r>
+              <a:rPr lang="en-US" altLang="zh-CN" dirty="0">
+                <a:latin typeface="Consolas" panose="020B0609020204030204" pitchFamily="49" charset="0"/>
+              </a:rPr>
+              <a:t>9</a:t>
+            </a:r>
+            <a:endParaRPr lang="zh-CN" altLang="en-US" dirty="0">
+              <a:latin typeface="Consolas" panose="020B0609020204030204" pitchFamily="49" charset="0"/>
+            </a:endParaRPr>
+          </a:p>
+          <a:p>
+            <a:r>
+              <a:rPr lang="zh-CN" altLang="en-US" dirty="0">
+                <a:latin typeface="Consolas" panose="020B0609020204030204" pitchFamily="49" charset="0"/>
+              </a:rPr>
+              <a:t>    </a:t>
+            </a:r>
+            <a:r>
+              <a:rPr lang="en-US" altLang="zh-CN" dirty="0" err="1">
+                <a:latin typeface="Consolas" panose="020B0609020204030204" pitchFamily="49" charset="0"/>
+              </a:rPr>
+              <a:t>sizeType</a:t>
+            </a:r>
+            <a:r>
+              <a:rPr lang="en-US" altLang="zh-CN" dirty="0">
+                <a:latin typeface="Consolas" panose="020B0609020204030204" pitchFamily="49" charset="0"/>
+              </a:rPr>
+              <a:t>: ['original', 'compressed'], // </a:t>
+            </a:r>
+            <a:r>
+              <a:rPr lang="zh-CN" altLang="en-US" dirty="0">
+                <a:latin typeface="Consolas" panose="020B0609020204030204" pitchFamily="49" charset="0"/>
+              </a:rPr>
+              <a:t>可以指定是原图还是压缩图，默认二者都有</a:t>
+            </a:r>
+          </a:p>
+          <a:p>
+            <a:r>
+              <a:rPr lang="zh-CN" altLang="en-US" dirty="0">
+                <a:latin typeface="Consolas" panose="020B0609020204030204" pitchFamily="49" charset="0"/>
+              </a:rPr>
+              <a:t>    </a:t>
+            </a:r>
+            <a:r>
+              <a:rPr lang="en-US" altLang="zh-CN" dirty="0" err="1">
+                <a:latin typeface="Consolas" panose="020B0609020204030204" pitchFamily="49" charset="0"/>
+              </a:rPr>
+              <a:t>sourceType</a:t>
+            </a:r>
+            <a:r>
+              <a:rPr lang="en-US" altLang="zh-CN" dirty="0">
+                <a:latin typeface="Consolas" panose="020B0609020204030204" pitchFamily="49" charset="0"/>
+              </a:rPr>
+              <a:t>: ['album', 'camera'], // </a:t>
+            </a:r>
+            <a:r>
+              <a:rPr lang="zh-CN" altLang="en-US" dirty="0">
+                <a:latin typeface="Consolas" panose="020B0609020204030204" pitchFamily="49" charset="0"/>
+              </a:rPr>
+              <a:t>可以指定来源是相册还是相机，默认二者都有</a:t>
+            </a:r>
+          </a:p>
+          <a:p>
+            <a:r>
+              <a:rPr lang="zh-CN" altLang="en-US" dirty="0">
+                <a:latin typeface="Consolas" panose="020B0609020204030204" pitchFamily="49" charset="0"/>
+              </a:rPr>
+              <a:t>    </a:t>
+            </a:r>
+            <a:r>
+              <a:rPr lang="en-US" altLang="zh-CN" dirty="0">
+                <a:latin typeface="Consolas" panose="020B0609020204030204" pitchFamily="49" charset="0"/>
+              </a:rPr>
+              <a:t>success: function (res) {</a:t>
+            </a:r>
+          </a:p>
+          <a:p>
+            <a:r>
+              <a:rPr lang="en-US" altLang="zh-CN" dirty="0">
+                <a:latin typeface="Consolas" panose="020B0609020204030204" pitchFamily="49" charset="0"/>
+              </a:rPr>
+              <a:t>        // </a:t>
+            </a:r>
+            <a:r>
+              <a:rPr lang="zh-CN" altLang="en-US" dirty="0">
+                <a:latin typeface="Consolas" panose="020B0609020204030204" pitchFamily="49" charset="0"/>
+              </a:rPr>
+              <a:t>返回选定照片的本地</a:t>
+            </a:r>
+            <a:r>
+              <a:rPr lang="en-US" altLang="zh-CN" dirty="0">
+                <a:latin typeface="Consolas" panose="020B0609020204030204" pitchFamily="49" charset="0"/>
+              </a:rPr>
+              <a:t>ID</a:t>
+            </a:r>
+            <a:r>
+              <a:rPr lang="zh-CN" altLang="en-US" dirty="0">
+                <a:latin typeface="Consolas" panose="020B0609020204030204" pitchFamily="49" charset="0"/>
+              </a:rPr>
+              <a:t>列表，</a:t>
+            </a:r>
+            <a:r>
+              <a:rPr lang="en-US" altLang="zh-CN" dirty="0" err="1">
+                <a:latin typeface="Consolas" panose="020B0609020204030204" pitchFamily="49" charset="0"/>
+              </a:rPr>
+              <a:t>localId</a:t>
+            </a:r>
+            <a:r>
+              <a:rPr lang="zh-CN" altLang="en-US" dirty="0">
+                <a:latin typeface="Consolas" panose="020B0609020204030204" pitchFamily="49" charset="0"/>
+              </a:rPr>
+              <a:t>可以作为</a:t>
+            </a:r>
+            <a:r>
+              <a:rPr lang="en-US" altLang="zh-CN" dirty="0" err="1">
+                <a:latin typeface="Consolas" panose="020B0609020204030204" pitchFamily="49" charset="0"/>
+              </a:rPr>
+              <a:t>img</a:t>
+            </a:r>
+            <a:r>
+              <a:rPr lang="zh-CN" altLang="en-US" dirty="0">
+                <a:latin typeface="Consolas" panose="020B0609020204030204" pitchFamily="49" charset="0"/>
+              </a:rPr>
+              <a:t>标签的</a:t>
+            </a:r>
+            <a:r>
+              <a:rPr lang="en-US" altLang="zh-CN" dirty="0" err="1">
+                <a:latin typeface="Consolas" panose="020B0609020204030204" pitchFamily="49" charset="0"/>
+              </a:rPr>
+              <a:t>src</a:t>
+            </a:r>
+            <a:r>
+              <a:rPr lang="zh-CN" altLang="en-US" dirty="0">
+                <a:latin typeface="Consolas" panose="020B0609020204030204" pitchFamily="49" charset="0"/>
+              </a:rPr>
+              <a:t>属性显示图片</a:t>
+            </a:r>
+            <a:endParaRPr lang="en-US" altLang="zh-CN" dirty="0">
+              <a:latin typeface="Consolas" panose="020B0609020204030204" pitchFamily="49" charset="0"/>
+            </a:endParaRPr>
+          </a:p>
+          <a:p>
+            <a:r>
+              <a:rPr lang="en-US" altLang="zh-CN" dirty="0">
+                <a:latin typeface="Consolas" panose="020B0609020204030204" pitchFamily="49" charset="0"/>
+              </a:rPr>
+              <a:t>        </a:t>
+            </a:r>
+            <a:r>
+              <a:rPr lang="en-US" altLang="zh-CN" dirty="0" err="1">
+                <a:latin typeface="Consolas" panose="020B0609020204030204" pitchFamily="49" charset="0"/>
+              </a:rPr>
+              <a:t>var</a:t>
+            </a:r>
+            <a:r>
+              <a:rPr lang="en-US" altLang="zh-CN" dirty="0">
+                <a:latin typeface="Consolas" panose="020B0609020204030204" pitchFamily="49" charset="0"/>
+              </a:rPr>
+              <a:t> </a:t>
+            </a:r>
+            <a:r>
+              <a:rPr lang="en-US" altLang="zh-CN" dirty="0" err="1">
+                <a:latin typeface="Consolas" panose="020B0609020204030204" pitchFamily="49" charset="0"/>
+              </a:rPr>
+              <a:t>localIds</a:t>
+            </a:r>
+            <a:r>
+              <a:rPr lang="en-US" altLang="zh-CN" dirty="0">
+                <a:latin typeface="Consolas" panose="020B0609020204030204" pitchFamily="49" charset="0"/>
+              </a:rPr>
+              <a:t> = </a:t>
+            </a:r>
+            <a:r>
+              <a:rPr lang="en-US" altLang="zh-CN" dirty="0" err="1">
+                <a:latin typeface="Consolas" panose="020B0609020204030204" pitchFamily="49" charset="0"/>
+              </a:rPr>
+              <a:t>res.localIds</a:t>
+            </a:r>
+            <a:r>
+              <a:rPr lang="en-US" altLang="zh-CN" dirty="0">
+                <a:latin typeface="Consolas" panose="020B0609020204030204" pitchFamily="49" charset="0"/>
+              </a:rPr>
+              <a:t>; </a:t>
+            </a:r>
+          </a:p>
+          <a:p>
+            <a:r>
+              <a:rPr lang="en-US" altLang="zh-CN" dirty="0">
+                <a:latin typeface="Consolas" panose="020B0609020204030204" pitchFamily="49" charset="0"/>
+              </a:rPr>
+              <a:t>	//</a:t>
+            </a:r>
+            <a:r>
+              <a:rPr lang="zh-CN" altLang="en-US" dirty="0">
+                <a:latin typeface="Consolas" panose="020B0609020204030204" pitchFamily="49" charset="0"/>
+              </a:rPr>
+              <a:t>上传图像，把调用接口的函数写在这里传递</a:t>
+            </a:r>
+            <a:r>
+              <a:rPr lang="en-US" altLang="zh-CN" dirty="0" err="1">
+                <a:latin typeface="Consolas" panose="020B0609020204030204" pitchFamily="49" charset="0"/>
+              </a:rPr>
+              <a:t>res.localIds</a:t>
+            </a:r>
+            <a:r>
+              <a:rPr lang="zh-CN" altLang="en-US" dirty="0">
+                <a:latin typeface="Consolas" panose="020B0609020204030204" pitchFamily="49" charset="0"/>
+              </a:rPr>
+              <a:t>到上传图像接口</a:t>
+            </a:r>
+          </a:p>
+          <a:p>
+            <a:r>
+              <a:rPr lang="zh-CN" altLang="en-US" dirty="0">
+                <a:latin typeface="Consolas" panose="020B0609020204030204" pitchFamily="49" charset="0"/>
+              </a:rPr>
+              <a:t>    </a:t>
+            </a:r>
+            <a:r>
+              <a:rPr lang="en-US" altLang="zh-CN" dirty="0">
+                <a:latin typeface="Consolas" panose="020B0609020204030204" pitchFamily="49" charset="0"/>
+              </a:rPr>
+              <a:t>}</a:t>
+            </a:r>
+            <a:endParaRPr lang="zh-CN" altLang="en-US" dirty="0">
+              <a:latin typeface="Consolas" panose="020B0609020204030204" pitchFamily="49" charset="0"/>
+            </a:endParaRPr>
+          </a:p>
+          <a:p>
+            <a:r>
+              <a:rPr lang="en-US" altLang="zh-CN" dirty="0">
+                <a:latin typeface="Consolas" panose="020B0609020204030204" pitchFamily="49" charset="0"/>
+              </a:rPr>
+              <a:t>});</a:t>
+            </a:r>
+          </a:p>
+          <a:p>
+            <a:pPr marL="285750" indent="-285750">
+              <a:buFont typeface="Arial" panose="020B0604020202020204" pitchFamily="34" charset="0"/>
+              <a:buChar char="•"/>
+            </a:pPr>
+            <a:r>
+              <a:rPr lang="zh-CN" altLang="en-US" dirty="0">
+                <a:latin typeface="arial" panose="020B0604020202020204" pitchFamily="34" charset="0"/>
+                <a:ea typeface="微软雅黑" panose="020B0503020204020204" pitchFamily="34" charset="-122"/>
+              </a:rPr>
+              <a:t>调用方式：</a:t>
+            </a:r>
+            <a:endParaRPr lang="en-US" altLang="zh-CN" dirty="0">
+              <a:latin typeface="arial" panose="020B0604020202020204" pitchFamily="34" charset="0"/>
+              <a:ea typeface="微软雅黑" panose="020B0503020204020204" pitchFamily="34" charset="-122"/>
+            </a:endParaRPr>
+          </a:p>
+          <a:p>
+            <a:pPr lvl="1"/>
+            <a:r>
+              <a:rPr lang="zh-CN" altLang="en-US" dirty="0">
+                <a:effectLst/>
+                <a:latin typeface="arial" panose="020B0604020202020204" pitchFamily="34" charset="0"/>
+                <a:ea typeface="微软雅黑" panose="020B0503020204020204" pitchFamily="34" charset="-122"/>
+              </a:rPr>
+              <a:t>通过用户点击按钮触发此操作。</a:t>
+            </a:r>
+            <a:endParaRPr lang="zh-CN" altLang="en-US" dirty="0">
+              <a:effectLst/>
+              <a:ea typeface="微软雅黑" panose="020B0503020204020204" pitchFamily="34" charset="-122"/>
+            </a:endParaRPr>
           </a:p>
         </p:txBody>
       </p:sp>
     </p:spTree>
     <p:extLst>
       <p:ext uri="{BB962C8B-B14F-4D97-AF65-F5344CB8AC3E}">
-        <p14:creationId xmlns:p14="http://schemas.microsoft.com/office/powerpoint/2010/main" val="804259229"/>
+        <p14:creationId xmlns:p14="http://schemas.microsoft.com/office/powerpoint/2010/main" val="2744694590"/>
       </p:ext>
     </p:extLst>
   </p:cSld>
@@ -14304,7 +15695,7 @@
               <a:buAutoNum type="ea1JpnChsDbPeriod"/>
             </a:pPr>
             <a:r>
-              <a:rPr lang="en-US" altLang="zh-CN" sz="2400" dirty="0" err="1">
+              <a:rPr lang="en-US" altLang="zh-CN" sz="2400" dirty="0">
                 <a:solidFill>
                   <a:schemeClr val="tx1">
                     <a:lumMod val="65000"/>
@@ -14314,7 +15705,7 @@
                 <a:latin typeface="微软雅黑" panose="020B0503020204020204" pitchFamily="34" charset="-122"/>
                 <a:ea typeface="微软雅黑" panose="020B0503020204020204" pitchFamily="34" charset="-122"/>
               </a:rPr>
-              <a:t>WeUI</a:t>
+              <a:t>JS-SDK</a:t>
             </a:r>
             <a:r>
               <a:rPr lang="zh-CN" altLang="en-US" sz="2400" dirty="0">
@@ -14327,33 +15718,7 @@
                 <a:latin typeface="微软雅黑" panose="020B0503020204020204" pitchFamily="34" charset="-122"/>
                 <a:ea typeface="微软雅黑" panose="020B0503020204020204" pitchFamily="34" charset="-122"/>
               </a:rPr>
-              <a:t>与</a:t>
-            </a:r>
-            <a:r>
-              <a:rPr lang="en-US" altLang="zh-CN" sz="2400" dirty="0">
-                <a:solidFill>
-                  <a:schemeClr val="tx1">
-                    <a:lumMod val="65000"/>
-                    <a:lumOff val="35000"/>
-                  </a:schemeClr>
-                </a:solidFill>
-                <a:latin typeface="微软雅黑" panose="020B0503020204020204" pitchFamily="34" charset="-122"/>
-                <a:ea typeface="微软雅黑" panose="020B0503020204020204" pitchFamily="34" charset="-122"/>
-              </a:rPr>
-              <a:t>JS-SDK</a:t>
-            </a:r>
-            <a:r>
-              <a:rPr lang="zh-CN" altLang="en-US" sz="2400" dirty="0">
-                <a:solidFill>
-                  <a:schemeClr val="tx1">
-                    <a:lumMod val="65000"/>
-                    <a:lumOff val="35000"/>
-                  </a:schemeClr>
-                </a:solidFill>
-                <a:latin typeface="微软雅黑" panose="020B0503020204020204" pitchFamily="34" charset="-122"/>
-                <a:ea typeface="微软雅黑" panose="020B0503020204020204" pitchFamily="34" charset="-122"/>
-              </a:rPr>
-              <a:t>配合使用</a:t>
+              <a:t>基本使用（续）</a:t>
             </a:r>
             <a:endParaRPr lang="en-US" altLang="zh-CN" sz="2400" dirty="0">
               <a:solidFill>
@@ -14411,7 +15776,7 @@
         <p:spPr>
           <a:xfrm>
             <a:off x="1054100" y="543636"/>
-            <a:ext cx="7304088" cy="685800"/>
+            <a:ext cx="5818188" cy="685800"/>
           </a:xfrm>
         </p:spPr>
         <p:txBody>
@@ -14419,186 +15784,311 @@
           <a:lstStyle/>
           <a:p>
             <a:r>
-              <a:rPr lang="zh-CN" altLang="en-US" dirty="0"/>
-              <a:t>第三讲</a:t>
-            </a:r>
-          </a:p>
-        </p:txBody>
-      </p:sp>
-      <p:sp>
-        <p:nvSpPr>
-          <p:cNvPr id="6" name="文本框 5"/>
-          <p:cNvSpPr txBox="1"/>
+              <a:rPr lang="zh-CN" altLang="en-US" b="0" dirty="0"/>
+              <a:t>上传图像接口</a:t>
+            </a:r>
+          </a:p>
+        </p:txBody>
+      </p:sp>
+      <p:sp>
+        <p:nvSpPr>
+          <p:cNvPr id="3" name="矩形 2">
+            <a:extLst>
+              <a:ext uri="{FF2B5EF4-FFF2-40B4-BE49-F238E27FC236}">
+                <a16:creationId xmlns:a16="http://schemas.microsoft.com/office/drawing/2014/main" id="{E326FB8A-9C9F-43AB-AE26-A1BA660BB0BA}"/>
+              </a:ext>
+            </a:extLst>
+          </p:cNvPr>
+          <p:cNvSpPr/>
           <p:nvPr/>
         </p:nvSpPr>
         <p:spPr>
           <a:xfrm>
-            <a:off x="4058444" y="2343152"/>
-            <a:ext cx="5385594" cy="2062103"/>
+            <a:off x="1054099" y="1694735"/>
+            <a:ext cx="9564739" cy="2862322"/>
           </a:xfrm>
           <a:prstGeom prst="rect">
             <a:avLst/>
           </a:prstGeom>
-          <a:noFill/>
         </p:spPr>
         <p:txBody>
-          <a:bodyPr wrap="square" rtlCol="0">
+          <a:bodyPr wrap="square">
             <a:spAutoFit/>
           </a:bodyPr>
           <a:lstStyle/>
           <a:p>
-            <a:pPr marL="514350" indent="-514350">
-              <a:lnSpc>
-                <a:spcPct val="200000"/>
-              </a:lnSpc>
-              <a:buFont typeface="+mj-ea"/>
-              <a:buAutoNum type="ea1JpnChsDbPeriod"/>
+            <a:pPr marL="285750" indent="-285750">
+              <a:buFont typeface="Arial" panose="020B0604020202020204" pitchFamily="34" charset="0"/>
+              <a:buChar char="•"/>
             </a:pPr>
             <a:r>
-              <a:rPr lang="en-US" altLang="zh-CN" sz="2000" dirty="0" err="1">
-                <a:solidFill>
-                  <a:schemeClr val="tx1">
-                    <a:lumMod val="65000"/>
-                    <a:lumOff val="35000"/>
-                  </a:schemeClr>
-                </a:solidFill>
-                <a:latin typeface="微软雅黑" panose="020B0503020204020204" pitchFamily="34" charset="-122"/>
-                <a:ea typeface="微软雅黑" panose="020B0503020204020204" pitchFamily="34" charset="-122"/>
-              </a:rPr>
-              <a:t>WeUI</a:t>
-            </a:r>
-            <a:r>
-              <a:rPr lang="zh-CN" altLang="en-US" sz="2000" dirty="0">
-                <a:solidFill>
-                  <a:schemeClr val="tx1">
-                    <a:lumMod val="65000"/>
-                    <a:lumOff val="35000"/>
-                  </a:schemeClr>
-                </a:solidFill>
-                <a:latin typeface="微软雅黑" panose="020B0503020204020204" pitchFamily="34" charset="-122"/>
-                <a:ea typeface="微软雅黑" panose="020B0503020204020204" pitchFamily="34" charset="-122"/>
-              </a:rPr>
-              <a:t>基础与使用</a:t>
-            </a:r>
-            <a:endParaRPr lang="en-US" altLang="zh-CN" sz="2000" dirty="0">
-              <a:solidFill>
-                <a:schemeClr val="tx1">
-                  <a:lumMod val="65000"/>
-                  <a:lumOff val="35000"/>
-                </a:schemeClr>
-              </a:solidFill>
-              <a:latin typeface="微软雅黑" panose="020B0503020204020204" pitchFamily="34" charset="-122"/>
+              <a:rPr lang="zh-CN" altLang="en-US" dirty="0">
+                <a:latin typeface="Consolas" panose="020B0609020204030204" pitchFamily="49" charset="0"/>
+                <a:ea typeface="微软雅黑" panose="020B0503020204020204" pitchFamily="34" charset="-122"/>
+              </a:rPr>
+              <a:t>接口参数：</a:t>
+            </a:r>
+            <a:endParaRPr lang="en-US" altLang="zh-CN" dirty="0">
+              <a:latin typeface="Consolas" panose="020B0609020204030204" pitchFamily="49" charset="0"/>
               <a:ea typeface="微软雅黑" panose="020B0503020204020204" pitchFamily="34" charset="-122"/>
             </a:endParaRPr>
           </a:p>
           <a:p>
-            <a:pPr marL="514350" indent="-514350">
-              <a:lnSpc>
-                <a:spcPct val="200000"/>
-              </a:lnSpc>
-              <a:buFont typeface="+mj-ea"/>
-              <a:buAutoNum type="ea1JpnChsDbPeriod"/>
+            <a:pPr lvl="1"/>
+            <a:r>
+              <a:rPr lang="en-US" altLang="zh-CN" dirty="0" err="1">
+                <a:latin typeface="Consolas" panose="020B0609020204030204" pitchFamily="49" charset="0"/>
+                <a:ea typeface="微软雅黑" panose="020B0503020204020204" pitchFamily="34" charset="-122"/>
+              </a:rPr>
+              <a:t>wx.uploadImage</a:t>
+            </a:r>
+            <a:r>
+              <a:rPr lang="en-US" altLang="zh-CN" dirty="0">
+                <a:latin typeface="Consolas" panose="020B0609020204030204" pitchFamily="49" charset="0"/>
+                <a:ea typeface="微软雅黑" panose="020B0503020204020204" pitchFamily="34" charset="-122"/>
+              </a:rPr>
+              <a:t>({</a:t>
+            </a:r>
+          </a:p>
+          <a:p>
+            <a:pPr lvl="1"/>
+            <a:r>
+              <a:rPr lang="en-US" altLang="zh-CN" dirty="0">
+                <a:latin typeface="Consolas" panose="020B0609020204030204" pitchFamily="49" charset="0"/>
+                <a:ea typeface="微软雅黑" panose="020B0503020204020204" pitchFamily="34" charset="-122"/>
+              </a:rPr>
+              <a:t>    </a:t>
+            </a:r>
+            <a:r>
+              <a:rPr lang="en-US" altLang="zh-CN" dirty="0" err="1">
+                <a:latin typeface="Consolas" panose="020B0609020204030204" pitchFamily="49" charset="0"/>
+                <a:ea typeface="微软雅黑" panose="020B0503020204020204" pitchFamily="34" charset="-122"/>
+              </a:rPr>
+              <a:t>localId</a:t>
+            </a:r>
+            <a:r>
+              <a:rPr lang="en-US" altLang="zh-CN" dirty="0">
+                <a:latin typeface="Consolas" panose="020B0609020204030204" pitchFamily="49" charset="0"/>
+                <a:ea typeface="微软雅黑" panose="020B0503020204020204" pitchFamily="34" charset="-122"/>
+              </a:rPr>
+              <a:t>: '', // </a:t>
+            </a:r>
+            <a:r>
+              <a:rPr lang="zh-CN" altLang="en-US" dirty="0">
+                <a:latin typeface="Consolas" panose="020B0609020204030204" pitchFamily="49" charset="0"/>
+                <a:ea typeface="微软雅黑" panose="020B0503020204020204" pitchFamily="34" charset="-122"/>
+              </a:rPr>
+              <a:t>需要上传的图片的本地</a:t>
+            </a:r>
+            <a:r>
+              <a:rPr lang="en-US" altLang="zh-CN" dirty="0">
+                <a:latin typeface="Consolas" panose="020B0609020204030204" pitchFamily="49" charset="0"/>
+                <a:ea typeface="微软雅黑" panose="020B0503020204020204" pitchFamily="34" charset="-122"/>
+              </a:rPr>
+              <a:t>ID</a:t>
+            </a:r>
+            <a:r>
+              <a:rPr lang="zh-CN" altLang="en-US" dirty="0">
+                <a:latin typeface="Consolas" panose="020B0609020204030204" pitchFamily="49" charset="0"/>
+                <a:ea typeface="微软雅黑" panose="020B0503020204020204" pitchFamily="34" charset="-122"/>
+              </a:rPr>
+              <a:t>，由</a:t>
+            </a:r>
+            <a:r>
+              <a:rPr lang="en-US" altLang="zh-CN" dirty="0" err="1">
+                <a:latin typeface="Consolas" panose="020B0609020204030204" pitchFamily="49" charset="0"/>
+                <a:ea typeface="微软雅黑" panose="020B0503020204020204" pitchFamily="34" charset="-122"/>
+              </a:rPr>
+              <a:t>chooseImage</a:t>
+            </a:r>
+            <a:r>
+              <a:rPr lang="zh-CN" altLang="en-US" dirty="0">
+                <a:latin typeface="Consolas" panose="020B0609020204030204" pitchFamily="49" charset="0"/>
+                <a:ea typeface="微软雅黑" panose="020B0503020204020204" pitchFamily="34" charset="-122"/>
+              </a:rPr>
+              <a:t>接口获得</a:t>
+            </a:r>
+          </a:p>
+          <a:p>
+            <a:pPr lvl="1"/>
+            <a:r>
+              <a:rPr lang="zh-CN" altLang="en-US" dirty="0">
+                <a:latin typeface="Consolas" panose="020B0609020204030204" pitchFamily="49" charset="0"/>
+                <a:ea typeface="微软雅黑" panose="020B0503020204020204" pitchFamily="34" charset="-122"/>
+              </a:rPr>
+              <a:t>    </a:t>
+            </a:r>
+            <a:r>
+              <a:rPr lang="en-US" altLang="zh-CN" dirty="0" err="1">
+                <a:latin typeface="Consolas" panose="020B0609020204030204" pitchFamily="49" charset="0"/>
+                <a:ea typeface="微软雅黑" panose="020B0503020204020204" pitchFamily="34" charset="-122"/>
+              </a:rPr>
+              <a:t>isShowProgressTips</a:t>
+            </a:r>
+            <a:r>
+              <a:rPr lang="en-US" altLang="zh-CN" dirty="0">
+                <a:latin typeface="Consolas" panose="020B0609020204030204" pitchFamily="49" charset="0"/>
+                <a:ea typeface="微软雅黑" panose="020B0503020204020204" pitchFamily="34" charset="-122"/>
+              </a:rPr>
+              <a:t>: 1, // </a:t>
+            </a:r>
+            <a:r>
+              <a:rPr lang="zh-CN" altLang="en-US" dirty="0">
+                <a:latin typeface="Consolas" panose="020B0609020204030204" pitchFamily="49" charset="0"/>
+                <a:ea typeface="微软雅黑" panose="020B0503020204020204" pitchFamily="34" charset="-122"/>
+              </a:rPr>
+              <a:t>默认为</a:t>
+            </a:r>
+            <a:r>
+              <a:rPr lang="en-US" altLang="zh-CN" dirty="0">
+                <a:latin typeface="Consolas" panose="020B0609020204030204" pitchFamily="49" charset="0"/>
+                <a:ea typeface="微软雅黑" panose="020B0503020204020204" pitchFamily="34" charset="-122"/>
+              </a:rPr>
+              <a:t>1</a:t>
+            </a:r>
+            <a:r>
+              <a:rPr lang="zh-CN" altLang="en-US" dirty="0">
+                <a:latin typeface="Consolas" panose="020B0609020204030204" pitchFamily="49" charset="0"/>
+                <a:ea typeface="微软雅黑" panose="020B0503020204020204" pitchFamily="34" charset="-122"/>
+              </a:rPr>
+              <a:t>，显示进度提示</a:t>
+            </a:r>
+          </a:p>
+          <a:p>
+            <a:pPr lvl="1"/>
+            <a:r>
+              <a:rPr lang="zh-CN" altLang="en-US" dirty="0">
+                <a:latin typeface="Consolas" panose="020B0609020204030204" pitchFamily="49" charset="0"/>
+                <a:ea typeface="微软雅黑" panose="020B0503020204020204" pitchFamily="34" charset="-122"/>
+              </a:rPr>
+              <a:t>    </a:t>
+            </a:r>
+            <a:r>
+              <a:rPr lang="en-US" altLang="zh-CN" dirty="0">
+                <a:latin typeface="Consolas" panose="020B0609020204030204" pitchFamily="49" charset="0"/>
+                <a:ea typeface="微软雅黑" panose="020B0503020204020204" pitchFamily="34" charset="-122"/>
+              </a:rPr>
+              <a:t>success: function (res) {</a:t>
+            </a:r>
+          </a:p>
+          <a:p>
+            <a:pPr lvl="1"/>
+            <a:r>
+              <a:rPr lang="en-US" altLang="zh-CN" dirty="0">
+                <a:latin typeface="Consolas" panose="020B0609020204030204" pitchFamily="49" charset="0"/>
+                <a:ea typeface="微软雅黑" panose="020B0503020204020204" pitchFamily="34" charset="-122"/>
+              </a:rPr>
+              <a:t>        </a:t>
+            </a:r>
+            <a:r>
+              <a:rPr lang="en-US" altLang="zh-CN" dirty="0" err="1">
+                <a:latin typeface="Consolas" panose="020B0609020204030204" pitchFamily="49" charset="0"/>
+                <a:ea typeface="微软雅黑" panose="020B0503020204020204" pitchFamily="34" charset="-122"/>
+              </a:rPr>
+              <a:t>var</a:t>
+            </a:r>
+            <a:r>
+              <a:rPr lang="en-US" altLang="zh-CN" dirty="0">
+                <a:latin typeface="Consolas" panose="020B0609020204030204" pitchFamily="49" charset="0"/>
+                <a:ea typeface="微软雅黑" panose="020B0503020204020204" pitchFamily="34" charset="-122"/>
+              </a:rPr>
+              <a:t> </a:t>
+            </a:r>
+            <a:r>
+              <a:rPr lang="en-US" altLang="zh-CN" dirty="0" err="1">
+                <a:latin typeface="Consolas" panose="020B0609020204030204" pitchFamily="49" charset="0"/>
+                <a:ea typeface="微软雅黑" panose="020B0503020204020204" pitchFamily="34" charset="-122"/>
+              </a:rPr>
+              <a:t>serverId</a:t>
+            </a:r>
+            <a:r>
+              <a:rPr lang="en-US" altLang="zh-CN" dirty="0">
+                <a:latin typeface="Consolas" panose="020B0609020204030204" pitchFamily="49" charset="0"/>
+                <a:ea typeface="微软雅黑" panose="020B0503020204020204" pitchFamily="34" charset="-122"/>
+              </a:rPr>
+              <a:t> = </a:t>
+            </a:r>
+            <a:r>
+              <a:rPr lang="en-US" altLang="zh-CN" dirty="0" err="1">
+                <a:latin typeface="Consolas" panose="020B0609020204030204" pitchFamily="49" charset="0"/>
+                <a:ea typeface="微软雅黑" panose="020B0503020204020204" pitchFamily="34" charset="-122"/>
+              </a:rPr>
+              <a:t>res.serverId</a:t>
+            </a:r>
+            <a:r>
+              <a:rPr lang="en-US" altLang="zh-CN" dirty="0">
+                <a:latin typeface="Consolas" panose="020B0609020204030204" pitchFamily="49" charset="0"/>
+                <a:ea typeface="微软雅黑" panose="020B0503020204020204" pitchFamily="34" charset="-122"/>
+              </a:rPr>
+              <a:t>; // </a:t>
+            </a:r>
+            <a:r>
+              <a:rPr lang="zh-CN" altLang="en-US" dirty="0">
+                <a:latin typeface="Consolas" panose="020B0609020204030204" pitchFamily="49" charset="0"/>
+                <a:ea typeface="微软雅黑" panose="020B0503020204020204" pitchFamily="34" charset="-122"/>
+              </a:rPr>
+              <a:t>返回图片的服务器端</a:t>
+            </a:r>
+            <a:r>
+              <a:rPr lang="en-US" altLang="zh-CN" dirty="0">
+                <a:latin typeface="Consolas" panose="020B0609020204030204" pitchFamily="49" charset="0"/>
+                <a:ea typeface="微软雅黑" panose="020B0503020204020204" pitchFamily="34" charset="-122"/>
+              </a:rPr>
+              <a:t>ID</a:t>
+            </a:r>
+          </a:p>
+          <a:p>
+            <a:pPr lvl="1"/>
+            <a:r>
+              <a:rPr lang="en-US" altLang="zh-CN" dirty="0">
+                <a:latin typeface="Consolas" panose="020B0609020204030204" pitchFamily="49" charset="0"/>
+                <a:ea typeface="微软雅黑" panose="020B0503020204020204" pitchFamily="34" charset="-122"/>
+              </a:rPr>
+              <a:t>    }</a:t>
+            </a:r>
+          </a:p>
+          <a:p>
+            <a:pPr lvl="1"/>
+            <a:r>
+              <a:rPr lang="en-US" altLang="zh-CN" dirty="0">
+                <a:latin typeface="Consolas" panose="020B0609020204030204" pitchFamily="49" charset="0"/>
+                <a:ea typeface="微软雅黑" panose="020B0503020204020204" pitchFamily="34" charset="-122"/>
+              </a:rPr>
+              <a:t>});</a:t>
+            </a:r>
+          </a:p>
+          <a:p>
+            <a:pPr marL="285750" indent="-285750">
+              <a:buFont typeface="Arial" panose="020B0604020202020204" pitchFamily="34" charset="0"/>
+              <a:buChar char="•"/>
             </a:pPr>
             <a:r>
-              <a:rPr lang="en-US" altLang="zh-CN" sz="2000" dirty="0">
-                <a:solidFill>
-                  <a:schemeClr val="tx1">
-                    <a:lumMod val="65000"/>
-                    <a:lumOff val="35000"/>
-                  </a:schemeClr>
-                </a:solidFill>
-                <a:latin typeface="微软雅黑" panose="020B0503020204020204" pitchFamily="34" charset="-122"/>
-                <a:ea typeface="微软雅黑" panose="020B0503020204020204" pitchFamily="34" charset="-122"/>
-              </a:rPr>
-              <a:t>JS-SDK</a:t>
-            </a:r>
-            <a:r>
-              <a:rPr lang="zh-CN" altLang="en-US" sz="2000" dirty="0">
-                <a:solidFill>
-                  <a:schemeClr val="tx1">
-                    <a:lumMod val="65000"/>
-                    <a:lumOff val="35000"/>
-                  </a:schemeClr>
-                </a:solidFill>
-                <a:latin typeface="微软雅黑" panose="020B0503020204020204" pitchFamily="34" charset="-122"/>
-                <a:ea typeface="微软雅黑" panose="020B0503020204020204" pitchFamily="34" charset="-122"/>
-              </a:rPr>
-              <a:t>基本使用</a:t>
-            </a:r>
-            <a:endParaRPr lang="en-US" altLang="zh-CN" sz="2000" dirty="0">
-              <a:solidFill>
-                <a:schemeClr val="tx1">
-                  <a:lumMod val="65000"/>
-                  <a:lumOff val="35000"/>
-                </a:schemeClr>
-              </a:solidFill>
-              <a:latin typeface="微软雅黑" panose="020B0503020204020204" pitchFamily="34" charset="-122"/>
+              <a:rPr lang="zh-CN" altLang="en-US" dirty="0">
+                <a:effectLst/>
+                <a:latin typeface="Consolas" panose="020B0609020204030204" pitchFamily="49" charset="0"/>
+                <a:ea typeface="微软雅黑" panose="020B0503020204020204" pitchFamily="34" charset="-122"/>
+              </a:rPr>
+              <a:t>调用方式：</a:t>
+            </a:r>
+            <a:endParaRPr lang="en-US" altLang="zh-CN" dirty="0">
+              <a:effectLst/>
+              <a:latin typeface="Consolas" panose="020B0609020204030204" pitchFamily="49" charset="0"/>
               <a:ea typeface="微软雅黑" panose="020B0503020204020204" pitchFamily="34" charset="-122"/>
             </a:endParaRPr>
           </a:p>
           <a:p>
-            <a:pPr marL="514350" indent="-514350">
-              <a:lnSpc>
-                <a:spcPct val="200000"/>
-              </a:lnSpc>
-              <a:buFont typeface="+mj-ea"/>
-              <a:buAutoNum type="ea1JpnChsDbPeriod"/>
-            </a:pPr>
-            <a:r>
-              <a:rPr lang="en-US" altLang="zh-CN" sz="2400" dirty="0" err="1">
-                <a:solidFill>
-                  <a:schemeClr val="accent6">
-                    <a:lumMod val="75000"/>
-                  </a:schemeClr>
-                </a:solidFill>
-                <a:latin typeface="微软雅黑" panose="020B0503020204020204" pitchFamily="34" charset="-122"/>
-                <a:ea typeface="微软雅黑" panose="020B0503020204020204" pitchFamily="34" charset="-122"/>
-              </a:rPr>
-              <a:t>WeUI</a:t>
-            </a:r>
-            <a:r>
-              <a:rPr lang="zh-CN" altLang="en-US" sz="2400" dirty="0">
-                <a:solidFill>
-                  <a:schemeClr val="accent6">
-                    <a:lumMod val="75000"/>
-                  </a:schemeClr>
-                </a:solidFill>
-                <a:latin typeface="微软雅黑" panose="020B0503020204020204" pitchFamily="34" charset="-122"/>
-                <a:ea typeface="微软雅黑" panose="020B0503020204020204" pitchFamily="34" charset="-122"/>
-              </a:rPr>
-              <a:t>与</a:t>
-            </a:r>
-            <a:r>
-              <a:rPr lang="en-US" altLang="zh-CN" sz="2400" dirty="0">
-                <a:solidFill>
-                  <a:schemeClr val="accent6">
-                    <a:lumMod val="75000"/>
-                  </a:schemeClr>
-                </a:solidFill>
-                <a:latin typeface="微软雅黑" panose="020B0503020204020204" pitchFamily="34" charset="-122"/>
-                <a:ea typeface="微软雅黑" panose="020B0503020204020204" pitchFamily="34" charset="-122"/>
-              </a:rPr>
-              <a:t>JS-SDK</a:t>
-            </a:r>
-            <a:r>
-              <a:rPr lang="zh-CN" altLang="en-US" sz="2400" dirty="0">
-                <a:solidFill>
-                  <a:schemeClr val="accent6">
-                    <a:lumMod val="75000"/>
-                  </a:schemeClr>
-                </a:solidFill>
-                <a:latin typeface="微软雅黑" panose="020B0503020204020204" pitchFamily="34" charset="-122"/>
-                <a:ea typeface="微软雅黑" panose="020B0503020204020204" pitchFamily="34" charset="-122"/>
-              </a:rPr>
-              <a:t>配合使用</a:t>
-            </a:r>
-            <a:endParaRPr lang="en-US" altLang="zh-CN" sz="2400" dirty="0">
-              <a:solidFill>
-                <a:schemeClr val="accent6">
-                  <a:lumMod val="75000"/>
-                </a:schemeClr>
-              </a:solidFill>
-              <a:latin typeface="微软雅黑" panose="020B0503020204020204" pitchFamily="34" charset="-122"/>
+            <a:pPr lvl="1"/>
+            <a:r>
+              <a:rPr lang="zh-CN" altLang="en-US" dirty="0">
+                <a:effectLst/>
+                <a:latin typeface="Consolas" panose="020B0609020204030204" pitchFamily="49" charset="0"/>
+                <a:ea typeface="微软雅黑" panose="020B0503020204020204" pitchFamily="34" charset="-122"/>
+              </a:rPr>
+              <a:t>可以通过某一事件进行触发，也可以通过在选择图像接口的回调中进行上传。</a:t>
+            </a:r>
+            <a:endParaRPr lang="en-US" altLang="zh-CN" dirty="0">
+              <a:effectLst/>
+              <a:latin typeface="Consolas" panose="020B0609020204030204" pitchFamily="49" charset="0"/>
               <a:ea typeface="微软雅黑" panose="020B0503020204020204" pitchFamily="34" charset="-122"/>
             </a:endParaRPr>
           </a:p>
@@ -14607,7 +16097,7 @@
     </p:spTree>
     <p:extLst>
       <p:ext uri="{BB962C8B-B14F-4D97-AF65-F5344CB8AC3E}">
-        <p14:creationId xmlns:p14="http://schemas.microsoft.com/office/powerpoint/2010/main" val="1928010297"/>
+        <p14:creationId xmlns:p14="http://schemas.microsoft.com/office/powerpoint/2010/main" val="480444120"/>
       </p:ext>
     </p:extLst>
   </p:cSld>
@@ -14656,15 +16146,107 @@
           <a:p>
             <a:r>
               <a:rPr lang="zh-CN" altLang="en-US" b="0" dirty="0"/>
-              <a:t>获取地理位置</a:t>
-            </a:r>
+              <a:t>录音接口</a:t>
+            </a:r>
+          </a:p>
+        </p:txBody>
+      </p:sp>
+      <p:sp>
+        <p:nvSpPr>
+          <p:cNvPr id="3" name="矩形 2">
+            <a:extLst>
+              <a:ext uri="{FF2B5EF4-FFF2-40B4-BE49-F238E27FC236}">
+                <a16:creationId xmlns:a16="http://schemas.microsoft.com/office/drawing/2014/main" id="{65714D20-166A-42A6-A969-4C46454BA39A}"/>
+              </a:ext>
+            </a:extLst>
+          </p:cNvPr>
+          <p:cNvSpPr/>
+          <p:nvPr/>
+        </p:nvSpPr>
+        <p:spPr>
+          <a:xfrm>
+            <a:off x="1054099" y="1739998"/>
+            <a:ext cx="8217720" cy="1289905"/>
+          </a:xfrm>
+          <a:prstGeom prst="rect">
+            <a:avLst/>
+          </a:prstGeom>
+        </p:spPr>
+        <p:txBody>
+          <a:bodyPr wrap="square">
+            <a:spAutoFit/>
+          </a:bodyPr>
+          <a:lstStyle/>
+          <a:p>
+            <a:pPr marL="285750" indent="-285750">
+              <a:lnSpc>
+                <a:spcPct val="150000"/>
+              </a:lnSpc>
+              <a:buFont typeface="Arial" panose="020B0604020202020204" pitchFamily="34" charset="0"/>
+              <a:buChar char="•"/>
+            </a:pPr>
+            <a:r>
+              <a:rPr lang="zh-CN" altLang="en-US" dirty="0">
+                <a:latin typeface="微软雅黑" panose="020B0503020204020204" pitchFamily="34" charset="-122"/>
+                <a:ea typeface="微软雅黑" panose="020B0503020204020204" pitchFamily="34" charset="-122"/>
+              </a:rPr>
+              <a:t>接口调用</a:t>
+            </a:r>
+            <a:r>
+              <a:rPr lang="zh-CN" altLang="en-US" dirty="0">
+                <a:latin typeface="arial" panose="020B0604020202020204" pitchFamily="34" charset="0"/>
+              </a:rPr>
+              <a:t>：</a:t>
+            </a:r>
+            <a:endParaRPr lang="en-US" altLang="zh-CN" dirty="0">
+              <a:latin typeface="arial" panose="020B0604020202020204" pitchFamily="34" charset="0"/>
+            </a:endParaRPr>
+          </a:p>
+          <a:p>
+            <a:pPr lvl="1">
+              <a:lnSpc>
+                <a:spcPct val="150000"/>
+              </a:lnSpc>
+            </a:pPr>
+            <a:r>
+              <a:rPr lang="en-US" altLang="zh-CN" dirty="0" err="1">
+                <a:latin typeface="arial" panose="020B0604020202020204" pitchFamily="34" charset="0"/>
+              </a:rPr>
+              <a:t>wx.startRecord</a:t>
+            </a:r>
+            <a:r>
+              <a:rPr lang="en-US" altLang="zh-CN" dirty="0">
+                <a:latin typeface="arial" panose="020B0604020202020204" pitchFamily="34" charset="0"/>
+              </a:rPr>
+              <a:t>();</a:t>
+            </a:r>
+          </a:p>
+          <a:p>
+            <a:pPr marL="285750" indent="-285750">
+              <a:lnSpc>
+                <a:spcPct val="150000"/>
+              </a:lnSpc>
+              <a:buFont typeface="Arial" panose="020B0604020202020204" pitchFamily="34" charset="0"/>
+              <a:buChar char="•"/>
+            </a:pPr>
+            <a:r>
+              <a:rPr lang="zh-CN" altLang="en-US" dirty="0">
+                <a:latin typeface="微软雅黑" panose="020B0503020204020204" pitchFamily="34" charset="-122"/>
+                <a:ea typeface="微软雅黑" panose="020B0503020204020204" pitchFamily="34" charset="-122"/>
+              </a:rPr>
+              <a:t>执行此函数会直接进行录音，注意系统设置权限是否允许录音。</a:t>
+            </a:r>
+            <a:endParaRPr lang="en-US" altLang="zh-CN" dirty="0">
+              <a:latin typeface="微软雅黑" panose="020B0503020204020204" pitchFamily="34" charset="-122"/>
+              <a:ea typeface="微软雅黑" panose="020B0503020204020204" pitchFamily="34" charset="-122"/>
+            </a:endParaRPr>
           </a:p>
         </p:txBody>
       </p:sp>
     </p:spTree>
     <p:extLst>
       <p:ext uri="{BB962C8B-B14F-4D97-AF65-F5344CB8AC3E}">
-        <p14:creationId xmlns:p14="http://schemas.microsoft.com/office/powerpoint/2010/main" val="921697031"/>
+        <p14:creationId xmlns:p14="http://schemas.microsoft.com/office/powerpoint/2010/main" val="446746651"/>
       </p:ext>
     </p:extLst>
   </p:cSld>
@@ -14708,8 +16290,176 @@
           <a:p>
             <a:r>
               <a:rPr lang="zh-CN" altLang="en-US" b="0" dirty="0"/>
-              <a:t>语音接口</a:t>
-            </a:r>
+              <a:t>停止录音接口</a:t>
+            </a:r>
+          </a:p>
+        </p:txBody>
+      </p:sp>
+      <p:sp>
+        <p:nvSpPr>
+          <p:cNvPr id="3" name="矩形 2">
+            <a:extLst>
+              <a:ext uri="{FF2B5EF4-FFF2-40B4-BE49-F238E27FC236}">
+                <a16:creationId xmlns:a16="http://schemas.microsoft.com/office/drawing/2014/main" id="{F3D3CED8-1D41-4798-BDF8-BF461FF8815E}"/>
+              </a:ext>
+            </a:extLst>
+          </p:cNvPr>
+          <p:cNvSpPr/>
+          <p:nvPr/>
+        </p:nvSpPr>
+        <p:spPr>
+          <a:xfrm>
+            <a:off x="1054100" y="1628452"/>
+            <a:ext cx="9220610" cy="2723823"/>
+          </a:xfrm>
+          <a:prstGeom prst="rect">
+            <a:avLst/>
+          </a:prstGeom>
+        </p:spPr>
+        <p:txBody>
+          <a:bodyPr wrap="square">
+            <a:spAutoFit/>
+          </a:bodyPr>
+          <a:lstStyle/>
+          <a:p>
+            <a:pPr marL="285750" indent="-285750">
+              <a:lnSpc>
+                <a:spcPct val="150000"/>
+              </a:lnSpc>
+              <a:buFont typeface="Arial" panose="020B0604020202020204" pitchFamily="34" charset="0"/>
+              <a:buChar char="•"/>
+            </a:pPr>
+            <a:r>
+              <a:rPr lang="zh-CN" altLang="en-US" dirty="0">
+                <a:latin typeface="Consolas" panose="020B0609020204030204" pitchFamily="49" charset="0"/>
+                <a:ea typeface="微软雅黑" panose="020B0503020204020204" pitchFamily="34" charset="-122"/>
+              </a:rPr>
+              <a:t>接口参数：</a:t>
+            </a:r>
+            <a:endParaRPr lang="en-US" altLang="zh-CN" dirty="0">
+              <a:latin typeface="Consolas" panose="020B0609020204030204" pitchFamily="49" charset="0"/>
+              <a:ea typeface="微软雅黑" panose="020B0503020204020204" pitchFamily="34" charset="-122"/>
+            </a:endParaRPr>
+          </a:p>
+          <a:p>
+            <a:pPr lvl="1"/>
+            <a:r>
+              <a:rPr lang="en-US" altLang="zh-CN" dirty="0" err="1">
+                <a:latin typeface="Consolas" panose="020B0609020204030204" pitchFamily="49" charset="0"/>
+                <a:ea typeface="微软雅黑" panose="020B0503020204020204" pitchFamily="34" charset="-122"/>
+              </a:rPr>
+              <a:t>wx.stopRecord</a:t>
+            </a:r>
+            <a:r>
+              <a:rPr lang="en-US" altLang="zh-CN" dirty="0">
+                <a:latin typeface="Consolas" panose="020B0609020204030204" pitchFamily="49" charset="0"/>
+                <a:ea typeface="微软雅黑" panose="020B0503020204020204" pitchFamily="34" charset="-122"/>
+              </a:rPr>
+              <a:t>({</a:t>
+            </a:r>
+          </a:p>
+          <a:p>
+            <a:pPr lvl="1"/>
+            <a:r>
+              <a:rPr lang="en-US" altLang="zh-CN" dirty="0">
+                <a:latin typeface="Consolas" panose="020B0609020204030204" pitchFamily="49" charset="0"/>
+                <a:ea typeface="微软雅黑" panose="020B0503020204020204" pitchFamily="34" charset="-122"/>
+              </a:rPr>
+              <a:t>    success: function (res) {</a:t>
+            </a:r>
+          </a:p>
+          <a:p>
+            <a:pPr lvl="1"/>
+            <a:r>
+              <a:rPr lang="en-US" altLang="zh-CN" dirty="0">
+                <a:latin typeface="Consolas" panose="020B0609020204030204" pitchFamily="49" charset="0"/>
+                <a:ea typeface="微软雅黑" panose="020B0503020204020204" pitchFamily="34" charset="-122"/>
+              </a:rPr>
+              <a:t>        </a:t>
+            </a:r>
+            <a:r>
+              <a:rPr lang="en-US" altLang="zh-CN" dirty="0" err="1">
+                <a:latin typeface="Consolas" panose="020B0609020204030204" pitchFamily="49" charset="0"/>
+                <a:ea typeface="微软雅黑" panose="020B0503020204020204" pitchFamily="34" charset="-122"/>
+              </a:rPr>
+              <a:t>var</a:t>
+            </a:r>
+            <a:r>
+              <a:rPr lang="en-US" altLang="zh-CN" dirty="0">
+                <a:latin typeface="Consolas" panose="020B0609020204030204" pitchFamily="49" charset="0"/>
+                <a:ea typeface="微软雅黑" panose="020B0503020204020204" pitchFamily="34" charset="-122"/>
+              </a:rPr>
+              <a:t> </a:t>
+            </a:r>
+            <a:r>
+              <a:rPr lang="en-US" altLang="zh-CN" dirty="0" err="1">
+                <a:latin typeface="Consolas" panose="020B0609020204030204" pitchFamily="49" charset="0"/>
+                <a:ea typeface="微软雅黑" panose="020B0503020204020204" pitchFamily="34" charset="-122"/>
+              </a:rPr>
+              <a:t>localId</a:t>
+            </a:r>
+            <a:r>
+              <a:rPr lang="en-US" altLang="zh-CN" dirty="0">
+                <a:latin typeface="Consolas" panose="020B0609020204030204" pitchFamily="49" charset="0"/>
+                <a:ea typeface="微软雅黑" panose="020B0503020204020204" pitchFamily="34" charset="-122"/>
+              </a:rPr>
+              <a:t> = </a:t>
+            </a:r>
+            <a:r>
+              <a:rPr lang="en-US" altLang="zh-CN" dirty="0" err="1">
+                <a:latin typeface="Consolas" panose="020B0609020204030204" pitchFamily="49" charset="0"/>
+                <a:ea typeface="微软雅黑" panose="020B0503020204020204" pitchFamily="34" charset="-122"/>
+              </a:rPr>
+              <a:t>res.localId</a:t>
+            </a:r>
+            <a:r>
+              <a:rPr lang="en-US" altLang="zh-CN" dirty="0">
+                <a:latin typeface="Consolas" panose="020B0609020204030204" pitchFamily="49" charset="0"/>
+                <a:ea typeface="微软雅黑" panose="020B0503020204020204" pitchFamily="34" charset="-122"/>
+              </a:rPr>
+              <a:t>;</a:t>
+            </a:r>
+          </a:p>
+          <a:p>
+            <a:pPr lvl="1"/>
+            <a:r>
+              <a:rPr lang="en-US" altLang="zh-CN" dirty="0">
+                <a:latin typeface="Consolas" panose="020B0609020204030204" pitchFamily="49" charset="0"/>
+                <a:ea typeface="微软雅黑" panose="020B0503020204020204" pitchFamily="34" charset="-122"/>
+              </a:rPr>
+              <a:t>    }</a:t>
+            </a:r>
+          </a:p>
+          <a:p>
+            <a:pPr lvl="1"/>
+            <a:r>
+              <a:rPr lang="en-US" altLang="zh-CN" dirty="0">
+                <a:latin typeface="Consolas" panose="020B0609020204030204" pitchFamily="49" charset="0"/>
+                <a:ea typeface="微软雅黑" panose="020B0503020204020204" pitchFamily="34" charset="-122"/>
+              </a:rPr>
+              <a:t>});</a:t>
+            </a:r>
+          </a:p>
+          <a:p>
+            <a:pPr marL="285750" indent="-285750">
+              <a:lnSpc>
+                <a:spcPct val="150000"/>
+              </a:lnSpc>
+              <a:buFont typeface="Arial" panose="020B0604020202020204" pitchFamily="34" charset="0"/>
+              <a:buChar char="•"/>
+            </a:pPr>
+            <a:r>
+              <a:rPr lang="zh-CN" altLang="en-US" dirty="0">
+                <a:latin typeface="Consolas" panose="020B0609020204030204" pitchFamily="49" charset="0"/>
+                <a:ea typeface="微软雅黑" panose="020B0503020204020204" pitchFamily="34" charset="-122"/>
+              </a:rPr>
+              <a:t>回调函数返回值是作为播放录音接口的参数使用的，所以如果不是在回调函数里面调用播放接口，要把返回值保存，方便播放接口调用。</a:t>
+            </a:r>
+            <a:endParaRPr lang="en-US" altLang="zh-CN" dirty="0">
+              <a:effectLst/>
+              <a:latin typeface="Consolas" panose="020B0609020204030204" pitchFamily="49" charset="0"/>
+              <a:ea typeface="微软雅黑" panose="020B0503020204020204" pitchFamily="34" charset="-122"/>
+            </a:endParaRPr>
           </a:p>
         </p:txBody>
       </p:sp>
@@ -14765,8 +16515,238 @@
           <a:p>
             <a:r>
               <a:rPr lang="zh-CN" altLang="en-US" b="0" dirty="0"/>
-              <a:t>扫码接口</a:t>
-            </a:r>
+              <a:t>自动停止录音接口</a:t>
+            </a:r>
+          </a:p>
+        </p:txBody>
+      </p:sp>
+      <p:sp>
+        <p:nvSpPr>
+          <p:cNvPr id="3" name="矩形 2">
+            <a:extLst>
+              <a:ext uri="{FF2B5EF4-FFF2-40B4-BE49-F238E27FC236}">
+                <a16:creationId xmlns:a16="http://schemas.microsoft.com/office/drawing/2014/main" id="{9760E83D-596C-40A1-A379-193281A3B5F3}"/>
+              </a:ext>
+            </a:extLst>
+          </p:cNvPr>
+          <p:cNvSpPr/>
+          <p:nvPr/>
+        </p:nvSpPr>
+        <p:spPr>
+          <a:xfrm>
+            <a:off x="1054099" y="1764409"/>
+            <a:ext cx="8797824" cy="2585323"/>
+          </a:xfrm>
+          <a:prstGeom prst="rect">
+            <a:avLst/>
+          </a:prstGeom>
+        </p:spPr>
+        <p:txBody>
+          <a:bodyPr wrap="square">
+            <a:spAutoFit/>
+          </a:bodyPr>
+          <a:lstStyle/>
+          <a:p>
+            <a:pPr marL="285750" indent="-285750">
+              <a:buFont typeface="Arial" panose="020B0604020202020204" pitchFamily="34" charset="0"/>
+              <a:buChar char="•"/>
+            </a:pPr>
+            <a:r>
+              <a:rPr lang="zh-CN" altLang="en-US" dirty="0">
+                <a:latin typeface="Consolas" panose="020B0609020204030204" pitchFamily="49" charset="0"/>
+                <a:ea typeface="微软雅黑" panose="020B0503020204020204" pitchFamily="34" charset="-122"/>
+              </a:rPr>
+              <a:t>接口参数：</a:t>
+            </a:r>
+            <a:endParaRPr lang="en-US" altLang="zh-CN" dirty="0">
+              <a:latin typeface="Consolas" panose="020B0609020204030204" pitchFamily="49" charset="0"/>
+              <a:ea typeface="微软雅黑" panose="020B0503020204020204" pitchFamily="34" charset="-122"/>
+            </a:endParaRPr>
+          </a:p>
+          <a:p>
+            <a:pPr lvl="1"/>
+            <a:r>
+              <a:rPr lang="en-US" altLang="zh-CN" dirty="0" err="1">
+                <a:latin typeface="Consolas" panose="020B0609020204030204" pitchFamily="49" charset="0"/>
+                <a:ea typeface="微软雅黑" panose="020B0503020204020204" pitchFamily="34" charset="-122"/>
+              </a:rPr>
+              <a:t>wx.onVoiceRecordEnd</a:t>
+            </a:r>
+            <a:r>
+              <a:rPr lang="en-US" altLang="zh-CN" dirty="0">
+                <a:latin typeface="Consolas" panose="020B0609020204030204" pitchFamily="49" charset="0"/>
+                <a:ea typeface="微软雅黑" panose="020B0503020204020204" pitchFamily="34" charset="-122"/>
+              </a:rPr>
+              <a:t>({</a:t>
+            </a:r>
+          </a:p>
+          <a:p>
+            <a:pPr lvl="1"/>
+            <a:r>
+              <a:rPr lang="en-US" altLang="zh-CN" dirty="0">
+                <a:latin typeface="Consolas" panose="020B0609020204030204" pitchFamily="49" charset="0"/>
+                <a:ea typeface="微软雅黑" panose="020B0503020204020204" pitchFamily="34" charset="-122"/>
+              </a:rPr>
+              <a:t>    // </a:t>
+            </a:r>
+            <a:r>
+              <a:rPr lang="zh-CN" altLang="en-US" dirty="0">
+                <a:latin typeface="Consolas" panose="020B0609020204030204" pitchFamily="49" charset="0"/>
+                <a:ea typeface="微软雅黑" panose="020B0503020204020204" pitchFamily="34" charset="-122"/>
+              </a:rPr>
+              <a:t>录音时间超过一分钟没有停止的时候会执行 </a:t>
+            </a:r>
+            <a:r>
+              <a:rPr lang="en-US" altLang="zh-CN" dirty="0">
+                <a:latin typeface="Consolas" panose="020B0609020204030204" pitchFamily="49" charset="0"/>
+                <a:ea typeface="微软雅黑" panose="020B0503020204020204" pitchFamily="34" charset="-122"/>
+              </a:rPr>
+              <a:t>complete </a:t>
+            </a:r>
+            <a:r>
+              <a:rPr lang="zh-CN" altLang="en-US" dirty="0">
+                <a:latin typeface="Consolas" panose="020B0609020204030204" pitchFamily="49" charset="0"/>
+                <a:ea typeface="微软雅黑" panose="020B0503020204020204" pitchFamily="34" charset="-122"/>
+              </a:rPr>
+              <a:t>回调</a:t>
+            </a:r>
+          </a:p>
+          <a:p>
+            <a:pPr lvl="1"/>
+            <a:r>
+              <a:rPr lang="zh-CN" altLang="en-US" dirty="0">
+                <a:latin typeface="Consolas" panose="020B0609020204030204" pitchFamily="49" charset="0"/>
+                <a:ea typeface="微软雅黑" panose="020B0503020204020204" pitchFamily="34" charset="-122"/>
+              </a:rPr>
+              <a:t>    </a:t>
+            </a:r>
+            <a:r>
+              <a:rPr lang="en-US" altLang="zh-CN" dirty="0">
+                <a:latin typeface="Consolas" panose="020B0609020204030204" pitchFamily="49" charset="0"/>
+                <a:ea typeface="微软雅黑" panose="020B0503020204020204" pitchFamily="34" charset="-122"/>
+              </a:rPr>
+              <a:t>complete: function (res) {</a:t>
+            </a:r>
+          </a:p>
+          <a:p>
+            <a:pPr lvl="1"/>
+            <a:r>
+              <a:rPr lang="en-US" altLang="zh-CN" dirty="0">
+                <a:latin typeface="Consolas" panose="020B0609020204030204" pitchFamily="49" charset="0"/>
+                <a:ea typeface="微软雅黑" panose="020B0503020204020204" pitchFamily="34" charset="-122"/>
+              </a:rPr>
+              <a:t>        </a:t>
+            </a:r>
+            <a:r>
+              <a:rPr lang="en-US" altLang="zh-CN" dirty="0" err="1">
+                <a:latin typeface="Consolas" panose="020B0609020204030204" pitchFamily="49" charset="0"/>
+                <a:ea typeface="微软雅黑" panose="020B0503020204020204" pitchFamily="34" charset="-122"/>
+              </a:rPr>
+              <a:t>var</a:t>
+            </a:r>
+            <a:r>
+              <a:rPr lang="en-US" altLang="zh-CN" dirty="0">
+                <a:latin typeface="Consolas" panose="020B0609020204030204" pitchFamily="49" charset="0"/>
+                <a:ea typeface="微软雅黑" panose="020B0503020204020204" pitchFamily="34" charset="-122"/>
+              </a:rPr>
+              <a:t> </a:t>
+            </a:r>
+            <a:r>
+              <a:rPr lang="en-US" altLang="zh-CN" dirty="0" err="1">
+                <a:latin typeface="Consolas" panose="020B0609020204030204" pitchFamily="49" charset="0"/>
+                <a:ea typeface="微软雅黑" panose="020B0503020204020204" pitchFamily="34" charset="-122"/>
+              </a:rPr>
+              <a:t>localId</a:t>
+            </a:r>
+            <a:r>
+              <a:rPr lang="en-US" altLang="zh-CN" dirty="0">
+                <a:latin typeface="Consolas" panose="020B0609020204030204" pitchFamily="49" charset="0"/>
+                <a:ea typeface="微软雅黑" panose="020B0503020204020204" pitchFamily="34" charset="-122"/>
+              </a:rPr>
+              <a:t> = </a:t>
+            </a:r>
+            <a:r>
+              <a:rPr lang="en-US" altLang="zh-CN" dirty="0" err="1">
+                <a:latin typeface="Consolas" panose="020B0609020204030204" pitchFamily="49" charset="0"/>
+                <a:ea typeface="微软雅黑" panose="020B0503020204020204" pitchFamily="34" charset="-122"/>
+              </a:rPr>
+              <a:t>res.localId</a:t>
+            </a:r>
+            <a:r>
+              <a:rPr lang="en-US" altLang="zh-CN" dirty="0">
+                <a:latin typeface="Consolas" panose="020B0609020204030204" pitchFamily="49" charset="0"/>
+                <a:ea typeface="微软雅黑" panose="020B0503020204020204" pitchFamily="34" charset="-122"/>
+              </a:rPr>
+              <a:t>; </a:t>
+            </a:r>
+          </a:p>
+          <a:p>
+            <a:pPr lvl="1"/>
+            <a:r>
+              <a:rPr lang="en-US" altLang="zh-CN" dirty="0">
+                <a:latin typeface="Consolas" panose="020B0609020204030204" pitchFamily="49" charset="0"/>
+                <a:ea typeface="微软雅黑" panose="020B0503020204020204" pitchFamily="34" charset="-122"/>
+              </a:rPr>
+              <a:t>    }</a:t>
+            </a:r>
+          </a:p>
+          <a:p>
+            <a:pPr lvl="1"/>
+            <a:r>
+              <a:rPr lang="en-US" altLang="zh-CN" dirty="0">
+                <a:latin typeface="Consolas" panose="020B0609020204030204" pitchFamily="49" charset="0"/>
+                <a:ea typeface="微软雅黑" panose="020B0503020204020204" pitchFamily="34" charset="-122"/>
+              </a:rPr>
+              <a:t>});</a:t>
+            </a:r>
+          </a:p>
+          <a:p>
+            <a:pPr marL="285750" indent="-285750">
+              <a:buFont typeface="Arial" panose="020B0604020202020204" pitchFamily="34" charset="0"/>
+              <a:buChar char="•"/>
+            </a:pPr>
+            <a:r>
+              <a:rPr lang="zh-CN" altLang="en-US" dirty="0">
+                <a:effectLst/>
+                <a:latin typeface="Consolas" panose="020B0609020204030204" pitchFamily="49" charset="0"/>
+                <a:ea typeface="微软雅黑" panose="020B0503020204020204" pitchFamily="34" charset="-122"/>
+              </a:rPr>
+              <a:t>调用方式：</a:t>
+            </a:r>
+            <a:endParaRPr lang="en-US" altLang="zh-CN" dirty="0">
+              <a:effectLst/>
+              <a:latin typeface="Consolas" panose="020B0609020204030204" pitchFamily="49" charset="0"/>
+              <a:ea typeface="微软雅黑" panose="020B0503020204020204" pitchFamily="34" charset="-122"/>
+            </a:endParaRPr>
+          </a:p>
+          <a:p>
+            <a:pPr lvl="1"/>
+            <a:r>
+              <a:rPr lang="zh-CN" altLang="en-US" dirty="0">
+                <a:latin typeface="Consolas" panose="020B0609020204030204" pitchFamily="49" charset="0"/>
+                <a:ea typeface="微软雅黑" panose="020B0503020204020204" pitchFamily="34" charset="-122"/>
+              </a:rPr>
+              <a:t>在</a:t>
+            </a:r>
+            <a:r>
+              <a:rPr lang="en-US" altLang="zh-CN" dirty="0">
+                <a:latin typeface="Consolas" panose="020B0609020204030204" pitchFamily="49" charset="0"/>
+                <a:ea typeface="微软雅黑" panose="020B0503020204020204" pitchFamily="34" charset="-122"/>
+              </a:rPr>
+              <a:t>ready</a:t>
+            </a:r>
+            <a:r>
+              <a:rPr lang="zh-CN" altLang="en-US" dirty="0">
+                <a:latin typeface="Consolas" panose="020B0609020204030204" pitchFamily="49" charset="0"/>
+                <a:ea typeface="微软雅黑" panose="020B0503020204020204" pitchFamily="34" charset="-122"/>
+              </a:rPr>
+              <a:t>接口中配置。</a:t>
+            </a:r>
+            <a:endParaRPr lang="en-US" altLang="zh-CN" dirty="0">
+              <a:effectLst/>
+              <a:latin typeface="Consolas" panose="020B0609020204030204" pitchFamily="49" charset="0"/>
+              <a:ea typeface="微软雅黑" panose="020B0503020204020204" pitchFamily="34" charset="-122"/>
+            </a:endParaRPr>
           </a:p>
         </p:txBody>
       </p:sp>
@@ -14784,6 +16764,451 @@
 </file>
 
 <file path=ppt/slides/slide24.xml><?xml version="1.0" encoding="utf-8"?>
+<p:sld xmlns:a="http://schemas.openxmlformats.org/drawingml/2006/main" xmlns:r="http://schemas.openxmlformats.org/officeDocument/2006/relationships" xmlns:p="http://schemas.openxmlformats.org/presentationml/2006/main">
+  <p:cSld>
+    <p:spTree>
+      <p:nvGrpSpPr>
+        <p:cNvPr id="1" name=""/>
+        <p:cNvGrpSpPr/>
+        <p:nvPr/>
+      </p:nvGrpSpPr>
+      <p:grpSpPr>
+        <a:xfrm>
+          <a:off x="0" y="0"/>
+          <a:ext cx="0" cy="0"/>
+          <a:chOff x="0" y="0"/>
+          <a:chExt cx="0" cy="0"/>
+        </a:xfrm>
+      </p:grpSpPr>
+      <p:sp>
+        <p:nvSpPr>
+          <p:cNvPr id="2" name="内容占位符 1"/>
+          <p:cNvSpPr>
+            <a:spLocks noGrp="1"/>
+          </p:cNvSpPr>
+          <p:nvPr>
+            <p:ph sz="quarter" idx="13"/>
+          </p:nvPr>
+        </p:nvSpPr>
+        <p:spPr>
+          <a:xfrm>
+            <a:off x="1054099" y="543636"/>
+            <a:ext cx="5846763" cy="685800"/>
+          </a:xfrm>
+        </p:spPr>
+        <p:txBody>
+          <a:bodyPr/>
+          <a:lstStyle/>
+          <a:p>
+            <a:r>
+              <a:rPr lang="zh-CN" altLang="en-US" b="0" dirty="0"/>
+              <a:t>播放录音接口</a:t>
+            </a:r>
+          </a:p>
+        </p:txBody>
+      </p:sp>
+      <p:sp>
+        <p:nvSpPr>
+          <p:cNvPr id="3" name="矩形 2">
+            <a:extLst>
+              <a:ext uri="{FF2B5EF4-FFF2-40B4-BE49-F238E27FC236}">
+                <a16:creationId xmlns:a16="http://schemas.microsoft.com/office/drawing/2014/main" id="{6BF4F944-6EF7-41A6-914C-AE6F25C130C6}"/>
+              </a:ext>
+            </a:extLst>
+          </p:cNvPr>
+          <p:cNvSpPr/>
+          <p:nvPr/>
+        </p:nvSpPr>
+        <p:spPr>
+          <a:xfrm>
+            <a:off x="1054099" y="1747287"/>
+            <a:ext cx="8150942" cy="1477328"/>
+          </a:xfrm>
+          <a:prstGeom prst="rect">
+            <a:avLst/>
+          </a:prstGeom>
+        </p:spPr>
+        <p:txBody>
+          <a:bodyPr wrap="square">
+            <a:spAutoFit/>
+          </a:bodyPr>
+          <a:lstStyle/>
+          <a:p>
+            <a:pPr marL="285750" indent="-285750">
+              <a:buFont typeface="Arial" panose="020B0604020202020204" pitchFamily="34" charset="0"/>
+              <a:buChar char="•"/>
+            </a:pPr>
+            <a:r>
+              <a:rPr lang="zh-CN" altLang="en-US" dirty="0">
+                <a:latin typeface="微软雅黑" panose="020B0503020204020204" pitchFamily="34" charset="-122"/>
+                <a:ea typeface="微软雅黑" panose="020B0503020204020204" pitchFamily="34" charset="-122"/>
+              </a:rPr>
+              <a:t>调用接口播放录音</a:t>
+            </a:r>
+            <a:r>
+              <a:rPr lang="zh-CN" altLang="en-US" dirty="0">
+                <a:latin typeface="arial" panose="020B0604020202020204" pitchFamily="34" charset="0"/>
+              </a:rPr>
+              <a:t>：</a:t>
+            </a:r>
+            <a:endParaRPr lang="en-US" altLang="zh-CN" dirty="0">
+              <a:latin typeface="arial" panose="020B0604020202020204" pitchFamily="34" charset="0"/>
+            </a:endParaRPr>
+          </a:p>
+          <a:p>
+            <a:pPr lvl="1"/>
+            <a:r>
+              <a:rPr lang="en-US" altLang="zh-CN" dirty="0" err="1">
+                <a:latin typeface="arial" panose="020B0604020202020204" pitchFamily="34" charset="0"/>
+              </a:rPr>
+              <a:t>wx.playVoice</a:t>
+            </a:r>
+            <a:r>
+              <a:rPr lang="en-US" altLang="zh-CN" dirty="0">
+                <a:latin typeface="arial" panose="020B0604020202020204" pitchFamily="34" charset="0"/>
+              </a:rPr>
+              <a:t>({</a:t>
+            </a:r>
+            <a:endParaRPr lang="en-US" altLang="zh-CN" dirty="0"/>
+          </a:p>
+          <a:p>
+            <a:pPr lvl="1"/>
+            <a:r>
+              <a:rPr lang="en-US" altLang="zh-CN" dirty="0">
+                <a:latin typeface="arial" panose="020B0604020202020204" pitchFamily="34" charset="0"/>
+              </a:rPr>
+              <a:t>    </a:t>
+            </a:r>
+            <a:r>
+              <a:rPr lang="en-US" altLang="zh-CN" dirty="0" err="1">
+                <a:latin typeface="arial" panose="020B0604020202020204" pitchFamily="34" charset="0"/>
+              </a:rPr>
+              <a:t>localId</a:t>
+            </a:r>
+            <a:r>
+              <a:rPr lang="en-US" altLang="zh-CN" dirty="0">
+                <a:latin typeface="arial" panose="020B0604020202020204" pitchFamily="34" charset="0"/>
+              </a:rPr>
+              <a:t>: '' // </a:t>
+            </a:r>
+            <a:r>
+              <a:rPr lang="zh-CN" altLang="en-US" dirty="0">
+                <a:latin typeface="arial" panose="020B0604020202020204" pitchFamily="34" charset="0"/>
+              </a:rPr>
+              <a:t>需要播放的音频的本地</a:t>
+            </a:r>
+            <a:r>
+              <a:rPr lang="en-US" altLang="zh-CN" dirty="0">
+                <a:latin typeface="arial" panose="020B0604020202020204" pitchFamily="34" charset="0"/>
+              </a:rPr>
+              <a:t>ID</a:t>
+            </a:r>
+            <a:r>
+              <a:rPr lang="zh-CN" altLang="en-US" dirty="0">
+                <a:latin typeface="arial" panose="020B0604020202020204" pitchFamily="34" charset="0"/>
+              </a:rPr>
+              <a:t>，由</a:t>
+            </a:r>
+            <a:r>
+              <a:rPr lang="en-US" altLang="zh-CN" dirty="0" err="1">
+                <a:latin typeface="arial" panose="020B0604020202020204" pitchFamily="34" charset="0"/>
+              </a:rPr>
+              <a:t>stopRecord</a:t>
+            </a:r>
+            <a:r>
+              <a:rPr lang="zh-CN" altLang="en-US" dirty="0">
+                <a:latin typeface="arial" panose="020B0604020202020204" pitchFamily="34" charset="0"/>
+              </a:rPr>
+              <a:t>接口获得</a:t>
+            </a:r>
+            <a:endParaRPr lang="zh-CN" altLang="en-US" dirty="0"/>
+          </a:p>
+          <a:p>
+            <a:pPr lvl="1"/>
+            <a:r>
+              <a:rPr lang="en-US" altLang="zh-CN" dirty="0">
+                <a:latin typeface="arial" panose="020B0604020202020204" pitchFamily="34" charset="0"/>
+              </a:rPr>
+              <a:t>});</a:t>
+            </a:r>
+          </a:p>
+          <a:p>
+            <a:endParaRPr lang="zh-CN" altLang="en-US" dirty="0">
+              <a:effectLst/>
+            </a:endParaRPr>
+          </a:p>
+        </p:txBody>
+      </p:sp>
+    </p:spTree>
+    <p:extLst>
+      <p:ext uri="{BB962C8B-B14F-4D97-AF65-F5344CB8AC3E}">
+        <p14:creationId xmlns:p14="http://schemas.microsoft.com/office/powerpoint/2010/main" val="1181558978"/>
+      </p:ext>
+    </p:extLst>
+  </p:cSld>
+  <p:clrMapOvr>
+    <a:masterClrMapping/>
+  </p:clrMapOvr>
+</p:sld>
+</file>
+
+<file path=ppt/slides/slide25.xml><?xml version="1.0" encoding="utf-8"?>
+<p:sld xmlns:a="http://schemas.openxmlformats.org/drawingml/2006/main" xmlns:r="http://schemas.openxmlformats.org/officeDocument/2006/relationships" xmlns:p="http://schemas.openxmlformats.org/presentationml/2006/main">
+  <p:cSld>
+    <p:spTree>
+      <p:nvGrpSpPr>
+        <p:cNvPr id="1" name=""/>
+        <p:cNvGrpSpPr/>
+        <p:nvPr/>
+      </p:nvGrpSpPr>
+      <p:grpSpPr>
+        <a:xfrm>
+          <a:off x="0" y="0"/>
+          <a:ext cx="0" cy="0"/>
+          <a:chOff x="0" y="0"/>
+          <a:chExt cx="0" cy="0"/>
+        </a:xfrm>
+      </p:grpSpPr>
+      <p:sp>
+        <p:nvSpPr>
+          <p:cNvPr id="2" name="内容占位符 1"/>
+          <p:cNvSpPr>
+            <a:spLocks noGrp="1"/>
+          </p:cNvSpPr>
+          <p:nvPr>
+            <p:ph sz="quarter" idx="13"/>
+          </p:nvPr>
+        </p:nvSpPr>
+        <p:spPr>
+          <a:xfrm>
+            <a:off x="1054099" y="543636"/>
+            <a:ext cx="5846763" cy="685800"/>
+          </a:xfrm>
+        </p:spPr>
+        <p:txBody>
+          <a:bodyPr/>
+          <a:lstStyle/>
+          <a:p>
+            <a:r>
+              <a:rPr lang="zh-CN" altLang="en-US" b="0" dirty="0"/>
+              <a:t>语音播放完毕接口</a:t>
+            </a:r>
+          </a:p>
+        </p:txBody>
+      </p:sp>
+      <p:sp>
+        <p:nvSpPr>
+          <p:cNvPr id="3" name="矩形 2">
+            <a:extLst>
+              <a:ext uri="{FF2B5EF4-FFF2-40B4-BE49-F238E27FC236}">
+                <a16:creationId xmlns:a16="http://schemas.microsoft.com/office/drawing/2014/main" id="{8E276E54-4AA0-4697-9C65-07525E7634B8}"/>
+              </a:ext>
+            </a:extLst>
+          </p:cNvPr>
+          <p:cNvSpPr/>
+          <p:nvPr/>
+        </p:nvSpPr>
+        <p:spPr>
+          <a:xfrm>
+            <a:off x="1054099" y="1766104"/>
+            <a:ext cx="8740877" cy="2308324"/>
+          </a:xfrm>
+          <a:prstGeom prst="rect">
+            <a:avLst/>
+          </a:prstGeom>
+        </p:spPr>
+        <p:txBody>
+          <a:bodyPr wrap="square">
+            <a:spAutoFit/>
+          </a:bodyPr>
+          <a:lstStyle/>
+          <a:p>
+            <a:pPr marL="285750" indent="-285750">
+              <a:buFont typeface="Arial" panose="020B0604020202020204" pitchFamily="34" charset="0"/>
+              <a:buChar char="•"/>
+            </a:pPr>
+            <a:r>
+              <a:rPr lang="zh-CN" altLang="en-US" dirty="0">
+                <a:latin typeface="Consolas" panose="020B0609020204030204" pitchFamily="49" charset="0"/>
+                <a:ea typeface="微软雅黑" panose="020B0503020204020204" pitchFamily="34" charset="-122"/>
+              </a:rPr>
+              <a:t>接口参数：</a:t>
+            </a:r>
+            <a:endParaRPr lang="en-US" altLang="zh-CN" dirty="0">
+              <a:latin typeface="Consolas" panose="020B0609020204030204" pitchFamily="49" charset="0"/>
+              <a:ea typeface="微软雅黑" panose="020B0503020204020204" pitchFamily="34" charset="-122"/>
+            </a:endParaRPr>
+          </a:p>
+          <a:p>
+            <a:pPr lvl="1"/>
+            <a:r>
+              <a:rPr lang="en-US" altLang="zh-CN" dirty="0" err="1">
+                <a:latin typeface="Consolas" panose="020B0609020204030204" pitchFamily="49" charset="0"/>
+                <a:ea typeface="微软雅黑" panose="020B0503020204020204" pitchFamily="34" charset="-122"/>
+              </a:rPr>
+              <a:t>wx.onVoicePlayEnd</a:t>
+            </a:r>
+            <a:r>
+              <a:rPr lang="en-US" altLang="zh-CN" dirty="0">
+                <a:latin typeface="Consolas" panose="020B0609020204030204" pitchFamily="49" charset="0"/>
+                <a:ea typeface="微软雅黑" panose="020B0503020204020204" pitchFamily="34" charset="-122"/>
+              </a:rPr>
+              <a:t>({</a:t>
+            </a:r>
+          </a:p>
+          <a:p>
+            <a:pPr lvl="1"/>
+            <a:r>
+              <a:rPr lang="en-US" altLang="zh-CN" dirty="0">
+                <a:latin typeface="Consolas" panose="020B0609020204030204" pitchFamily="49" charset="0"/>
+                <a:ea typeface="微软雅黑" panose="020B0503020204020204" pitchFamily="34" charset="-122"/>
+              </a:rPr>
+              <a:t>    success: function (res) {</a:t>
+            </a:r>
+          </a:p>
+          <a:p>
+            <a:pPr lvl="1"/>
+            <a:r>
+              <a:rPr lang="en-US" altLang="zh-CN" dirty="0">
+                <a:latin typeface="Consolas" panose="020B0609020204030204" pitchFamily="49" charset="0"/>
+                <a:ea typeface="微软雅黑" panose="020B0503020204020204" pitchFamily="34" charset="-122"/>
+              </a:rPr>
+              <a:t>        </a:t>
+            </a:r>
+            <a:r>
+              <a:rPr lang="en-US" altLang="zh-CN" dirty="0" err="1">
+                <a:latin typeface="Consolas" panose="020B0609020204030204" pitchFamily="49" charset="0"/>
+                <a:ea typeface="微软雅黑" panose="020B0503020204020204" pitchFamily="34" charset="-122"/>
+              </a:rPr>
+              <a:t>var</a:t>
+            </a:r>
+            <a:r>
+              <a:rPr lang="en-US" altLang="zh-CN" dirty="0">
+                <a:latin typeface="Consolas" panose="020B0609020204030204" pitchFamily="49" charset="0"/>
+                <a:ea typeface="微软雅黑" panose="020B0503020204020204" pitchFamily="34" charset="-122"/>
+              </a:rPr>
+              <a:t> </a:t>
+            </a:r>
+            <a:r>
+              <a:rPr lang="en-US" altLang="zh-CN" dirty="0" err="1">
+                <a:latin typeface="Consolas" panose="020B0609020204030204" pitchFamily="49" charset="0"/>
+                <a:ea typeface="微软雅黑" panose="020B0503020204020204" pitchFamily="34" charset="-122"/>
+              </a:rPr>
+              <a:t>localId</a:t>
+            </a:r>
+            <a:r>
+              <a:rPr lang="en-US" altLang="zh-CN" dirty="0">
+                <a:latin typeface="Consolas" panose="020B0609020204030204" pitchFamily="49" charset="0"/>
+                <a:ea typeface="微软雅黑" panose="020B0503020204020204" pitchFamily="34" charset="-122"/>
+              </a:rPr>
+              <a:t> = </a:t>
+            </a:r>
+            <a:r>
+              <a:rPr lang="en-US" altLang="zh-CN" dirty="0" err="1">
+                <a:latin typeface="Consolas" panose="020B0609020204030204" pitchFamily="49" charset="0"/>
+                <a:ea typeface="微软雅黑" panose="020B0503020204020204" pitchFamily="34" charset="-122"/>
+              </a:rPr>
+              <a:t>res.localId</a:t>
+            </a:r>
+            <a:r>
+              <a:rPr lang="en-US" altLang="zh-CN" dirty="0">
+                <a:latin typeface="Consolas" panose="020B0609020204030204" pitchFamily="49" charset="0"/>
+                <a:ea typeface="微软雅黑" panose="020B0503020204020204" pitchFamily="34" charset="-122"/>
+              </a:rPr>
+              <a:t>; // </a:t>
+            </a:r>
+            <a:r>
+              <a:rPr lang="zh-CN" altLang="en-US" dirty="0">
+                <a:latin typeface="Consolas" panose="020B0609020204030204" pitchFamily="49" charset="0"/>
+                <a:ea typeface="微软雅黑" panose="020B0503020204020204" pitchFamily="34" charset="-122"/>
+              </a:rPr>
+              <a:t>返回音频的本地</a:t>
+            </a:r>
+            <a:r>
+              <a:rPr lang="en-US" altLang="zh-CN" dirty="0">
+                <a:latin typeface="Consolas" panose="020B0609020204030204" pitchFamily="49" charset="0"/>
+                <a:ea typeface="微软雅黑" panose="020B0503020204020204" pitchFamily="34" charset="-122"/>
+              </a:rPr>
+              <a:t>ID</a:t>
+            </a:r>
+          </a:p>
+          <a:p>
+            <a:pPr lvl="1"/>
+            <a:r>
+              <a:rPr lang="en-US" altLang="zh-CN" dirty="0">
+                <a:latin typeface="Consolas" panose="020B0609020204030204" pitchFamily="49" charset="0"/>
+                <a:ea typeface="微软雅黑" panose="020B0503020204020204" pitchFamily="34" charset="-122"/>
+              </a:rPr>
+              <a:t>    }</a:t>
+            </a:r>
+          </a:p>
+          <a:p>
+            <a:pPr lvl="1"/>
+            <a:r>
+              <a:rPr lang="en-US" altLang="zh-CN" dirty="0">
+                <a:latin typeface="Consolas" panose="020B0609020204030204" pitchFamily="49" charset="0"/>
+                <a:ea typeface="微软雅黑" panose="020B0503020204020204" pitchFamily="34" charset="-122"/>
+              </a:rPr>
+              <a:t>});</a:t>
+            </a:r>
+          </a:p>
+          <a:p>
+            <a:pPr marL="285750" indent="-285750">
+              <a:buFont typeface="Arial" panose="020B0604020202020204" pitchFamily="34" charset="0"/>
+              <a:buChar char="•"/>
+            </a:pPr>
+            <a:r>
+              <a:rPr lang="zh-CN" altLang="en-US" dirty="0">
+                <a:effectLst/>
+                <a:latin typeface="Consolas" panose="020B0609020204030204" pitchFamily="49" charset="0"/>
+                <a:ea typeface="微软雅黑" panose="020B0503020204020204" pitchFamily="34" charset="-122"/>
+              </a:rPr>
+              <a:t>调用方式：</a:t>
+            </a:r>
+            <a:endParaRPr lang="en-US" altLang="zh-CN" dirty="0">
+              <a:effectLst/>
+              <a:latin typeface="Consolas" panose="020B0609020204030204" pitchFamily="49" charset="0"/>
+              <a:ea typeface="微软雅黑" panose="020B0503020204020204" pitchFamily="34" charset="-122"/>
+            </a:endParaRPr>
+          </a:p>
+          <a:p>
+            <a:pPr lvl="1"/>
+            <a:r>
+              <a:rPr lang="en-US" altLang="zh-CN" dirty="0">
+                <a:latin typeface="Consolas" panose="020B0609020204030204" pitchFamily="49" charset="0"/>
+                <a:ea typeface="微软雅黑" panose="020B0503020204020204" pitchFamily="34" charset="-122"/>
+              </a:rPr>
+              <a:t>ready</a:t>
+            </a:r>
+            <a:r>
+              <a:rPr lang="zh-CN" altLang="en-US" dirty="0">
+                <a:latin typeface="Consolas" panose="020B0609020204030204" pitchFamily="49" charset="0"/>
+                <a:ea typeface="微软雅黑" panose="020B0503020204020204" pitchFamily="34" charset="-122"/>
+              </a:rPr>
+              <a:t>接口中进行配置。</a:t>
+            </a:r>
+            <a:endParaRPr lang="en-US" altLang="zh-CN" dirty="0">
+              <a:effectLst/>
+              <a:latin typeface="Consolas" panose="020B0609020204030204" pitchFamily="49" charset="0"/>
+              <a:ea typeface="微软雅黑" panose="020B0503020204020204" pitchFamily="34" charset="-122"/>
+            </a:endParaRPr>
+          </a:p>
+        </p:txBody>
+      </p:sp>
+    </p:spTree>
+    <p:extLst>
+      <p:ext uri="{BB962C8B-B14F-4D97-AF65-F5344CB8AC3E}">
+        <p14:creationId xmlns:p14="http://schemas.microsoft.com/office/powerpoint/2010/main" val="2835090009"/>
+      </p:ext>
+    </p:extLst>
+  </p:cSld>
+  <p:clrMapOvr>
+    <a:masterClrMapping/>
+  </p:clrMapOvr>
+</p:sld>
+</file>
+
+<file path=ppt/slides/slide26.xml><?xml version="1.0" encoding="utf-8"?>
 <p:sld xmlns:a="http://schemas.openxmlformats.org/drawingml/2006/main" xmlns:r="http://schemas.openxmlformats.org/officeDocument/2006/relationships" xmlns:p="http://schemas.openxmlformats.org/presentationml/2006/main">
   <p:cSld>
     <p:spTree>
@@ -15589,7 +18014,7 @@
         <p:spPr>
           <a:xfrm>
             <a:off x="4058444" y="2343152"/>
-            <a:ext cx="5385594" cy="1969257"/>
+            <a:ext cx="5385594" cy="2062103"/>
           </a:xfrm>
           <a:prstGeom prst="rect">
             <a:avLst/>
@@ -15610,7 +18035,7 @@
               <a:buAutoNum type="ea1JpnChsDbPeriod"/>
             </a:pPr>
             <a:r>
-              <a:rPr lang="en-US" altLang="zh-CN" sz="2400">
+              <a:rPr lang="en-US" altLang="zh-CN" sz="2400" dirty="0">
                 <a:solidFill>
                   <a:schemeClr val="accent6">
                     <a:lumMod val="75000"/>
@@ -15697,7 +18122,7 @@
               <a:buAutoNum type="ea1JpnChsDbPeriod"/>
             </a:pPr>
             <a:r>
-              <a:rPr lang="en-US" altLang="zh-CN" sz="2000" dirty="0" err="1">
+              <a:rPr lang="en-US" altLang="zh-CN" sz="2000" dirty="0">
                 <a:solidFill>
                   <a:schemeClr val="tx1">
                     <a:lumMod val="65000"/>
@@ -15707,7 +18132,7 @@
                 <a:latin typeface="微软雅黑" panose="020B0503020204020204" pitchFamily="34" charset="-122"/>
                 <a:ea typeface="微软雅黑" panose="020B0503020204020204" pitchFamily="34" charset="-122"/>
               </a:rPr>
-              <a:t>WeUI</a:t>
+              <a:t>JS-SDK</a:t>
             </a:r>
             <a:r>
               <a:rPr lang="zh-CN" altLang="en-US" sz="2000" dirty="0">
@@ -15720,33 +18145,7 @@
                 <a:latin typeface="微软雅黑" panose="020B0503020204020204" pitchFamily="34" charset="-122"/>
                 <a:ea typeface="微软雅黑" panose="020B0503020204020204" pitchFamily="34" charset="-122"/>
               </a:rPr>
-              <a:t>与</a:t>
-            </a:r>
-            <a:r>
-              <a:rPr lang="en-US" altLang="zh-CN" sz="2000" dirty="0">
-                <a:solidFill>
-                  <a:schemeClr val="tx1">
-                    <a:lumMod val="65000"/>
-                    <a:lumOff val="35000"/>
-                  </a:schemeClr>
-                </a:solidFill>
-                <a:latin typeface="微软雅黑" panose="020B0503020204020204" pitchFamily="34" charset="-122"/>
-                <a:ea typeface="微软雅黑" panose="020B0503020204020204" pitchFamily="34" charset="-122"/>
-              </a:rPr>
-              <a:t>JS-SDK</a:t>
-            </a:r>
-            <a:r>
-              <a:rPr lang="zh-CN" altLang="en-US" sz="2000" dirty="0">
-                <a:solidFill>
-                  <a:schemeClr val="tx1">
-                    <a:lumMod val="65000"/>
-                    <a:lumOff val="35000"/>
-                  </a:schemeClr>
-                </a:solidFill>
-                <a:latin typeface="微软雅黑" panose="020B0503020204020204" pitchFamily="34" charset="-122"/>
-                <a:ea typeface="微软雅黑" panose="020B0503020204020204" pitchFamily="34" charset="-122"/>
-              </a:rPr>
-              <a:t>配合使用</a:t>
+              <a:t>基本使用（续）</a:t>
             </a:r>
             <a:endParaRPr lang="en-US" altLang="zh-CN" sz="2000" dirty="0">
               <a:solidFill>
@@ -15985,7 +18384,7 @@
         </p:nvSpPr>
         <p:spPr>
           <a:xfrm>
-            <a:off x="1054100" y="1692166"/>
+            <a:off x="1054100" y="1633173"/>
             <a:ext cx="10717486" cy="4371068"/>
           </a:xfrm>
           <a:prstGeom prst="rect">
@@ -16005,16 +18404,12 @@
               </a:lnSpc>
             </a:pPr>
             <a:r>
-              <a:rPr lang="zh-CN" altLang="en-US" b="1" dirty="0">
+              <a:rPr lang="zh-CN" altLang="en-US" dirty="0">
                 <a:latin typeface="微软雅黑" panose="020B0503020204020204" pitchFamily="34" charset="-122"/>
                 <a:ea typeface="微软雅黑" panose="020B0503020204020204" pitchFamily="34" charset="-122"/>
               </a:rPr>
               <a:t>步骤一：绑定域名</a:t>
             </a:r>
-            <a:endParaRPr lang="zh-CN" altLang="en-US" dirty="0">
-              <a:latin typeface="微软雅黑" panose="020B0503020204020204" pitchFamily="34" charset="-122"/>
-              <a:ea typeface="微软雅黑" panose="020B0503020204020204" pitchFamily="34" charset="-122"/>
-            </a:endParaRPr>
           </a:p>
           <a:p>
             <a:pPr lvl="1">
@@ -16065,30 +18460,26 @@
               </a:lnSpc>
             </a:pPr>
             <a:r>
-              <a:rPr lang="zh-CN" altLang="en-US" b="1" dirty="0">
+              <a:rPr lang="zh-CN" altLang="en-US" dirty="0">
                 <a:latin typeface="微软雅黑" panose="020B0503020204020204" pitchFamily="34" charset="-122"/>
                 <a:ea typeface="微软雅黑" panose="020B0503020204020204" pitchFamily="34" charset="-122"/>
               </a:rPr>
               <a:t>步骤二：引入</a:t>
             </a:r>
             <a:r>
-              <a:rPr lang="en-US" altLang="zh-CN" b="1" dirty="0">
+              <a:rPr lang="en-US" altLang="zh-CN" dirty="0">
                 <a:latin typeface="微软雅黑" panose="020B0503020204020204" pitchFamily="34" charset="-122"/>
                 <a:ea typeface="微软雅黑" panose="020B0503020204020204" pitchFamily="34" charset="-122"/>
               </a:rPr>
               <a:t>JS</a:t>
             </a:r>
             <a:r>
-              <a:rPr lang="zh-CN" altLang="en-US" b="1" dirty="0">
+              <a:rPr lang="zh-CN" altLang="en-US" dirty="0">
                 <a:latin typeface="微软雅黑" panose="020B0503020204020204" pitchFamily="34" charset="-122"/>
                 <a:ea typeface="微软雅黑" panose="020B0503020204020204" pitchFamily="34" charset="-122"/>
               </a:rPr>
               <a:t>文件</a:t>
             </a:r>
-            <a:endParaRPr lang="zh-CN" altLang="en-US" dirty="0">
-              <a:latin typeface="微软雅黑" panose="020B0503020204020204" pitchFamily="34" charset="-122"/>
-              <a:ea typeface="微软雅黑" panose="020B0503020204020204" pitchFamily="34" charset="-122"/>
-            </a:endParaRPr>
           </a:p>
           <a:p>
             <a:pPr lvl="1">
@@ -16182,30 +18573,26 @@
               </a:lnSpc>
             </a:pPr>
             <a:r>
-              <a:rPr lang="zh-CN" altLang="en-US" b="1" dirty="0">
+              <a:rPr lang="zh-CN" altLang="en-US" dirty="0">
                 <a:latin typeface="微软雅黑" panose="020B0503020204020204" pitchFamily="34" charset="-122"/>
                 <a:ea typeface="微软雅黑" panose="020B0503020204020204" pitchFamily="34" charset="-122"/>
               </a:rPr>
               <a:t>步骤三：通过</a:t>
             </a:r>
             <a:r>
-              <a:rPr lang="en-US" altLang="zh-CN" b="1" dirty="0">
+              <a:rPr lang="en-US" altLang="zh-CN" dirty="0">
                 <a:latin typeface="微软雅黑" panose="020B0503020204020204" pitchFamily="34" charset="-122"/>
                 <a:ea typeface="微软雅黑" panose="020B0503020204020204" pitchFamily="34" charset="-122"/>
               </a:rPr>
               <a:t>config</a:t>
             </a:r>
             <a:r>
-              <a:rPr lang="zh-CN" altLang="en-US" b="1" dirty="0">
+              <a:rPr lang="zh-CN" altLang="en-US" dirty="0">
                 <a:latin typeface="微软雅黑" panose="020B0503020204020204" pitchFamily="34" charset="-122"/>
                 <a:ea typeface="微软雅黑" panose="020B0503020204020204" pitchFamily="34" charset="-122"/>
               </a:rPr>
               <a:t>接口注入权限验证配置</a:t>
             </a:r>
-            <a:endParaRPr lang="zh-CN" altLang="en-US" dirty="0">
-              <a:latin typeface="微软雅黑" panose="020B0503020204020204" pitchFamily="34" charset="-122"/>
-              <a:ea typeface="微软雅黑" panose="020B0503020204020204" pitchFamily="34" charset="-122"/>
-            </a:endParaRPr>
           </a:p>
           <a:p>
             <a:pPr lvl="1">
@@ -16554,27 +18941,27 @@
               </a:lnSpc>
             </a:pPr>
             <a:r>
-              <a:rPr lang="zh-CN" altLang="en-US" b="1" dirty="0">
+              <a:rPr lang="zh-CN" altLang="en-US" dirty="0">
                 <a:latin typeface="微软雅黑" panose="020B0503020204020204" pitchFamily="34" charset="-122"/>
                 <a:ea typeface="微软雅黑" panose="020B0503020204020204" pitchFamily="34" charset="-122"/>
               </a:rPr>
               <a:t>步骤四：通过</a:t>
             </a:r>
             <a:r>
-              <a:rPr lang="en-US" altLang="zh-CN" b="1" dirty="0">
+              <a:rPr lang="en-US" altLang="zh-CN" dirty="0">
                 <a:latin typeface="微软雅黑" panose="020B0503020204020204" pitchFamily="34" charset="-122"/>
                 <a:ea typeface="微软雅黑" panose="020B0503020204020204" pitchFamily="34" charset="-122"/>
               </a:rPr>
               <a:t>ready</a:t>
             </a:r>
             <a:r>
-              <a:rPr lang="zh-CN" altLang="en-US" b="1" dirty="0">
+              <a:rPr lang="zh-CN" altLang="en-US" dirty="0">
                 <a:latin typeface="微软雅黑" panose="020B0503020204020204" pitchFamily="34" charset="-122"/>
                 <a:ea typeface="微软雅黑" panose="020B0503020204020204" pitchFamily="34" charset="-122"/>
               </a:rPr>
               <a:t>接口处理成功验证</a:t>
             </a:r>
-            <a:endParaRPr lang="en-US" altLang="zh-CN" b="1" dirty="0">
+            <a:endParaRPr lang="en-US" altLang="zh-CN" dirty="0">
               <a:latin typeface="微软雅黑" panose="020B0503020204020204" pitchFamily="34" charset="-122"/>
               <a:ea typeface="微软雅黑" panose="020B0503020204020204" pitchFamily="34" charset="-122"/>
             </a:endParaRPr>
@@ -16586,21 +18973,21 @@
               </a:lnSpc>
             </a:pPr>
             <a:r>
-              <a:rPr lang="zh-CN" altLang="en-US" b="1" dirty="0">
+              <a:rPr lang="zh-CN" altLang="en-US" dirty="0">
                 <a:latin typeface="微软雅黑" panose="020B0503020204020204" pitchFamily="34" charset="-122"/>
                 <a:ea typeface="微软雅黑" panose="020B0503020204020204" pitchFamily="34" charset="-122"/>
               </a:rPr>
               <a:t>步骤五：通过</a:t>
             </a:r>
             <a:r>
-              <a:rPr lang="en-US" altLang="zh-CN" b="1" dirty="0">
+              <a:rPr lang="en-US" altLang="zh-CN" dirty="0">
                 <a:latin typeface="微软雅黑" panose="020B0503020204020204" pitchFamily="34" charset="-122"/>
                 <a:ea typeface="微软雅黑" panose="020B0503020204020204" pitchFamily="34" charset="-122"/>
               </a:rPr>
               <a:t>error</a:t>
             </a:r>
             <a:r>
-              <a:rPr lang="zh-CN" altLang="en-US" b="1" dirty="0">
+              <a:rPr lang="zh-CN" altLang="en-US" dirty="0">
                 <a:latin typeface="微软雅黑" panose="020B0503020204020204" pitchFamily="34" charset="-122"/>
                 <a:ea typeface="微软雅黑" panose="020B0503020204020204" pitchFamily="34" charset="-122"/>
               </a:rPr>
